--- a/docs/Accessibility4md.pptx
+++ b/docs/Accessibility4md.pptx
@@ -7,14 +7,15 @@
   <p:sldIdLst>
     <p:sldId id="256" r:id="rId2"/>
     <p:sldId id="257" r:id="rId3"/>
-    <p:sldId id="259" r:id="rId4"/>
+    <p:sldId id="266" r:id="rId4"/>
     <p:sldId id="258" r:id="rId5"/>
-    <p:sldId id="261" r:id="rId6"/>
-    <p:sldId id="263" r:id="rId7"/>
-    <p:sldId id="260" r:id="rId8"/>
-    <p:sldId id="265" r:id="rId9"/>
-    <p:sldId id="262" r:id="rId10"/>
-    <p:sldId id="264" r:id="rId11"/>
+    <p:sldId id="259" r:id="rId6"/>
+    <p:sldId id="261" r:id="rId7"/>
+    <p:sldId id="263" r:id="rId8"/>
+    <p:sldId id="260" r:id="rId9"/>
+    <p:sldId id="265" r:id="rId10"/>
+    <p:sldId id="262" r:id="rId11"/>
+    <p:sldId id="264" r:id="rId12"/>
   </p:sldIdLst>
   <p:sldSz cx="12192000" cy="6858000"/>
   <p:notesSz cx="6858000" cy="9144000"/>
@@ -113,7 +114,6619 @@
       </a:defRPr>
     </a:lvl9pPr>
   </p:defaultTextStyle>
+  <p:extLst>
+    <p:ext uri="{EFAFB233-063F-42B5-8137-9DF3F51BA10A}">
+      <p15:sldGuideLst xmlns:p15="http://schemas.microsoft.com/office/powerpoint/2012/main"/>
+    </p:ext>
+  </p:extLst>
 </p:presentation>
+</file>
+
+<file path=ppt/revisionInfo.xml><?xml version="1.0" encoding="utf-8"?>
+<p1510:revInfo xmlns:a="http://schemas.openxmlformats.org/drawingml/2006/main" xmlns:r="http://schemas.openxmlformats.org/officeDocument/2006/relationships" xmlns:p1510="http://schemas.microsoft.com/office/powerpoint/2015/10/main">
+  <p1510:revLst>
+    <p1510:client id="{065354B1-47A5-4C6A-83CB-F61982B34767}" v="6" dt="2023-03-11T18:23:19.049"/>
+  </p1510:revLst>
+</p1510:revInfo>
+</file>
+
+<file path=ppt/changesInfos/changesInfo1.xml><?xml version="1.0" encoding="utf-8"?>
+<pc:chgInfo xmlns:a="http://schemas.openxmlformats.org/drawingml/2006/main" xmlns:r="http://schemas.openxmlformats.org/officeDocument/2006/relationships" xmlns:ac="http://schemas.microsoft.com/office/drawing/2013/main/command" xmlns:pc="http://schemas.microsoft.com/office/powerpoint/2013/main/command">
+  <pc:docChgLst>
+    <pc:chgData name="Jae Dong Hwang" userId="c89e3b08-5e4b-4cb8-8337-9753531f2517" providerId="ADAL" clId="{065354B1-47A5-4C6A-83CB-F61982B34767}"/>
+    <pc:docChg chg="undo custSel addSld delSld modSld sldOrd">
+      <pc:chgData name="Jae Dong Hwang" userId="c89e3b08-5e4b-4cb8-8337-9753531f2517" providerId="ADAL" clId="{065354B1-47A5-4C6A-83CB-F61982B34767}" dt="2023-03-11T18:45:23.157" v="1794" actId="20577"/>
+      <pc:docMkLst>
+        <pc:docMk/>
+      </pc:docMkLst>
+      <pc:sldChg chg="modSp">
+        <pc:chgData name="Jae Dong Hwang" userId="c89e3b08-5e4b-4cb8-8337-9753531f2517" providerId="ADAL" clId="{065354B1-47A5-4C6A-83CB-F61982B34767}" dt="2023-03-11T18:23:19.049" v="610"/>
+        <pc:sldMkLst>
+          <pc:docMk/>
+          <pc:sldMk cId="3800401965" sldId="256"/>
+        </pc:sldMkLst>
+        <pc:spChg chg="mod">
+          <ac:chgData name="Jae Dong Hwang" userId="c89e3b08-5e4b-4cb8-8337-9753531f2517" providerId="ADAL" clId="{065354B1-47A5-4C6A-83CB-F61982B34767}" dt="2023-03-11T18:23:19.049" v="610"/>
+          <ac:spMkLst>
+            <pc:docMk/>
+            <pc:sldMk cId="3800401965" sldId="256"/>
+            <ac:spMk id="2" creationId="{D8D343C3-2407-2F97-719B-31E48A8BA4F8}"/>
+          </ac:spMkLst>
+        </pc:spChg>
+        <pc:spChg chg="mod">
+          <ac:chgData name="Jae Dong Hwang" userId="c89e3b08-5e4b-4cb8-8337-9753531f2517" providerId="ADAL" clId="{065354B1-47A5-4C6A-83CB-F61982B34767}" dt="2023-03-11T18:23:19.049" v="610"/>
+          <ac:spMkLst>
+            <pc:docMk/>
+            <pc:sldMk cId="3800401965" sldId="256"/>
+            <ac:spMk id="3" creationId="{0E20A18C-FAA5-99EA-A66F-7848451887DE}"/>
+          </ac:spMkLst>
+        </pc:spChg>
+      </pc:sldChg>
+      <pc:sldChg chg="addSp delSp modSp mod setBg">
+        <pc:chgData name="Jae Dong Hwang" userId="c89e3b08-5e4b-4cb8-8337-9753531f2517" providerId="ADAL" clId="{065354B1-47A5-4C6A-83CB-F61982B34767}" dt="2023-03-11T18:24:31.061" v="613" actId="26606"/>
+        <pc:sldMkLst>
+          <pc:docMk/>
+          <pc:sldMk cId="1384628026" sldId="257"/>
+        </pc:sldMkLst>
+        <pc:spChg chg="mod">
+          <ac:chgData name="Jae Dong Hwang" userId="c89e3b08-5e4b-4cb8-8337-9753531f2517" providerId="ADAL" clId="{065354B1-47A5-4C6A-83CB-F61982B34767}" dt="2023-03-11T18:24:31.061" v="613" actId="26606"/>
+          <ac:spMkLst>
+            <pc:docMk/>
+            <pc:sldMk cId="1384628026" sldId="257"/>
+            <ac:spMk id="2" creationId="{BCD50225-DAC8-287D-8AC5-C6FFA9136D5D}"/>
+          </ac:spMkLst>
+        </pc:spChg>
+        <pc:spChg chg="add del mod">
+          <ac:chgData name="Jae Dong Hwang" userId="c89e3b08-5e4b-4cb8-8337-9753531f2517" providerId="ADAL" clId="{065354B1-47A5-4C6A-83CB-F61982B34767}" dt="2023-03-11T18:24:31.061" v="613" actId="26606"/>
+          <ac:spMkLst>
+            <pc:docMk/>
+            <pc:sldMk cId="1384628026" sldId="257"/>
+            <ac:spMk id="3" creationId="{71E68551-88FB-3125-7B5D-BE0F935FD91C}"/>
+          </ac:spMkLst>
+        </pc:spChg>
+        <pc:spChg chg="add del">
+          <ac:chgData name="Jae Dong Hwang" userId="c89e3b08-5e4b-4cb8-8337-9753531f2517" providerId="ADAL" clId="{065354B1-47A5-4C6A-83CB-F61982B34767}" dt="2023-03-11T18:24:31.061" v="613" actId="26606"/>
+          <ac:spMkLst>
+            <pc:docMk/>
+            <pc:sldMk cId="1384628026" sldId="257"/>
+            <ac:spMk id="9" creationId="{53B021B3-DE93-4AB7-8A18-CF5F1CED88B8}"/>
+          </ac:spMkLst>
+        </pc:spChg>
+        <pc:spChg chg="add del">
+          <ac:chgData name="Jae Dong Hwang" userId="c89e3b08-5e4b-4cb8-8337-9753531f2517" providerId="ADAL" clId="{065354B1-47A5-4C6A-83CB-F61982B34767}" dt="2023-03-11T18:24:31.061" v="613" actId="26606"/>
+          <ac:spMkLst>
+            <pc:docMk/>
+            <pc:sldMk cId="1384628026" sldId="257"/>
+            <ac:spMk id="11" creationId="{52D502E5-F6B4-4D58-B4AE-FC466FF15EE8}"/>
+          </ac:spMkLst>
+        </pc:spChg>
+        <pc:spChg chg="add del">
+          <ac:chgData name="Jae Dong Hwang" userId="c89e3b08-5e4b-4cb8-8337-9753531f2517" providerId="ADAL" clId="{065354B1-47A5-4C6A-83CB-F61982B34767}" dt="2023-03-11T18:24:31.061" v="613" actId="26606"/>
+          <ac:spMkLst>
+            <pc:docMk/>
+            <pc:sldMk cId="1384628026" sldId="257"/>
+            <ac:spMk id="13" creationId="{9DECDBF4-02B6-4BB4-B65B-B8107AD6A9E8}"/>
+          </ac:spMkLst>
+        </pc:spChg>
+        <pc:graphicFrameChg chg="add del">
+          <ac:chgData name="Jae Dong Hwang" userId="c89e3b08-5e4b-4cb8-8337-9753531f2517" providerId="ADAL" clId="{065354B1-47A5-4C6A-83CB-F61982B34767}" dt="2023-03-11T18:24:31.061" v="613" actId="26606"/>
+          <ac:graphicFrameMkLst>
+            <pc:docMk/>
+            <pc:sldMk cId="1384628026" sldId="257"/>
+            <ac:graphicFrameMk id="5" creationId="{0ED6E371-9428-AB64-3B17-4B927F7268F3}"/>
+          </ac:graphicFrameMkLst>
+        </pc:graphicFrameChg>
+      </pc:sldChg>
+      <pc:sldChg chg="addSp delSp modSp mod ord setBg">
+        <pc:chgData name="Jae Dong Hwang" userId="c89e3b08-5e4b-4cb8-8337-9753531f2517" providerId="ADAL" clId="{065354B1-47A5-4C6A-83CB-F61982B34767}" dt="2023-03-11T18:23:33.626" v="611" actId="26606"/>
+        <pc:sldMkLst>
+          <pc:docMk/>
+          <pc:sldMk cId="827021043" sldId="258"/>
+        </pc:sldMkLst>
+        <pc:spChg chg="mod">
+          <ac:chgData name="Jae Dong Hwang" userId="c89e3b08-5e4b-4cb8-8337-9753531f2517" providerId="ADAL" clId="{065354B1-47A5-4C6A-83CB-F61982B34767}" dt="2023-03-11T18:23:19.049" v="610"/>
+          <ac:spMkLst>
+            <pc:docMk/>
+            <pc:sldMk cId="827021043" sldId="258"/>
+            <ac:spMk id="2" creationId="{CC257750-5ABC-33B6-95F4-1EB8393C11EB}"/>
+          </ac:spMkLst>
+        </pc:spChg>
+        <pc:spChg chg="del mod">
+          <ac:chgData name="Jae Dong Hwang" userId="c89e3b08-5e4b-4cb8-8337-9753531f2517" providerId="ADAL" clId="{065354B1-47A5-4C6A-83CB-F61982B34767}" dt="2023-03-11T18:23:33.626" v="611" actId="26606"/>
+          <ac:spMkLst>
+            <pc:docMk/>
+            <pc:sldMk cId="827021043" sldId="258"/>
+            <ac:spMk id="3" creationId="{F98B2279-C7C0-5B06-C3BF-66D7D23875B4}"/>
+          </ac:spMkLst>
+        </pc:spChg>
+        <pc:spChg chg="add del mod">
+          <ac:chgData name="Jae Dong Hwang" userId="c89e3b08-5e4b-4cb8-8337-9753531f2517" providerId="ADAL" clId="{065354B1-47A5-4C6A-83CB-F61982B34767}" dt="2023-03-11T18:22:28.827" v="608" actId="478"/>
+          <ac:spMkLst>
+            <pc:docMk/>
+            <pc:sldMk cId="827021043" sldId="258"/>
+            <ac:spMk id="6" creationId="{45C9F489-B4E9-E9F9-AF1C-41831211A325}"/>
+          </ac:spMkLst>
+        </pc:spChg>
+        <pc:spChg chg="add del mod">
+          <ac:chgData name="Jae Dong Hwang" userId="c89e3b08-5e4b-4cb8-8337-9753531f2517" providerId="ADAL" clId="{065354B1-47A5-4C6A-83CB-F61982B34767}" dt="2023-03-11T18:17:57.707" v="541" actId="478"/>
+          <ac:spMkLst>
+            <pc:docMk/>
+            <pc:sldMk cId="827021043" sldId="258"/>
+            <ac:spMk id="8" creationId="{EEC2A711-A1A4-6FE2-BA5E-B640D20BFAB3}"/>
+          </ac:spMkLst>
+        </pc:spChg>
+        <pc:graphicFrameChg chg="add">
+          <ac:chgData name="Jae Dong Hwang" userId="c89e3b08-5e4b-4cb8-8337-9753531f2517" providerId="ADAL" clId="{065354B1-47A5-4C6A-83CB-F61982B34767}" dt="2023-03-11T18:23:33.626" v="611" actId="26606"/>
+          <ac:graphicFrameMkLst>
+            <pc:docMk/>
+            <pc:sldMk cId="827021043" sldId="258"/>
+            <ac:graphicFrameMk id="7" creationId="{F5281873-D054-9168-2A74-7E9622F12CEF}"/>
+          </ac:graphicFrameMkLst>
+        </pc:graphicFrameChg>
+        <pc:picChg chg="add del">
+          <ac:chgData name="Jae Dong Hwang" userId="c89e3b08-5e4b-4cb8-8337-9753531f2517" providerId="ADAL" clId="{065354B1-47A5-4C6A-83CB-F61982B34767}" dt="2023-03-11T17:58:50.924" v="1" actId="26606"/>
+          <ac:picMkLst>
+            <pc:docMk/>
+            <pc:sldMk cId="827021043" sldId="258"/>
+            <ac:picMk id="5" creationId="{5ADBC083-A54C-3161-C452-789D63648962}"/>
+          </ac:picMkLst>
+        </pc:picChg>
+        <pc:cxnChg chg="add del">
+          <ac:chgData name="Jae Dong Hwang" userId="c89e3b08-5e4b-4cb8-8337-9753531f2517" providerId="ADAL" clId="{065354B1-47A5-4C6A-83CB-F61982B34767}" dt="2023-03-11T17:58:50.924" v="1" actId="26606"/>
+          <ac:cxnSpMkLst>
+            <pc:docMk/>
+            <pc:sldMk cId="827021043" sldId="258"/>
+            <ac:cxnSpMk id="9" creationId="{A7F400EE-A8A5-48AF-B4D6-291B52C6F0B0}"/>
+          </ac:cxnSpMkLst>
+        </pc:cxnChg>
+      </pc:sldChg>
+      <pc:sldChg chg="modSp mod">
+        <pc:chgData name="Jae Dong Hwang" userId="c89e3b08-5e4b-4cb8-8337-9753531f2517" providerId="ADAL" clId="{065354B1-47A5-4C6A-83CB-F61982B34767}" dt="2023-03-11T18:23:19.049" v="610"/>
+        <pc:sldMkLst>
+          <pc:docMk/>
+          <pc:sldMk cId="1520976860" sldId="259"/>
+        </pc:sldMkLst>
+        <pc:spChg chg="mod">
+          <ac:chgData name="Jae Dong Hwang" userId="c89e3b08-5e4b-4cb8-8337-9753531f2517" providerId="ADAL" clId="{065354B1-47A5-4C6A-83CB-F61982B34767}" dt="2023-03-11T18:23:19.049" v="610"/>
+          <ac:spMkLst>
+            <pc:docMk/>
+            <pc:sldMk cId="1520976860" sldId="259"/>
+            <ac:spMk id="2" creationId="{121E7783-87D4-4A7D-8A70-8311C4CC7C7A}"/>
+          </ac:spMkLst>
+        </pc:spChg>
+        <pc:spChg chg="mod">
+          <ac:chgData name="Jae Dong Hwang" userId="c89e3b08-5e4b-4cb8-8337-9753531f2517" providerId="ADAL" clId="{065354B1-47A5-4C6A-83CB-F61982B34767}" dt="2023-03-11T18:23:19.049" v="610"/>
+          <ac:spMkLst>
+            <pc:docMk/>
+            <pc:sldMk cId="1520976860" sldId="259"/>
+            <ac:spMk id="3" creationId="{C8ED4AC2-EAD4-D025-6E45-359B92CFF0C3}"/>
+          </ac:spMkLst>
+        </pc:spChg>
+        <pc:spChg chg="mod">
+          <ac:chgData name="Jae Dong Hwang" userId="c89e3b08-5e4b-4cb8-8337-9753531f2517" providerId="ADAL" clId="{065354B1-47A5-4C6A-83CB-F61982B34767}" dt="2023-03-11T18:09:30.731" v="233" actId="20577"/>
+          <ac:spMkLst>
+            <pc:docMk/>
+            <pc:sldMk cId="1520976860" sldId="259"/>
+            <ac:spMk id="28" creationId="{8F5FA4AC-0A1A-68CC-3871-262EE4DBA6C8}"/>
+          </ac:spMkLst>
+        </pc:spChg>
+      </pc:sldChg>
+      <pc:sldChg chg="modSp">
+        <pc:chgData name="Jae Dong Hwang" userId="c89e3b08-5e4b-4cb8-8337-9753531f2517" providerId="ADAL" clId="{065354B1-47A5-4C6A-83CB-F61982B34767}" dt="2023-03-11T18:23:19.049" v="610"/>
+        <pc:sldMkLst>
+          <pc:docMk/>
+          <pc:sldMk cId="2625806369" sldId="260"/>
+        </pc:sldMkLst>
+        <pc:spChg chg="mod">
+          <ac:chgData name="Jae Dong Hwang" userId="c89e3b08-5e4b-4cb8-8337-9753531f2517" providerId="ADAL" clId="{065354B1-47A5-4C6A-83CB-F61982B34767}" dt="2023-03-11T18:23:19.049" v="610"/>
+          <ac:spMkLst>
+            <pc:docMk/>
+            <pc:sldMk cId="2625806369" sldId="260"/>
+            <ac:spMk id="2" creationId="{8A984FB3-EB4E-E835-872E-A92E3E24472D}"/>
+          </ac:spMkLst>
+        </pc:spChg>
+      </pc:sldChg>
+      <pc:sldChg chg="modSp mod">
+        <pc:chgData name="Jae Dong Hwang" userId="c89e3b08-5e4b-4cb8-8337-9753531f2517" providerId="ADAL" clId="{065354B1-47A5-4C6A-83CB-F61982B34767}" dt="2023-03-11T18:39:14.552" v="1771" actId="20577"/>
+        <pc:sldMkLst>
+          <pc:docMk/>
+          <pc:sldMk cId="1295947180" sldId="261"/>
+        </pc:sldMkLst>
+        <pc:spChg chg="mod">
+          <ac:chgData name="Jae Dong Hwang" userId="c89e3b08-5e4b-4cb8-8337-9753531f2517" providerId="ADAL" clId="{065354B1-47A5-4C6A-83CB-F61982B34767}" dt="2023-03-11T18:23:19.049" v="610"/>
+          <ac:spMkLst>
+            <pc:docMk/>
+            <pc:sldMk cId="1295947180" sldId="261"/>
+            <ac:spMk id="2" creationId="{121E7783-87D4-4A7D-8A70-8311C4CC7C7A}"/>
+          </ac:spMkLst>
+        </pc:spChg>
+        <pc:spChg chg="mod">
+          <ac:chgData name="Jae Dong Hwang" userId="c89e3b08-5e4b-4cb8-8337-9753531f2517" providerId="ADAL" clId="{065354B1-47A5-4C6A-83CB-F61982B34767}" dt="2023-03-11T18:39:14.552" v="1771" actId="20577"/>
+          <ac:spMkLst>
+            <pc:docMk/>
+            <pc:sldMk cId="1295947180" sldId="261"/>
+            <ac:spMk id="3" creationId="{C8ED4AC2-EAD4-D025-6E45-359B92CFF0C3}"/>
+          </ac:spMkLst>
+        </pc:spChg>
+      </pc:sldChg>
+      <pc:sldChg chg="addSp modSp mod setBg">
+        <pc:chgData name="Jae Dong Hwang" userId="c89e3b08-5e4b-4cb8-8337-9753531f2517" providerId="ADAL" clId="{065354B1-47A5-4C6A-83CB-F61982B34767}" dt="2023-03-11T18:32:34.052" v="1360" actId="20577"/>
+        <pc:sldMkLst>
+          <pc:docMk/>
+          <pc:sldMk cId="3992563587" sldId="262"/>
+        </pc:sldMkLst>
+        <pc:spChg chg="mod">
+          <ac:chgData name="Jae Dong Hwang" userId="c89e3b08-5e4b-4cb8-8337-9753531f2517" providerId="ADAL" clId="{065354B1-47A5-4C6A-83CB-F61982B34767}" dt="2023-03-11T18:27:46.970" v="720" actId="26606"/>
+          <ac:spMkLst>
+            <pc:docMk/>
+            <pc:sldMk cId="3992563587" sldId="262"/>
+            <ac:spMk id="2" creationId="{80D4D1A4-31AC-A6B3-E88A-B6CFD3F9A571}"/>
+          </ac:spMkLst>
+        </pc:spChg>
+        <pc:spChg chg="mod">
+          <ac:chgData name="Jae Dong Hwang" userId="c89e3b08-5e4b-4cb8-8337-9753531f2517" providerId="ADAL" clId="{065354B1-47A5-4C6A-83CB-F61982B34767}" dt="2023-03-11T18:32:34.052" v="1360" actId="20577"/>
+          <ac:spMkLst>
+            <pc:docMk/>
+            <pc:sldMk cId="3992563587" sldId="262"/>
+            <ac:spMk id="3" creationId="{0D3ACFC9-4185-0AA2-415B-96C3C8E8C4C2}"/>
+          </ac:spMkLst>
+        </pc:spChg>
+        <pc:spChg chg="add">
+          <ac:chgData name="Jae Dong Hwang" userId="c89e3b08-5e4b-4cb8-8337-9753531f2517" providerId="ADAL" clId="{065354B1-47A5-4C6A-83CB-F61982B34767}" dt="2023-03-11T18:27:46.970" v="720" actId="26606"/>
+          <ac:spMkLst>
+            <pc:docMk/>
+            <pc:sldMk cId="3992563587" sldId="262"/>
+            <ac:spMk id="8" creationId="{1BB867FF-FC45-48F7-8104-F89BE54909F1}"/>
+          </ac:spMkLst>
+        </pc:spChg>
+        <pc:spChg chg="add">
+          <ac:chgData name="Jae Dong Hwang" userId="c89e3b08-5e4b-4cb8-8337-9753531f2517" providerId="ADAL" clId="{065354B1-47A5-4C6A-83CB-F61982B34767}" dt="2023-03-11T18:27:46.970" v="720" actId="26606"/>
+          <ac:spMkLst>
+            <pc:docMk/>
+            <pc:sldMk cId="3992563587" sldId="262"/>
+            <ac:spMk id="10" creationId="{8BB56887-D0D5-4F0C-9E19-7247EB83C8B7}"/>
+          </ac:spMkLst>
+        </pc:spChg>
+        <pc:spChg chg="add">
+          <ac:chgData name="Jae Dong Hwang" userId="c89e3b08-5e4b-4cb8-8337-9753531f2517" providerId="ADAL" clId="{065354B1-47A5-4C6A-83CB-F61982B34767}" dt="2023-03-11T18:27:46.970" v="720" actId="26606"/>
+          <ac:spMkLst>
+            <pc:docMk/>
+            <pc:sldMk cId="3992563587" sldId="262"/>
+            <ac:spMk id="12" creationId="{081E4A58-353D-44AE-B2FC-2A74E2E400F7}"/>
+          </ac:spMkLst>
+        </pc:spChg>
+      </pc:sldChg>
+      <pc:sldChg chg="modSp">
+        <pc:chgData name="Jae Dong Hwang" userId="c89e3b08-5e4b-4cb8-8337-9753531f2517" providerId="ADAL" clId="{065354B1-47A5-4C6A-83CB-F61982B34767}" dt="2023-03-11T18:23:19.049" v="610"/>
+        <pc:sldMkLst>
+          <pc:docMk/>
+          <pc:sldMk cId="2095209874" sldId="263"/>
+        </pc:sldMkLst>
+        <pc:spChg chg="mod">
+          <ac:chgData name="Jae Dong Hwang" userId="c89e3b08-5e4b-4cb8-8337-9753531f2517" providerId="ADAL" clId="{065354B1-47A5-4C6A-83CB-F61982B34767}" dt="2023-03-11T18:23:19.049" v="610"/>
+          <ac:spMkLst>
+            <pc:docMk/>
+            <pc:sldMk cId="2095209874" sldId="263"/>
+            <ac:spMk id="2" creationId="{8A984FB3-EB4E-E835-872E-A92E3E24472D}"/>
+          </ac:spMkLst>
+        </pc:spChg>
+      </pc:sldChg>
+      <pc:sldChg chg="modSp mod">
+        <pc:chgData name="Jae Dong Hwang" userId="c89e3b08-5e4b-4cb8-8337-9753531f2517" providerId="ADAL" clId="{065354B1-47A5-4C6A-83CB-F61982B34767}" dt="2023-03-11T18:45:23.157" v="1794" actId="20577"/>
+        <pc:sldMkLst>
+          <pc:docMk/>
+          <pc:sldMk cId="1217796841" sldId="264"/>
+        </pc:sldMkLst>
+        <pc:spChg chg="mod">
+          <ac:chgData name="Jae Dong Hwang" userId="c89e3b08-5e4b-4cb8-8337-9753531f2517" providerId="ADAL" clId="{065354B1-47A5-4C6A-83CB-F61982B34767}" dt="2023-03-11T18:36:05.642" v="1736" actId="20577"/>
+          <ac:spMkLst>
+            <pc:docMk/>
+            <pc:sldMk cId="1217796841" sldId="264"/>
+            <ac:spMk id="2" creationId="{80D4D1A4-31AC-A6B3-E88A-B6CFD3F9A571}"/>
+          </ac:spMkLst>
+        </pc:spChg>
+        <pc:spChg chg="mod">
+          <ac:chgData name="Jae Dong Hwang" userId="c89e3b08-5e4b-4cb8-8337-9753531f2517" providerId="ADAL" clId="{065354B1-47A5-4C6A-83CB-F61982B34767}" dt="2023-03-11T18:45:23.157" v="1794" actId="20577"/>
+          <ac:spMkLst>
+            <pc:docMk/>
+            <pc:sldMk cId="1217796841" sldId="264"/>
+            <ac:spMk id="3" creationId="{0D3ACFC9-4185-0AA2-415B-96C3C8E8C4C2}"/>
+          </ac:spMkLst>
+        </pc:spChg>
+      </pc:sldChg>
+      <pc:sldChg chg="modSp">
+        <pc:chgData name="Jae Dong Hwang" userId="c89e3b08-5e4b-4cb8-8337-9753531f2517" providerId="ADAL" clId="{065354B1-47A5-4C6A-83CB-F61982B34767}" dt="2023-03-11T18:23:19.049" v="610"/>
+        <pc:sldMkLst>
+          <pc:docMk/>
+          <pc:sldMk cId="1897814024" sldId="265"/>
+        </pc:sldMkLst>
+        <pc:spChg chg="mod">
+          <ac:chgData name="Jae Dong Hwang" userId="c89e3b08-5e4b-4cb8-8337-9753531f2517" providerId="ADAL" clId="{065354B1-47A5-4C6A-83CB-F61982B34767}" dt="2023-03-11T18:23:19.049" v="610"/>
+          <ac:spMkLst>
+            <pc:docMk/>
+            <pc:sldMk cId="1897814024" sldId="265"/>
+            <ac:spMk id="2" creationId="{121E7783-87D4-4A7D-8A70-8311C4CC7C7A}"/>
+          </ac:spMkLst>
+        </pc:spChg>
+        <pc:spChg chg="mod">
+          <ac:chgData name="Jae Dong Hwang" userId="c89e3b08-5e4b-4cb8-8337-9753531f2517" providerId="ADAL" clId="{065354B1-47A5-4C6A-83CB-F61982B34767}" dt="2023-03-11T18:23:19.049" v="610"/>
+          <ac:spMkLst>
+            <pc:docMk/>
+            <pc:sldMk cId="1897814024" sldId="265"/>
+            <ac:spMk id="3" creationId="{C8ED4AC2-EAD4-D025-6E45-359B92CFF0C3}"/>
+          </ac:spMkLst>
+        </pc:spChg>
+      </pc:sldChg>
+      <pc:sldChg chg="modSp new del mod">
+        <pc:chgData name="Jae Dong Hwang" userId="c89e3b08-5e4b-4cb8-8337-9753531f2517" providerId="ADAL" clId="{065354B1-47A5-4C6A-83CB-F61982B34767}" dt="2023-03-11T18:17:37.604" v="526" actId="680"/>
+        <pc:sldMkLst>
+          <pc:docMk/>
+          <pc:sldMk cId="204456728" sldId="266"/>
+        </pc:sldMkLst>
+        <pc:spChg chg="mod">
+          <ac:chgData name="Jae Dong Hwang" userId="c89e3b08-5e4b-4cb8-8337-9753531f2517" providerId="ADAL" clId="{065354B1-47A5-4C6A-83CB-F61982B34767}" dt="2023-03-11T18:17:37.196" v="525" actId="20577"/>
+          <ac:spMkLst>
+            <pc:docMk/>
+            <pc:sldMk cId="204456728" sldId="266"/>
+            <ac:spMk id="2" creationId="{EC957170-DF21-6169-DB46-A0D66FD7BF3F}"/>
+          </ac:spMkLst>
+        </pc:spChg>
+      </pc:sldChg>
+      <pc:sldChg chg="addSp delSp modSp new mod setBg">
+        <pc:chgData name="Jae Dong Hwang" userId="c89e3b08-5e4b-4cb8-8337-9753531f2517" providerId="ADAL" clId="{065354B1-47A5-4C6A-83CB-F61982B34767}" dt="2023-03-11T18:25:10.167" v="618" actId="26606"/>
+        <pc:sldMkLst>
+          <pc:docMk/>
+          <pc:sldMk cId="1485820346" sldId="266"/>
+        </pc:sldMkLst>
+        <pc:spChg chg="mod">
+          <ac:chgData name="Jae Dong Hwang" userId="c89e3b08-5e4b-4cb8-8337-9753531f2517" providerId="ADAL" clId="{065354B1-47A5-4C6A-83CB-F61982B34767}" dt="2023-03-11T18:25:10.167" v="618" actId="26606"/>
+          <ac:spMkLst>
+            <pc:docMk/>
+            <pc:sldMk cId="1485820346" sldId="266"/>
+            <ac:spMk id="2" creationId="{DF785475-1377-F60F-119A-0C1B28578853}"/>
+          </ac:spMkLst>
+        </pc:spChg>
+        <pc:spChg chg="add del mod">
+          <ac:chgData name="Jae Dong Hwang" userId="c89e3b08-5e4b-4cb8-8337-9753531f2517" providerId="ADAL" clId="{065354B1-47A5-4C6A-83CB-F61982B34767}" dt="2023-03-11T18:25:10.167" v="618" actId="26606"/>
+          <ac:spMkLst>
+            <pc:docMk/>
+            <pc:sldMk cId="1485820346" sldId="266"/>
+            <ac:spMk id="3" creationId="{FE44023B-C5E4-5E74-4F96-A7B54996814C}"/>
+          </ac:spMkLst>
+        </pc:spChg>
+        <pc:spChg chg="add del">
+          <ac:chgData name="Jae Dong Hwang" userId="c89e3b08-5e4b-4cb8-8337-9753531f2517" providerId="ADAL" clId="{065354B1-47A5-4C6A-83CB-F61982B34767}" dt="2023-03-11T18:24:49.683" v="615" actId="26606"/>
+          <ac:spMkLst>
+            <pc:docMk/>
+            <pc:sldMk cId="1485820346" sldId="266"/>
+            <ac:spMk id="8" creationId="{1BB867FF-FC45-48F7-8104-F89BE54909F1}"/>
+          </ac:spMkLst>
+        </pc:spChg>
+        <pc:spChg chg="add del">
+          <ac:chgData name="Jae Dong Hwang" userId="c89e3b08-5e4b-4cb8-8337-9753531f2517" providerId="ADAL" clId="{065354B1-47A5-4C6A-83CB-F61982B34767}" dt="2023-03-11T18:24:49.683" v="615" actId="26606"/>
+          <ac:spMkLst>
+            <pc:docMk/>
+            <pc:sldMk cId="1485820346" sldId="266"/>
+            <ac:spMk id="10" creationId="{8BB56887-D0D5-4F0C-9E19-7247EB83C8B7}"/>
+          </ac:spMkLst>
+        </pc:spChg>
+        <pc:spChg chg="add del">
+          <ac:chgData name="Jae Dong Hwang" userId="c89e3b08-5e4b-4cb8-8337-9753531f2517" providerId="ADAL" clId="{065354B1-47A5-4C6A-83CB-F61982B34767}" dt="2023-03-11T18:24:49.683" v="615" actId="26606"/>
+          <ac:spMkLst>
+            <pc:docMk/>
+            <pc:sldMk cId="1485820346" sldId="266"/>
+            <ac:spMk id="12" creationId="{081E4A58-353D-44AE-B2FC-2A74E2E400F7}"/>
+          </ac:spMkLst>
+        </pc:spChg>
+        <pc:graphicFrameChg chg="add del">
+          <ac:chgData name="Jae Dong Hwang" userId="c89e3b08-5e4b-4cb8-8337-9753531f2517" providerId="ADAL" clId="{065354B1-47A5-4C6A-83CB-F61982B34767}" dt="2023-03-11T18:24:57.339" v="617" actId="26606"/>
+          <ac:graphicFrameMkLst>
+            <pc:docMk/>
+            <pc:sldMk cId="1485820346" sldId="266"/>
+            <ac:graphicFrameMk id="5" creationId="{128FE9A0-00CD-239F-0D42-1B2B4D6A0CC5}"/>
+          </ac:graphicFrameMkLst>
+        </pc:graphicFrameChg>
+        <pc:graphicFrameChg chg="add">
+          <ac:chgData name="Jae Dong Hwang" userId="c89e3b08-5e4b-4cb8-8337-9753531f2517" providerId="ADAL" clId="{065354B1-47A5-4C6A-83CB-F61982B34767}" dt="2023-03-11T18:25:10.167" v="618" actId="26606"/>
+          <ac:graphicFrameMkLst>
+            <pc:docMk/>
+            <pc:sldMk cId="1485820346" sldId="266"/>
+            <ac:graphicFrameMk id="6" creationId="{65C16D57-277F-F4CD-E543-9F5AB251D093}"/>
+          </ac:graphicFrameMkLst>
+        </pc:graphicFrameChg>
+      </pc:sldChg>
+    </pc:docChg>
+  </pc:docChgLst>
+</pc:chgInfo>
+</file>
+
+<file path=ppt/diagrams/colors1.xml><?xml version="1.0" encoding="utf-8"?>
+<dgm:colorsDef xmlns:dgm="http://schemas.openxmlformats.org/drawingml/2006/diagram" xmlns:a="http://schemas.openxmlformats.org/drawingml/2006/main" uniqueId="urn:microsoft.com/office/officeart/2018/5/colors/Iconchunking_neutralbg_colorful1">
+  <dgm:title val=""/>
+  <dgm:desc val=""/>
+  <dgm:catLst>
+    <dgm:cat type="colorful" pri="10100"/>
+  </dgm:catLst>
+  <dgm:styleLbl name="node0">
+    <dgm:fillClrLst meth="repeat">
+      <a:schemeClr val="accent1"/>
+    </dgm:fillClrLst>
+    <dgm:linClrLst meth="repeat">
+      <a:schemeClr val="lt1"/>
+    </dgm:linClrLst>
+    <dgm:effectClrLst/>
+    <dgm:txLinClrLst/>
+    <dgm:txFillClrLst/>
+    <dgm:txEffectClrLst/>
+  </dgm:styleLbl>
+  <dgm:styleLbl name="node1">
+    <dgm:fillClrLst meth="repeat">
+      <a:schemeClr val="accent2"/>
+      <a:schemeClr val="accent3"/>
+      <a:schemeClr val="accent4"/>
+      <a:schemeClr val="accent5"/>
+      <a:schemeClr val="accent6"/>
+    </dgm:fillClrLst>
+    <dgm:linClrLst meth="repeat">
+      <a:schemeClr val="lt1">
+        <a:alpha val="0"/>
+      </a:schemeClr>
+    </dgm:linClrLst>
+    <dgm:effectClrLst/>
+    <dgm:txLinClrLst/>
+    <dgm:txFillClrLst/>
+    <dgm:txEffectClrLst/>
+  </dgm:styleLbl>
+  <dgm:styleLbl name="alignNode1">
+    <dgm:fillClrLst meth="repeat">
+      <a:schemeClr val="accent2"/>
+      <a:schemeClr val="accent3"/>
+      <a:schemeClr val="accent4"/>
+      <a:schemeClr val="accent5"/>
+      <a:schemeClr val="accent6"/>
+    </dgm:fillClrLst>
+    <dgm:linClrLst meth="repeat">
+      <a:schemeClr val="accent2"/>
+      <a:schemeClr val="accent3"/>
+      <a:schemeClr val="accent4"/>
+      <a:schemeClr val="accent5"/>
+      <a:schemeClr val="accent6"/>
+    </dgm:linClrLst>
+    <dgm:effectClrLst/>
+    <dgm:txLinClrLst/>
+    <dgm:txFillClrLst/>
+    <dgm:txEffectClrLst/>
+  </dgm:styleLbl>
+  <dgm:styleLbl name="lnNode1">
+    <dgm:fillClrLst meth="repeat">
+      <a:schemeClr val="accent2"/>
+      <a:schemeClr val="accent3"/>
+      <a:schemeClr val="accent4"/>
+      <a:schemeClr val="accent5"/>
+      <a:schemeClr val="accent6"/>
+    </dgm:fillClrLst>
+    <dgm:linClrLst meth="repeat">
+      <a:schemeClr val="lt1"/>
+    </dgm:linClrLst>
+    <dgm:effectClrLst/>
+    <dgm:txLinClrLst/>
+    <dgm:txFillClrLst/>
+    <dgm:txEffectClrLst/>
+  </dgm:styleLbl>
+  <dgm:styleLbl name="vennNode1">
+    <dgm:fillClrLst meth="repeat">
+      <a:schemeClr val="accent2">
+        <a:alpha val="50000"/>
+      </a:schemeClr>
+      <a:schemeClr val="accent3">
+        <a:alpha val="50000"/>
+      </a:schemeClr>
+      <a:schemeClr val="accent4">
+        <a:alpha val="50000"/>
+      </a:schemeClr>
+      <a:schemeClr val="accent5">
+        <a:alpha val="50000"/>
+      </a:schemeClr>
+      <a:schemeClr val="accent6">
+        <a:alpha val="50000"/>
+      </a:schemeClr>
+    </dgm:fillClrLst>
+    <dgm:linClrLst meth="repeat">
+      <a:schemeClr val="lt1"/>
+    </dgm:linClrLst>
+    <dgm:effectClrLst/>
+    <dgm:txLinClrLst/>
+    <dgm:txFillClrLst/>
+    <dgm:txEffectClrLst/>
+  </dgm:styleLbl>
+  <dgm:styleLbl name="node2">
+    <dgm:fillClrLst>
+      <a:schemeClr val="accent2"/>
+    </dgm:fillClrLst>
+    <dgm:linClrLst meth="repeat">
+      <a:schemeClr val="lt1"/>
+    </dgm:linClrLst>
+    <dgm:effectClrLst/>
+    <dgm:txLinClrLst/>
+    <dgm:txFillClrLst/>
+    <dgm:txEffectClrLst/>
+  </dgm:styleLbl>
+  <dgm:styleLbl name="node3">
+    <dgm:fillClrLst>
+      <a:schemeClr val="accent3"/>
+    </dgm:fillClrLst>
+    <dgm:linClrLst meth="repeat">
+      <a:schemeClr val="lt1"/>
+    </dgm:linClrLst>
+    <dgm:effectClrLst/>
+    <dgm:txLinClrLst/>
+    <dgm:txFillClrLst/>
+    <dgm:txEffectClrLst/>
+  </dgm:styleLbl>
+  <dgm:styleLbl name="node4">
+    <dgm:fillClrLst>
+      <a:schemeClr val="accent4"/>
+    </dgm:fillClrLst>
+    <dgm:linClrLst meth="repeat">
+      <a:schemeClr val="lt1"/>
+    </dgm:linClrLst>
+    <dgm:effectClrLst/>
+    <dgm:txLinClrLst/>
+    <dgm:txFillClrLst/>
+    <dgm:txEffectClrLst/>
+  </dgm:styleLbl>
+  <dgm:styleLbl name="fgImgPlace1">
+    <dgm:fillClrLst meth="repeat">
+      <a:schemeClr val="accent2">
+        <a:tint val="50000"/>
+      </a:schemeClr>
+      <a:schemeClr val="accent3">
+        <a:tint val="50000"/>
+      </a:schemeClr>
+      <a:schemeClr val="accent4">
+        <a:tint val="50000"/>
+      </a:schemeClr>
+      <a:schemeClr val="accent5">
+        <a:tint val="50000"/>
+      </a:schemeClr>
+      <a:schemeClr val="accent6">
+        <a:tint val="50000"/>
+      </a:schemeClr>
+    </dgm:fillClrLst>
+    <dgm:linClrLst meth="repeat">
+      <a:schemeClr val="lt1"/>
+    </dgm:linClrLst>
+    <dgm:effectClrLst/>
+    <dgm:txLinClrLst/>
+    <dgm:txFillClrLst meth="repeat">
+      <a:schemeClr val="lt1"/>
+    </dgm:txFillClrLst>
+    <dgm:txEffectClrLst/>
+  </dgm:styleLbl>
+  <dgm:styleLbl name="alignImgPlace1">
+    <dgm:fillClrLst>
+      <a:schemeClr val="accent1">
+        <a:tint val="50000"/>
+      </a:schemeClr>
+      <a:schemeClr val="accent2">
+        <a:tint val="20000"/>
+      </a:schemeClr>
+    </dgm:fillClrLst>
+    <dgm:linClrLst meth="repeat">
+      <a:schemeClr val="lt1"/>
+    </dgm:linClrLst>
+    <dgm:effectClrLst/>
+    <dgm:txLinClrLst/>
+    <dgm:txFillClrLst meth="repeat">
+      <a:schemeClr val="lt1"/>
+    </dgm:txFillClrLst>
+    <dgm:txEffectClrLst/>
+  </dgm:styleLbl>
+  <dgm:styleLbl name="bgImgPlace1">
+    <dgm:fillClrLst>
+      <a:schemeClr val="accent1">
+        <a:tint val="50000"/>
+      </a:schemeClr>
+      <a:schemeClr val="accent2">
+        <a:tint val="20000"/>
+      </a:schemeClr>
+    </dgm:fillClrLst>
+    <dgm:linClrLst meth="repeat">
+      <a:schemeClr val="lt1"/>
+    </dgm:linClrLst>
+    <dgm:effectClrLst/>
+    <dgm:txLinClrLst/>
+    <dgm:txFillClrLst meth="repeat">
+      <a:schemeClr val="lt1"/>
+    </dgm:txFillClrLst>
+    <dgm:txEffectClrLst/>
+  </dgm:styleLbl>
+  <dgm:styleLbl name="sibTrans2D1">
+    <dgm:fillClrLst meth="repeat">
+      <a:schemeClr val="accent2"/>
+      <a:schemeClr val="accent3"/>
+      <a:schemeClr val="accent4"/>
+      <a:schemeClr val="accent5"/>
+      <a:schemeClr val="accent6"/>
+    </dgm:fillClrLst>
+    <dgm:linClrLst meth="cycle">
+      <a:schemeClr val="lt1"/>
+    </dgm:linClrLst>
+    <dgm:effectClrLst/>
+    <dgm:txLinClrLst/>
+    <dgm:txFillClrLst/>
+    <dgm:txEffectClrLst/>
+  </dgm:styleLbl>
+  <dgm:styleLbl name="fgSibTrans2D1">
+    <dgm:fillClrLst meth="repeat">
+      <a:schemeClr val="accent2"/>
+      <a:schemeClr val="accent3"/>
+      <a:schemeClr val="accent4"/>
+      <a:schemeClr val="accent5"/>
+      <a:schemeClr val="accent6"/>
+    </dgm:fillClrLst>
+    <dgm:linClrLst meth="cycle">
+      <a:schemeClr val="lt1"/>
+    </dgm:linClrLst>
+    <dgm:effectClrLst/>
+    <dgm:txLinClrLst/>
+    <dgm:txFillClrLst meth="repeat">
+      <a:schemeClr val="lt1"/>
+    </dgm:txFillClrLst>
+    <dgm:txEffectClrLst/>
+  </dgm:styleLbl>
+  <dgm:styleLbl name="bgSibTrans2D1">
+    <dgm:fillClrLst meth="repeat">
+      <a:schemeClr val="accent2"/>
+      <a:schemeClr val="accent3"/>
+      <a:schemeClr val="accent4"/>
+      <a:schemeClr val="accent5"/>
+      <a:schemeClr val="accent6"/>
+    </dgm:fillClrLst>
+    <dgm:linClrLst meth="cycle">
+      <a:schemeClr val="lt1"/>
+    </dgm:linClrLst>
+    <dgm:effectClrLst/>
+    <dgm:txLinClrLst/>
+    <dgm:txFillClrLst meth="repeat">
+      <a:schemeClr val="lt1"/>
+    </dgm:txFillClrLst>
+    <dgm:txEffectClrLst/>
+  </dgm:styleLbl>
+  <dgm:styleLbl name="sibTrans1D1">
+    <dgm:fillClrLst meth="repeat">
+      <a:schemeClr val="accent2"/>
+      <a:schemeClr val="accent3"/>
+      <a:schemeClr val="accent4"/>
+      <a:schemeClr val="accent5"/>
+      <a:schemeClr val="accent6"/>
+    </dgm:fillClrLst>
+    <dgm:linClrLst meth="repeat">
+      <a:schemeClr val="accent2"/>
+      <a:schemeClr val="accent3"/>
+      <a:schemeClr val="accent4"/>
+      <a:schemeClr val="accent5"/>
+      <a:schemeClr val="accent6"/>
+    </dgm:linClrLst>
+    <dgm:effectClrLst/>
+    <dgm:txLinClrLst/>
+    <dgm:txFillClrLst meth="repeat">
+      <a:schemeClr val="tx1"/>
+    </dgm:txFillClrLst>
+    <dgm:txEffectClrLst/>
+  </dgm:styleLbl>
+  <dgm:styleLbl name="callout">
+    <dgm:fillClrLst meth="repeat">
+      <a:schemeClr val="accent2"/>
+    </dgm:fillClrLst>
+    <dgm:linClrLst meth="repeat">
+      <a:schemeClr val="accent2">
+        <a:tint val="50000"/>
+      </a:schemeClr>
+    </dgm:linClrLst>
+    <dgm:effectClrLst/>
+    <dgm:txLinClrLst/>
+    <dgm:txFillClrLst meth="repeat">
+      <a:schemeClr val="tx1"/>
+    </dgm:txFillClrLst>
+    <dgm:txEffectClrLst/>
+  </dgm:styleLbl>
+  <dgm:styleLbl name="asst0">
+    <dgm:fillClrLst meth="repeat">
+      <a:schemeClr val="accent1"/>
+    </dgm:fillClrLst>
+    <dgm:linClrLst meth="repeat">
+      <a:schemeClr val="lt1"/>
+    </dgm:linClrLst>
+    <dgm:effectClrLst/>
+    <dgm:txLinClrLst/>
+    <dgm:txFillClrLst/>
+    <dgm:txEffectClrLst/>
+  </dgm:styleLbl>
+  <dgm:styleLbl name="asst1">
+    <dgm:fillClrLst meth="repeat">
+      <a:schemeClr val="accent2"/>
+    </dgm:fillClrLst>
+    <dgm:linClrLst meth="repeat">
+      <a:schemeClr val="lt1"/>
+    </dgm:linClrLst>
+    <dgm:effectClrLst/>
+    <dgm:txLinClrLst/>
+    <dgm:txFillClrLst/>
+    <dgm:txEffectClrLst/>
+  </dgm:styleLbl>
+  <dgm:styleLbl name="asst2">
+    <dgm:fillClrLst>
+      <a:schemeClr val="accent3"/>
+    </dgm:fillClrLst>
+    <dgm:linClrLst meth="repeat">
+      <a:schemeClr val="lt1"/>
+    </dgm:linClrLst>
+    <dgm:effectClrLst/>
+    <dgm:txLinClrLst/>
+    <dgm:txFillClrLst/>
+    <dgm:txEffectClrLst/>
+  </dgm:styleLbl>
+  <dgm:styleLbl name="asst3">
+    <dgm:fillClrLst>
+      <a:schemeClr val="accent4"/>
+    </dgm:fillClrLst>
+    <dgm:linClrLst meth="repeat">
+      <a:schemeClr val="lt1"/>
+    </dgm:linClrLst>
+    <dgm:effectClrLst/>
+    <dgm:txLinClrLst/>
+    <dgm:txFillClrLst/>
+    <dgm:txEffectClrLst/>
+  </dgm:styleLbl>
+  <dgm:styleLbl name="asst4">
+    <dgm:fillClrLst>
+      <a:schemeClr val="accent5"/>
+    </dgm:fillClrLst>
+    <dgm:linClrLst meth="repeat">
+      <a:schemeClr val="lt1"/>
+    </dgm:linClrLst>
+    <dgm:effectClrLst/>
+    <dgm:txLinClrLst/>
+    <dgm:txFillClrLst/>
+    <dgm:txEffectClrLst/>
+  </dgm:styleLbl>
+  <dgm:styleLbl name="parChTrans2D1">
+    <dgm:fillClrLst meth="repeat">
+      <a:schemeClr val="accent2"/>
+    </dgm:fillClrLst>
+    <dgm:linClrLst meth="repeat">
+      <a:schemeClr val="lt1"/>
+    </dgm:linClrLst>
+    <dgm:effectClrLst/>
+    <dgm:txLinClrLst/>
+    <dgm:txFillClrLst meth="repeat">
+      <a:schemeClr val="lt1"/>
+    </dgm:txFillClrLst>
+    <dgm:txEffectClrLst/>
+  </dgm:styleLbl>
+  <dgm:styleLbl name="parChTrans2D2">
+    <dgm:fillClrLst meth="repeat">
+      <a:schemeClr val="accent3"/>
+    </dgm:fillClrLst>
+    <dgm:linClrLst meth="repeat">
+      <a:schemeClr val="lt1"/>
+    </dgm:linClrLst>
+    <dgm:effectClrLst/>
+    <dgm:txLinClrLst/>
+    <dgm:txFillClrLst/>
+    <dgm:txEffectClrLst/>
+  </dgm:styleLbl>
+  <dgm:styleLbl name="parChTrans2D3">
+    <dgm:fillClrLst meth="repeat">
+      <a:schemeClr val="accent4"/>
+    </dgm:fillClrLst>
+    <dgm:linClrLst meth="repeat">
+      <a:schemeClr val="lt1"/>
+    </dgm:linClrLst>
+    <dgm:effectClrLst/>
+    <dgm:txLinClrLst/>
+    <dgm:txFillClrLst/>
+    <dgm:txEffectClrLst/>
+  </dgm:styleLbl>
+  <dgm:styleLbl name="parChTrans2D4">
+    <dgm:fillClrLst meth="repeat">
+      <a:schemeClr val="accent5"/>
+    </dgm:fillClrLst>
+    <dgm:linClrLst meth="repeat">
+      <a:schemeClr val="lt1"/>
+    </dgm:linClrLst>
+    <dgm:effectClrLst/>
+    <dgm:txLinClrLst/>
+    <dgm:txFillClrLst meth="repeat">
+      <a:schemeClr val="lt1"/>
+    </dgm:txFillClrLst>
+    <dgm:txEffectClrLst/>
+  </dgm:styleLbl>
+  <dgm:styleLbl name="parChTrans1D1">
+    <dgm:fillClrLst meth="repeat">
+      <a:schemeClr val="accent2"/>
+    </dgm:fillClrLst>
+    <dgm:linClrLst meth="repeat">
+      <a:schemeClr val="accent1"/>
+    </dgm:linClrLst>
+    <dgm:effectClrLst/>
+    <dgm:txLinClrLst/>
+    <dgm:txFillClrLst meth="repeat">
+      <a:schemeClr val="tx1"/>
+    </dgm:txFillClrLst>
+    <dgm:txEffectClrLst/>
+  </dgm:styleLbl>
+  <dgm:styleLbl name="parChTrans1D2">
+    <dgm:fillClrLst meth="repeat">
+      <a:schemeClr val="accent3">
+        <a:tint val="90000"/>
+      </a:schemeClr>
+    </dgm:fillClrLst>
+    <dgm:linClrLst meth="repeat">
+      <a:schemeClr val="accent2"/>
+    </dgm:linClrLst>
+    <dgm:effectClrLst/>
+    <dgm:txLinClrLst/>
+    <dgm:txFillClrLst meth="repeat">
+      <a:schemeClr val="tx1"/>
+    </dgm:txFillClrLst>
+    <dgm:txEffectClrLst/>
+  </dgm:styleLbl>
+  <dgm:styleLbl name="parChTrans1D3">
+    <dgm:fillClrLst meth="repeat">
+      <a:schemeClr val="accent4">
+        <a:tint val="70000"/>
+      </a:schemeClr>
+    </dgm:fillClrLst>
+    <dgm:linClrLst meth="repeat">
+      <a:schemeClr val="accent3"/>
+    </dgm:linClrLst>
+    <dgm:effectClrLst/>
+    <dgm:txLinClrLst/>
+    <dgm:txFillClrLst meth="repeat">
+      <a:schemeClr val="tx1"/>
+    </dgm:txFillClrLst>
+    <dgm:txEffectClrLst/>
+  </dgm:styleLbl>
+  <dgm:styleLbl name="parChTrans1D4">
+    <dgm:fillClrLst meth="repeat">
+      <a:schemeClr val="accent5">
+        <a:tint val="50000"/>
+      </a:schemeClr>
+    </dgm:fillClrLst>
+    <dgm:linClrLst meth="repeat">
+      <a:schemeClr val="accent4"/>
+    </dgm:linClrLst>
+    <dgm:effectClrLst/>
+    <dgm:txLinClrLst/>
+    <dgm:txFillClrLst meth="repeat">
+      <a:schemeClr val="tx1"/>
+    </dgm:txFillClrLst>
+    <dgm:txEffectClrLst/>
+  </dgm:styleLbl>
+  <dgm:styleLbl name="fgAcc1">
+    <dgm:fillClrLst meth="repeat">
+      <a:schemeClr val="lt1">
+        <a:alpha val="90000"/>
+      </a:schemeClr>
+    </dgm:fillClrLst>
+    <dgm:linClrLst meth="repeat">
+      <a:schemeClr val="accent2"/>
+      <a:schemeClr val="accent3"/>
+      <a:schemeClr val="accent4"/>
+      <a:schemeClr val="accent5"/>
+      <a:schemeClr val="accent6"/>
+    </dgm:linClrLst>
+    <dgm:effectClrLst/>
+    <dgm:txLinClrLst/>
+    <dgm:txFillClrLst meth="repeat">
+      <a:schemeClr val="dk1"/>
+    </dgm:txFillClrLst>
+    <dgm:txEffectClrLst/>
+  </dgm:styleLbl>
+  <dgm:styleLbl name="conFgAcc1">
+    <dgm:fillClrLst meth="repeat">
+      <a:schemeClr val="lt1">
+        <a:alpha val="90000"/>
+      </a:schemeClr>
+    </dgm:fillClrLst>
+    <dgm:linClrLst meth="repeat">
+      <a:schemeClr val="accent2"/>
+      <a:schemeClr val="accent3"/>
+      <a:schemeClr val="accent4"/>
+      <a:schemeClr val="accent5"/>
+      <a:schemeClr val="accent6"/>
+    </dgm:linClrLst>
+    <dgm:effectClrLst/>
+    <dgm:txLinClrLst/>
+    <dgm:txFillClrLst meth="repeat">
+      <a:schemeClr val="dk1"/>
+    </dgm:txFillClrLst>
+    <dgm:txEffectClrLst/>
+  </dgm:styleLbl>
+  <dgm:styleLbl name="alignAcc1">
+    <dgm:fillClrLst meth="repeat">
+      <a:schemeClr val="lt1">
+        <a:alpha val="90000"/>
+      </a:schemeClr>
+    </dgm:fillClrLst>
+    <dgm:linClrLst meth="repeat">
+      <a:schemeClr val="accent2"/>
+      <a:schemeClr val="accent3"/>
+      <a:schemeClr val="accent4"/>
+      <a:schemeClr val="accent5"/>
+      <a:schemeClr val="accent6"/>
+    </dgm:linClrLst>
+    <dgm:effectClrLst/>
+    <dgm:txLinClrLst/>
+    <dgm:txFillClrLst meth="repeat">
+      <a:schemeClr val="dk1"/>
+    </dgm:txFillClrLst>
+    <dgm:txEffectClrLst/>
+  </dgm:styleLbl>
+  <dgm:styleLbl name="trAlignAcc1">
+    <dgm:fillClrLst meth="repeat">
+      <a:schemeClr val="lt1">
+        <a:alpha val="40000"/>
+      </a:schemeClr>
+    </dgm:fillClrLst>
+    <dgm:linClrLst meth="repeat">
+      <a:schemeClr val="accent1"/>
+    </dgm:linClrLst>
+    <dgm:effectClrLst/>
+    <dgm:txLinClrLst/>
+    <dgm:txFillClrLst meth="repeat">
+      <a:schemeClr val="dk1"/>
+    </dgm:txFillClrLst>
+    <dgm:txEffectClrLst/>
+  </dgm:styleLbl>
+  <dgm:styleLbl name="bgAcc1">
+    <dgm:fillClrLst meth="repeat">
+      <a:schemeClr val="lt1">
+        <a:alpha val="90000"/>
+      </a:schemeClr>
+    </dgm:fillClrLst>
+    <dgm:linClrLst meth="repeat">
+      <a:schemeClr val="accent2"/>
+      <a:schemeClr val="accent3"/>
+      <a:schemeClr val="accent4"/>
+      <a:schemeClr val="accent5"/>
+      <a:schemeClr val="accent6"/>
+    </dgm:linClrLst>
+    <dgm:effectClrLst/>
+    <dgm:txLinClrLst/>
+    <dgm:txFillClrLst meth="repeat">
+      <a:schemeClr val="dk1"/>
+    </dgm:txFillClrLst>
+    <dgm:txEffectClrLst/>
+  </dgm:styleLbl>
+  <dgm:styleLbl name="solidFgAcc1">
+    <dgm:fillClrLst meth="repeat">
+      <a:schemeClr val="lt1"/>
+    </dgm:fillClrLst>
+    <dgm:linClrLst meth="repeat">
+      <a:schemeClr val="accent2"/>
+      <a:schemeClr val="accent3"/>
+      <a:schemeClr val="accent4"/>
+      <a:schemeClr val="accent5"/>
+      <a:schemeClr val="accent6"/>
+    </dgm:linClrLst>
+    <dgm:effectClrLst/>
+    <dgm:txLinClrLst/>
+    <dgm:txFillClrLst meth="repeat">
+      <a:schemeClr val="dk1"/>
+    </dgm:txFillClrLst>
+    <dgm:txEffectClrLst/>
+  </dgm:styleLbl>
+  <dgm:styleLbl name="solidAlignAcc1">
+    <dgm:fillClrLst meth="repeat">
+      <a:schemeClr val="lt1"/>
+    </dgm:fillClrLst>
+    <dgm:linClrLst meth="repeat">
+      <a:schemeClr val="accent2"/>
+      <a:schemeClr val="accent3"/>
+      <a:schemeClr val="accent4"/>
+      <a:schemeClr val="accent5"/>
+      <a:schemeClr val="accent6"/>
+    </dgm:linClrLst>
+    <dgm:effectClrLst/>
+    <dgm:txLinClrLst/>
+    <dgm:txFillClrLst meth="repeat">
+      <a:schemeClr val="dk1"/>
+    </dgm:txFillClrLst>
+    <dgm:txEffectClrLst/>
+  </dgm:styleLbl>
+  <dgm:styleLbl name="solidBgAcc1">
+    <dgm:fillClrLst meth="repeat">
+      <a:schemeClr val="lt1"/>
+    </dgm:fillClrLst>
+    <dgm:linClrLst meth="repeat">
+      <a:schemeClr val="accent2"/>
+      <a:schemeClr val="accent3"/>
+      <a:schemeClr val="accent4"/>
+      <a:schemeClr val="accent5"/>
+      <a:schemeClr val="accent6"/>
+    </dgm:linClrLst>
+    <dgm:effectClrLst/>
+    <dgm:txLinClrLst/>
+    <dgm:txFillClrLst meth="repeat">
+      <a:schemeClr val="dk1"/>
+    </dgm:txFillClrLst>
+    <dgm:txEffectClrLst/>
+  </dgm:styleLbl>
+  <dgm:styleLbl name="fgAccFollowNode1">
+    <dgm:fillClrLst meth="repeat">
+      <a:schemeClr val="accent2">
+        <a:tint val="40000"/>
+        <a:alpha val="90000"/>
+      </a:schemeClr>
+      <a:schemeClr val="accent3">
+        <a:tint val="40000"/>
+        <a:alpha val="90000"/>
+      </a:schemeClr>
+      <a:schemeClr val="accent4">
+        <a:tint val="40000"/>
+        <a:alpha val="90000"/>
+      </a:schemeClr>
+      <a:schemeClr val="accent5">
+        <a:tint val="40000"/>
+        <a:alpha val="90000"/>
+      </a:schemeClr>
+      <a:schemeClr val="accent6">
+        <a:tint val="40000"/>
+        <a:alpha val="90000"/>
+      </a:schemeClr>
+    </dgm:fillClrLst>
+    <dgm:linClrLst meth="repeat">
+      <a:schemeClr val="accent2">
+        <a:tint val="40000"/>
+        <a:alpha val="90000"/>
+      </a:schemeClr>
+      <a:schemeClr val="accent3">
+        <a:tint val="40000"/>
+        <a:alpha val="90000"/>
+      </a:schemeClr>
+      <a:schemeClr val="accent4">
+        <a:tint val="40000"/>
+        <a:alpha val="90000"/>
+      </a:schemeClr>
+      <a:schemeClr val="accent5">
+        <a:tint val="40000"/>
+        <a:alpha val="90000"/>
+      </a:schemeClr>
+      <a:schemeClr val="accent6">
+        <a:tint val="40000"/>
+        <a:alpha val="90000"/>
+      </a:schemeClr>
+    </dgm:linClrLst>
+    <dgm:effectClrLst/>
+    <dgm:txLinClrLst/>
+    <dgm:txFillClrLst meth="repeat">
+      <a:schemeClr val="dk1"/>
+    </dgm:txFillClrLst>
+    <dgm:txEffectClrLst/>
+  </dgm:styleLbl>
+  <dgm:styleLbl name="alignAccFollowNode1">
+    <dgm:fillClrLst meth="repeat">
+      <a:schemeClr val="accent2">
+        <a:tint val="40000"/>
+        <a:alpha val="90000"/>
+      </a:schemeClr>
+      <a:schemeClr val="accent3">
+        <a:tint val="40000"/>
+        <a:alpha val="90000"/>
+      </a:schemeClr>
+      <a:schemeClr val="accent4">
+        <a:tint val="40000"/>
+        <a:alpha val="90000"/>
+      </a:schemeClr>
+      <a:schemeClr val="accent5">
+        <a:tint val="40000"/>
+        <a:alpha val="90000"/>
+      </a:schemeClr>
+      <a:schemeClr val="accent6">
+        <a:tint val="40000"/>
+        <a:alpha val="90000"/>
+      </a:schemeClr>
+    </dgm:fillClrLst>
+    <dgm:linClrLst meth="repeat">
+      <a:schemeClr val="accent2">
+        <a:tint val="40000"/>
+        <a:alpha val="90000"/>
+      </a:schemeClr>
+      <a:schemeClr val="accent3">
+        <a:tint val="40000"/>
+        <a:alpha val="90000"/>
+      </a:schemeClr>
+      <a:schemeClr val="accent4">
+        <a:tint val="40000"/>
+        <a:alpha val="90000"/>
+      </a:schemeClr>
+      <a:schemeClr val="accent5">
+        <a:tint val="40000"/>
+        <a:alpha val="90000"/>
+      </a:schemeClr>
+      <a:schemeClr val="accent6">
+        <a:tint val="40000"/>
+        <a:alpha val="90000"/>
+      </a:schemeClr>
+    </dgm:linClrLst>
+    <dgm:effectClrLst/>
+    <dgm:txLinClrLst/>
+    <dgm:txFillClrLst meth="repeat">
+      <a:schemeClr val="dk1"/>
+    </dgm:txFillClrLst>
+    <dgm:txEffectClrLst/>
+  </dgm:styleLbl>
+  <dgm:styleLbl name="bgAccFollowNode1">
+    <dgm:fillClrLst meth="repeat">
+      <a:schemeClr val="accent2">
+        <a:tint val="40000"/>
+        <a:alpha val="90000"/>
+      </a:schemeClr>
+      <a:schemeClr val="accent3">
+        <a:tint val="40000"/>
+        <a:alpha val="90000"/>
+      </a:schemeClr>
+      <a:schemeClr val="accent4">
+        <a:tint val="40000"/>
+        <a:alpha val="90000"/>
+      </a:schemeClr>
+      <a:schemeClr val="accent5">
+        <a:tint val="40000"/>
+        <a:alpha val="90000"/>
+      </a:schemeClr>
+      <a:schemeClr val="accent6">
+        <a:tint val="40000"/>
+        <a:alpha val="90000"/>
+      </a:schemeClr>
+    </dgm:fillClrLst>
+    <dgm:linClrLst meth="repeat">
+      <a:schemeClr val="accent2">
+        <a:tint val="40000"/>
+        <a:alpha val="90000"/>
+      </a:schemeClr>
+      <a:schemeClr val="accent3">
+        <a:tint val="40000"/>
+        <a:alpha val="90000"/>
+      </a:schemeClr>
+      <a:schemeClr val="accent4">
+        <a:tint val="40000"/>
+        <a:alpha val="90000"/>
+      </a:schemeClr>
+      <a:schemeClr val="accent5">
+        <a:tint val="40000"/>
+        <a:alpha val="90000"/>
+      </a:schemeClr>
+      <a:schemeClr val="accent6">
+        <a:tint val="40000"/>
+        <a:alpha val="90000"/>
+      </a:schemeClr>
+    </dgm:linClrLst>
+    <dgm:effectClrLst/>
+    <dgm:txLinClrLst/>
+    <dgm:txFillClrLst meth="repeat">
+      <a:schemeClr val="dk1"/>
+    </dgm:txFillClrLst>
+    <dgm:txEffectClrLst/>
+  </dgm:styleLbl>
+  <dgm:styleLbl name="fgAcc0">
+    <dgm:fillClrLst meth="repeat">
+      <a:schemeClr val="lt1">
+        <a:alpha val="90000"/>
+      </a:schemeClr>
+    </dgm:fillClrLst>
+    <dgm:linClrLst>
+      <a:schemeClr val="accent1"/>
+    </dgm:linClrLst>
+    <dgm:effectClrLst/>
+    <dgm:txLinClrLst/>
+    <dgm:txFillClrLst meth="repeat">
+      <a:schemeClr val="dk1"/>
+    </dgm:txFillClrLst>
+    <dgm:txEffectClrLst/>
+  </dgm:styleLbl>
+  <dgm:styleLbl name="fgAcc2">
+    <dgm:fillClrLst meth="repeat">
+      <a:schemeClr val="lt1">
+        <a:alpha val="90000"/>
+      </a:schemeClr>
+    </dgm:fillClrLst>
+    <dgm:linClrLst>
+      <a:schemeClr val="accent2"/>
+    </dgm:linClrLst>
+    <dgm:effectClrLst/>
+    <dgm:txLinClrLst/>
+    <dgm:txFillClrLst meth="repeat">
+      <a:schemeClr val="dk1"/>
+    </dgm:txFillClrLst>
+    <dgm:txEffectClrLst/>
+  </dgm:styleLbl>
+  <dgm:styleLbl name="fgAcc3">
+    <dgm:fillClrLst meth="repeat">
+      <a:schemeClr val="lt1">
+        <a:alpha val="90000"/>
+      </a:schemeClr>
+    </dgm:fillClrLst>
+    <dgm:linClrLst>
+      <a:schemeClr val="accent3"/>
+    </dgm:linClrLst>
+    <dgm:effectClrLst/>
+    <dgm:txLinClrLst/>
+    <dgm:txFillClrLst meth="repeat">
+      <a:schemeClr val="dk1"/>
+    </dgm:txFillClrLst>
+    <dgm:txEffectClrLst/>
+  </dgm:styleLbl>
+  <dgm:styleLbl name="fgAcc4">
+    <dgm:fillClrLst meth="repeat">
+      <a:schemeClr val="lt1">
+        <a:alpha val="90000"/>
+      </a:schemeClr>
+    </dgm:fillClrLst>
+    <dgm:linClrLst>
+      <a:schemeClr val="accent4"/>
+    </dgm:linClrLst>
+    <dgm:effectClrLst/>
+    <dgm:txLinClrLst/>
+    <dgm:txFillClrLst meth="repeat">
+      <a:schemeClr val="dk1"/>
+    </dgm:txFillClrLst>
+    <dgm:txEffectClrLst/>
+  </dgm:styleLbl>
+  <dgm:styleLbl name="bgShp">
+    <dgm:fillClrLst meth="repeat">
+      <a:schemeClr val="bg1">
+        <a:lumMod val="95000"/>
+      </a:schemeClr>
+    </dgm:fillClrLst>
+    <dgm:linClrLst meth="repeat">
+      <a:schemeClr val="dk1"/>
+    </dgm:linClrLst>
+    <dgm:effectClrLst/>
+    <dgm:txLinClrLst/>
+    <dgm:txFillClrLst meth="repeat">
+      <a:schemeClr val="dk1"/>
+    </dgm:txFillClrLst>
+    <dgm:txEffectClrLst/>
+  </dgm:styleLbl>
+  <dgm:styleLbl name="dkBgShp">
+    <dgm:fillClrLst meth="repeat">
+      <a:schemeClr val="accent2">
+        <a:shade val="90000"/>
+      </a:schemeClr>
+    </dgm:fillClrLst>
+    <dgm:linClrLst meth="repeat">
+      <a:schemeClr val="dk1"/>
+    </dgm:linClrLst>
+    <dgm:effectClrLst/>
+    <dgm:txLinClrLst/>
+    <dgm:txFillClrLst meth="repeat">
+      <a:schemeClr val="lt1"/>
+    </dgm:txFillClrLst>
+    <dgm:txEffectClrLst/>
+  </dgm:styleLbl>
+  <dgm:styleLbl name="trBgShp">
+    <dgm:fillClrLst meth="repeat">
+      <a:schemeClr val="accent1">
+        <a:tint val="50000"/>
+        <a:alpha val="40000"/>
+      </a:schemeClr>
+    </dgm:fillClrLst>
+    <dgm:linClrLst meth="repeat">
+      <a:schemeClr val="accent2"/>
+    </dgm:linClrLst>
+    <dgm:effectClrLst/>
+    <dgm:txLinClrLst/>
+    <dgm:txFillClrLst meth="repeat">
+      <a:schemeClr val="lt1"/>
+    </dgm:txFillClrLst>
+    <dgm:txEffectClrLst/>
+  </dgm:styleLbl>
+  <dgm:styleLbl name="fgShp">
+    <dgm:fillClrLst meth="repeat">
+      <a:schemeClr val="accent2">
+        <a:tint val="40000"/>
+      </a:schemeClr>
+    </dgm:fillClrLst>
+    <dgm:linClrLst meth="repeat">
+      <a:schemeClr val="lt1"/>
+    </dgm:linClrLst>
+    <dgm:effectClrLst/>
+    <dgm:txLinClrLst/>
+    <dgm:txFillClrLst meth="repeat">
+      <a:schemeClr val="dk1"/>
+    </dgm:txFillClrLst>
+    <dgm:txEffectClrLst/>
+  </dgm:styleLbl>
+  <dgm:styleLbl name="revTx">
+    <dgm:fillClrLst meth="repeat">
+      <a:schemeClr val="lt1">
+        <a:alpha val="0"/>
+      </a:schemeClr>
+    </dgm:fillClrLst>
+    <dgm:linClrLst meth="repeat">
+      <a:schemeClr val="dk1">
+        <a:alpha val="0"/>
+      </a:schemeClr>
+    </dgm:linClrLst>
+    <dgm:effectClrLst/>
+    <dgm:txLinClrLst/>
+    <dgm:txFillClrLst meth="repeat">
+      <a:schemeClr val="tx1"/>
+    </dgm:txFillClrLst>
+    <dgm:txEffectClrLst/>
+  </dgm:styleLbl>
+</dgm:colorsDef>
+</file>
+
+<file path=ppt/diagrams/colors2.xml><?xml version="1.0" encoding="utf-8"?>
+<dgm:colorsDef xmlns:dgm="http://schemas.openxmlformats.org/drawingml/2006/diagram" xmlns:a="http://schemas.openxmlformats.org/drawingml/2006/main" uniqueId="urn:microsoft.com/office/officeart/2005/8/colors/accent1_2">
+  <dgm:title val=""/>
+  <dgm:desc val=""/>
+  <dgm:catLst>
+    <dgm:cat type="accent1" pri="11200"/>
+  </dgm:catLst>
+  <dgm:styleLbl name="node0">
+    <dgm:fillClrLst meth="repeat">
+      <a:schemeClr val="accent1"/>
+    </dgm:fillClrLst>
+    <dgm:linClrLst meth="repeat">
+      <a:schemeClr val="lt1"/>
+    </dgm:linClrLst>
+    <dgm:effectClrLst/>
+    <dgm:txLinClrLst/>
+    <dgm:txFillClrLst/>
+    <dgm:txEffectClrLst/>
+  </dgm:styleLbl>
+  <dgm:styleLbl name="alignNode1">
+    <dgm:fillClrLst meth="repeat">
+      <a:schemeClr val="accent1"/>
+    </dgm:fillClrLst>
+    <dgm:linClrLst meth="repeat">
+      <a:schemeClr val="accent1"/>
+    </dgm:linClrLst>
+    <dgm:effectClrLst/>
+    <dgm:txLinClrLst/>
+    <dgm:txFillClrLst/>
+    <dgm:txEffectClrLst/>
+  </dgm:styleLbl>
+  <dgm:styleLbl name="node1">
+    <dgm:fillClrLst meth="repeat">
+      <a:schemeClr val="accent1"/>
+    </dgm:fillClrLst>
+    <dgm:linClrLst meth="repeat">
+      <a:schemeClr val="lt1"/>
+    </dgm:linClrLst>
+    <dgm:effectClrLst/>
+    <dgm:txLinClrLst/>
+    <dgm:txFillClrLst/>
+    <dgm:txEffectClrLst/>
+  </dgm:styleLbl>
+  <dgm:styleLbl name="lnNode1">
+    <dgm:fillClrLst meth="repeat">
+      <a:schemeClr val="accent1"/>
+    </dgm:fillClrLst>
+    <dgm:linClrLst meth="repeat">
+      <a:schemeClr val="lt1"/>
+    </dgm:linClrLst>
+    <dgm:effectClrLst/>
+    <dgm:txLinClrLst/>
+    <dgm:txFillClrLst/>
+    <dgm:txEffectClrLst/>
+  </dgm:styleLbl>
+  <dgm:styleLbl name="vennNode1">
+    <dgm:fillClrLst meth="repeat">
+      <a:schemeClr val="accent1">
+        <a:alpha val="50000"/>
+      </a:schemeClr>
+    </dgm:fillClrLst>
+    <dgm:linClrLst meth="repeat">
+      <a:schemeClr val="lt1"/>
+    </dgm:linClrLst>
+    <dgm:effectClrLst/>
+    <dgm:txLinClrLst/>
+    <dgm:txFillClrLst/>
+    <dgm:txEffectClrLst/>
+  </dgm:styleLbl>
+  <dgm:styleLbl name="node2">
+    <dgm:fillClrLst meth="repeat">
+      <a:schemeClr val="accent1"/>
+    </dgm:fillClrLst>
+    <dgm:linClrLst meth="repeat">
+      <a:schemeClr val="lt1"/>
+    </dgm:linClrLst>
+    <dgm:effectClrLst/>
+    <dgm:txLinClrLst/>
+    <dgm:txFillClrLst/>
+    <dgm:txEffectClrLst/>
+  </dgm:styleLbl>
+  <dgm:styleLbl name="node3">
+    <dgm:fillClrLst meth="repeat">
+      <a:schemeClr val="accent1"/>
+    </dgm:fillClrLst>
+    <dgm:linClrLst meth="repeat">
+      <a:schemeClr val="lt1"/>
+    </dgm:linClrLst>
+    <dgm:effectClrLst/>
+    <dgm:txLinClrLst/>
+    <dgm:txFillClrLst/>
+    <dgm:txEffectClrLst/>
+  </dgm:styleLbl>
+  <dgm:styleLbl name="node4">
+    <dgm:fillClrLst meth="repeat">
+      <a:schemeClr val="accent1"/>
+    </dgm:fillClrLst>
+    <dgm:linClrLst meth="repeat">
+      <a:schemeClr val="lt1"/>
+    </dgm:linClrLst>
+    <dgm:effectClrLst/>
+    <dgm:txLinClrLst/>
+    <dgm:txFillClrLst/>
+    <dgm:txEffectClrLst/>
+  </dgm:styleLbl>
+  <dgm:styleLbl name="fgImgPlace1">
+    <dgm:fillClrLst meth="repeat">
+      <a:schemeClr val="accent1">
+        <a:tint val="50000"/>
+      </a:schemeClr>
+    </dgm:fillClrLst>
+    <dgm:linClrLst meth="repeat">
+      <a:schemeClr val="lt1"/>
+    </dgm:linClrLst>
+    <dgm:effectClrLst/>
+    <dgm:txLinClrLst/>
+    <dgm:txFillClrLst meth="repeat">
+      <a:schemeClr val="lt1"/>
+    </dgm:txFillClrLst>
+    <dgm:txEffectClrLst/>
+  </dgm:styleLbl>
+  <dgm:styleLbl name="alignImgPlace1">
+    <dgm:fillClrLst meth="repeat">
+      <a:schemeClr val="accent1">
+        <a:tint val="50000"/>
+      </a:schemeClr>
+    </dgm:fillClrLst>
+    <dgm:linClrLst meth="repeat">
+      <a:schemeClr val="lt1"/>
+    </dgm:linClrLst>
+    <dgm:effectClrLst/>
+    <dgm:txLinClrLst/>
+    <dgm:txFillClrLst meth="repeat">
+      <a:schemeClr val="lt1"/>
+    </dgm:txFillClrLst>
+    <dgm:txEffectClrLst/>
+  </dgm:styleLbl>
+  <dgm:styleLbl name="bgImgPlace1">
+    <dgm:fillClrLst meth="repeat">
+      <a:schemeClr val="accent1">
+        <a:tint val="50000"/>
+      </a:schemeClr>
+    </dgm:fillClrLst>
+    <dgm:linClrLst meth="repeat">
+      <a:schemeClr val="lt1"/>
+    </dgm:linClrLst>
+    <dgm:effectClrLst/>
+    <dgm:txLinClrLst/>
+    <dgm:txFillClrLst meth="repeat">
+      <a:schemeClr val="lt1"/>
+    </dgm:txFillClrLst>
+    <dgm:txEffectClrLst/>
+  </dgm:styleLbl>
+  <dgm:styleLbl name="sibTrans2D1">
+    <dgm:fillClrLst meth="repeat">
+      <a:schemeClr val="accent1">
+        <a:tint val="60000"/>
+      </a:schemeClr>
+    </dgm:fillClrLst>
+    <dgm:linClrLst meth="repeat">
+      <a:schemeClr val="accent1">
+        <a:tint val="60000"/>
+      </a:schemeClr>
+    </dgm:linClrLst>
+    <dgm:effectClrLst/>
+    <dgm:txLinClrLst/>
+    <dgm:txFillClrLst/>
+    <dgm:txEffectClrLst/>
+  </dgm:styleLbl>
+  <dgm:styleLbl name="fgSibTrans2D1">
+    <dgm:fillClrLst meth="repeat">
+      <a:schemeClr val="accent1">
+        <a:tint val="60000"/>
+      </a:schemeClr>
+    </dgm:fillClrLst>
+    <dgm:linClrLst meth="repeat">
+      <a:schemeClr val="accent1">
+        <a:tint val="60000"/>
+      </a:schemeClr>
+    </dgm:linClrLst>
+    <dgm:effectClrLst/>
+    <dgm:txLinClrLst/>
+    <dgm:txFillClrLst/>
+    <dgm:txEffectClrLst/>
+  </dgm:styleLbl>
+  <dgm:styleLbl name="bgSibTrans2D1">
+    <dgm:fillClrLst meth="repeat">
+      <a:schemeClr val="accent1">
+        <a:tint val="60000"/>
+      </a:schemeClr>
+    </dgm:fillClrLst>
+    <dgm:linClrLst meth="repeat">
+      <a:schemeClr val="accent1">
+        <a:tint val="60000"/>
+      </a:schemeClr>
+    </dgm:linClrLst>
+    <dgm:effectClrLst/>
+    <dgm:txLinClrLst/>
+    <dgm:txFillClrLst/>
+    <dgm:txEffectClrLst/>
+  </dgm:styleLbl>
+  <dgm:styleLbl name="sibTrans1D1">
+    <dgm:fillClrLst meth="repeat">
+      <a:schemeClr val="accent1"/>
+    </dgm:fillClrLst>
+    <dgm:linClrLst meth="repeat">
+      <a:schemeClr val="accent1"/>
+    </dgm:linClrLst>
+    <dgm:effectClrLst/>
+    <dgm:txLinClrLst/>
+    <dgm:txFillClrLst meth="repeat">
+      <a:schemeClr val="tx1"/>
+    </dgm:txFillClrLst>
+    <dgm:txEffectClrLst/>
+  </dgm:styleLbl>
+  <dgm:styleLbl name="callout">
+    <dgm:fillClrLst meth="repeat">
+      <a:schemeClr val="accent1"/>
+    </dgm:fillClrLst>
+    <dgm:linClrLst meth="repeat">
+      <a:schemeClr val="accent1">
+        <a:tint val="50000"/>
+      </a:schemeClr>
+    </dgm:linClrLst>
+    <dgm:effectClrLst/>
+    <dgm:txLinClrLst/>
+    <dgm:txFillClrLst meth="repeat">
+      <a:schemeClr val="tx1"/>
+    </dgm:txFillClrLst>
+    <dgm:txEffectClrLst/>
+  </dgm:styleLbl>
+  <dgm:styleLbl name="asst0">
+    <dgm:fillClrLst meth="repeat">
+      <a:schemeClr val="accent1"/>
+    </dgm:fillClrLst>
+    <dgm:linClrLst meth="repeat">
+      <a:schemeClr val="lt1"/>
+    </dgm:linClrLst>
+    <dgm:effectClrLst/>
+    <dgm:txLinClrLst/>
+    <dgm:txFillClrLst/>
+    <dgm:txEffectClrLst/>
+  </dgm:styleLbl>
+  <dgm:styleLbl name="asst1">
+    <dgm:fillClrLst meth="repeat">
+      <a:schemeClr val="accent1"/>
+    </dgm:fillClrLst>
+    <dgm:linClrLst meth="repeat">
+      <a:schemeClr val="lt1"/>
+    </dgm:linClrLst>
+    <dgm:effectClrLst/>
+    <dgm:txLinClrLst/>
+    <dgm:txFillClrLst/>
+    <dgm:txEffectClrLst/>
+  </dgm:styleLbl>
+  <dgm:styleLbl name="asst2">
+    <dgm:fillClrLst meth="repeat">
+      <a:schemeClr val="accent1"/>
+    </dgm:fillClrLst>
+    <dgm:linClrLst meth="repeat">
+      <a:schemeClr val="lt1"/>
+    </dgm:linClrLst>
+    <dgm:effectClrLst/>
+    <dgm:txLinClrLst/>
+    <dgm:txFillClrLst/>
+    <dgm:txEffectClrLst/>
+  </dgm:styleLbl>
+  <dgm:styleLbl name="asst3">
+    <dgm:fillClrLst meth="repeat">
+      <a:schemeClr val="accent1"/>
+    </dgm:fillClrLst>
+    <dgm:linClrLst meth="repeat">
+      <a:schemeClr val="lt1"/>
+    </dgm:linClrLst>
+    <dgm:effectClrLst/>
+    <dgm:txLinClrLst/>
+    <dgm:txFillClrLst/>
+    <dgm:txEffectClrLst/>
+  </dgm:styleLbl>
+  <dgm:styleLbl name="asst4">
+    <dgm:fillClrLst meth="repeat">
+      <a:schemeClr val="accent1"/>
+    </dgm:fillClrLst>
+    <dgm:linClrLst meth="repeat">
+      <a:schemeClr val="lt1"/>
+    </dgm:linClrLst>
+    <dgm:effectClrLst/>
+    <dgm:txLinClrLst/>
+    <dgm:txFillClrLst/>
+    <dgm:txEffectClrLst/>
+  </dgm:styleLbl>
+  <dgm:styleLbl name="parChTrans2D1">
+    <dgm:fillClrLst meth="repeat">
+      <a:schemeClr val="accent1">
+        <a:tint val="60000"/>
+      </a:schemeClr>
+    </dgm:fillClrLst>
+    <dgm:linClrLst meth="repeat">
+      <a:schemeClr val="accent1">
+        <a:tint val="60000"/>
+      </a:schemeClr>
+    </dgm:linClrLst>
+    <dgm:effectClrLst/>
+    <dgm:txLinClrLst/>
+    <dgm:txFillClrLst meth="repeat">
+      <a:schemeClr val="lt1"/>
+    </dgm:txFillClrLst>
+    <dgm:txEffectClrLst/>
+  </dgm:styleLbl>
+  <dgm:styleLbl name="parChTrans2D2">
+    <dgm:fillClrLst meth="repeat">
+      <a:schemeClr val="accent1"/>
+    </dgm:fillClrLst>
+    <dgm:linClrLst meth="repeat">
+      <a:schemeClr val="accent1"/>
+    </dgm:linClrLst>
+    <dgm:effectClrLst/>
+    <dgm:txLinClrLst/>
+    <dgm:txFillClrLst meth="repeat">
+      <a:schemeClr val="lt1"/>
+    </dgm:txFillClrLst>
+    <dgm:txEffectClrLst/>
+  </dgm:styleLbl>
+  <dgm:styleLbl name="parChTrans2D3">
+    <dgm:fillClrLst meth="repeat">
+      <a:schemeClr val="accent1"/>
+    </dgm:fillClrLst>
+    <dgm:linClrLst meth="repeat">
+      <a:schemeClr val="accent1"/>
+    </dgm:linClrLst>
+    <dgm:effectClrLst/>
+    <dgm:txLinClrLst/>
+    <dgm:txFillClrLst meth="repeat">
+      <a:schemeClr val="lt1"/>
+    </dgm:txFillClrLst>
+    <dgm:txEffectClrLst/>
+  </dgm:styleLbl>
+  <dgm:styleLbl name="parChTrans2D4">
+    <dgm:fillClrLst meth="repeat">
+      <a:schemeClr val="accent1"/>
+    </dgm:fillClrLst>
+    <dgm:linClrLst meth="repeat">
+      <a:schemeClr val="accent1"/>
+    </dgm:linClrLst>
+    <dgm:effectClrLst/>
+    <dgm:txLinClrLst/>
+    <dgm:txFillClrLst meth="repeat">
+      <a:schemeClr val="lt1"/>
+    </dgm:txFillClrLst>
+    <dgm:txEffectClrLst/>
+  </dgm:styleLbl>
+  <dgm:styleLbl name="parChTrans1D1">
+    <dgm:fillClrLst meth="repeat">
+      <a:schemeClr val="accent1"/>
+    </dgm:fillClrLst>
+    <dgm:linClrLst meth="repeat">
+      <a:schemeClr val="accent1">
+        <a:shade val="60000"/>
+      </a:schemeClr>
+    </dgm:linClrLst>
+    <dgm:effectClrLst/>
+    <dgm:txLinClrLst/>
+    <dgm:txFillClrLst meth="repeat">
+      <a:schemeClr val="tx1"/>
+    </dgm:txFillClrLst>
+    <dgm:txEffectClrLst/>
+  </dgm:styleLbl>
+  <dgm:styleLbl name="parChTrans1D2">
+    <dgm:fillClrLst meth="repeat">
+      <a:schemeClr val="accent1"/>
+    </dgm:fillClrLst>
+    <dgm:linClrLst meth="repeat">
+      <a:schemeClr val="accent1">
+        <a:shade val="60000"/>
+      </a:schemeClr>
+    </dgm:linClrLst>
+    <dgm:effectClrLst/>
+    <dgm:txLinClrLst/>
+    <dgm:txFillClrLst meth="repeat">
+      <a:schemeClr val="tx1"/>
+    </dgm:txFillClrLst>
+    <dgm:txEffectClrLst/>
+  </dgm:styleLbl>
+  <dgm:styleLbl name="parChTrans1D3">
+    <dgm:fillClrLst meth="repeat">
+      <a:schemeClr val="accent1"/>
+    </dgm:fillClrLst>
+    <dgm:linClrLst meth="repeat">
+      <a:schemeClr val="accent1">
+        <a:shade val="80000"/>
+      </a:schemeClr>
+    </dgm:linClrLst>
+    <dgm:effectClrLst/>
+    <dgm:txLinClrLst/>
+    <dgm:txFillClrLst meth="repeat">
+      <a:schemeClr val="tx1"/>
+    </dgm:txFillClrLst>
+    <dgm:txEffectClrLst/>
+  </dgm:styleLbl>
+  <dgm:styleLbl name="parChTrans1D4">
+    <dgm:fillClrLst meth="repeat">
+      <a:schemeClr val="accent1"/>
+    </dgm:fillClrLst>
+    <dgm:linClrLst meth="repeat">
+      <a:schemeClr val="accent1">
+        <a:shade val="80000"/>
+      </a:schemeClr>
+    </dgm:linClrLst>
+    <dgm:effectClrLst/>
+    <dgm:txLinClrLst/>
+    <dgm:txFillClrLst meth="repeat">
+      <a:schemeClr val="tx1"/>
+    </dgm:txFillClrLst>
+    <dgm:txEffectClrLst/>
+  </dgm:styleLbl>
+  <dgm:styleLbl name="fgAcc1">
+    <dgm:fillClrLst meth="repeat">
+      <a:schemeClr val="lt1">
+        <a:alpha val="90000"/>
+      </a:schemeClr>
+    </dgm:fillClrLst>
+    <dgm:linClrLst meth="repeat">
+      <a:schemeClr val="accent1"/>
+    </dgm:linClrLst>
+    <dgm:effectClrLst/>
+    <dgm:txLinClrLst/>
+    <dgm:txFillClrLst meth="repeat">
+      <a:schemeClr val="dk1"/>
+    </dgm:txFillClrLst>
+    <dgm:txEffectClrLst/>
+  </dgm:styleLbl>
+  <dgm:styleLbl name="conFgAcc1">
+    <dgm:fillClrLst meth="repeat">
+      <a:schemeClr val="lt1">
+        <a:alpha val="90000"/>
+      </a:schemeClr>
+    </dgm:fillClrLst>
+    <dgm:linClrLst meth="repeat">
+      <a:schemeClr val="accent1"/>
+    </dgm:linClrLst>
+    <dgm:effectClrLst/>
+    <dgm:txLinClrLst/>
+    <dgm:txFillClrLst meth="repeat">
+      <a:schemeClr val="dk1"/>
+    </dgm:txFillClrLst>
+    <dgm:txEffectClrLst/>
+  </dgm:styleLbl>
+  <dgm:styleLbl name="alignAcc1">
+    <dgm:fillClrLst meth="repeat">
+      <a:schemeClr val="lt1">
+        <a:alpha val="90000"/>
+      </a:schemeClr>
+    </dgm:fillClrLst>
+    <dgm:linClrLst meth="repeat">
+      <a:schemeClr val="accent1"/>
+    </dgm:linClrLst>
+    <dgm:effectClrLst/>
+    <dgm:txLinClrLst/>
+    <dgm:txFillClrLst meth="repeat">
+      <a:schemeClr val="dk1"/>
+    </dgm:txFillClrLst>
+    <dgm:txEffectClrLst/>
+  </dgm:styleLbl>
+  <dgm:styleLbl name="trAlignAcc1">
+    <dgm:fillClrLst meth="repeat">
+      <a:schemeClr val="lt1">
+        <a:alpha val="40000"/>
+      </a:schemeClr>
+    </dgm:fillClrLst>
+    <dgm:linClrLst meth="repeat">
+      <a:schemeClr val="accent1"/>
+    </dgm:linClrLst>
+    <dgm:effectClrLst/>
+    <dgm:txLinClrLst/>
+    <dgm:txFillClrLst meth="repeat">
+      <a:schemeClr val="dk1"/>
+    </dgm:txFillClrLst>
+    <dgm:txEffectClrLst/>
+  </dgm:styleLbl>
+  <dgm:styleLbl name="bgAcc1">
+    <dgm:fillClrLst meth="repeat">
+      <a:schemeClr val="lt1">
+        <a:alpha val="90000"/>
+      </a:schemeClr>
+    </dgm:fillClrLst>
+    <dgm:linClrLst meth="repeat">
+      <a:schemeClr val="accent1"/>
+    </dgm:linClrLst>
+    <dgm:effectClrLst/>
+    <dgm:txLinClrLst/>
+    <dgm:txFillClrLst meth="repeat">
+      <a:schemeClr val="dk1"/>
+    </dgm:txFillClrLst>
+    <dgm:txEffectClrLst/>
+  </dgm:styleLbl>
+  <dgm:styleLbl name="solidFgAcc1">
+    <dgm:fillClrLst meth="repeat">
+      <a:schemeClr val="lt1"/>
+    </dgm:fillClrLst>
+    <dgm:linClrLst meth="repeat">
+      <a:schemeClr val="accent1"/>
+    </dgm:linClrLst>
+    <dgm:effectClrLst/>
+    <dgm:txLinClrLst/>
+    <dgm:txFillClrLst meth="repeat">
+      <a:schemeClr val="dk1"/>
+    </dgm:txFillClrLst>
+    <dgm:txEffectClrLst/>
+  </dgm:styleLbl>
+  <dgm:styleLbl name="solidAlignAcc1">
+    <dgm:fillClrLst meth="repeat">
+      <a:schemeClr val="lt1"/>
+    </dgm:fillClrLst>
+    <dgm:linClrLst meth="repeat">
+      <a:schemeClr val="accent1"/>
+    </dgm:linClrLst>
+    <dgm:effectClrLst/>
+    <dgm:txLinClrLst/>
+    <dgm:txFillClrLst meth="repeat">
+      <a:schemeClr val="dk1"/>
+    </dgm:txFillClrLst>
+    <dgm:txEffectClrLst/>
+  </dgm:styleLbl>
+  <dgm:styleLbl name="solidBgAcc1">
+    <dgm:fillClrLst meth="repeat">
+      <a:schemeClr val="lt1"/>
+    </dgm:fillClrLst>
+    <dgm:linClrLst meth="repeat">
+      <a:schemeClr val="accent1"/>
+    </dgm:linClrLst>
+    <dgm:effectClrLst/>
+    <dgm:txLinClrLst/>
+    <dgm:txFillClrLst meth="repeat">
+      <a:schemeClr val="dk1"/>
+    </dgm:txFillClrLst>
+    <dgm:txEffectClrLst/>
+  </dgm:styleLbl>
+  <dgm:styleLbl name="fgAccFollowNode1">
+    <dgm:fillClrLst meth="repeat">
+      <a:schemeClr val="accent1">
+        <a:alpha val="90000"/>
+        <a:tint val="40000"/>
+      </a:schemeClr>
+    </dgm:fillClrLst>
+    <dgm:linClrLst meth="repeat">
+      <a:schemeClr val="accent1">
+        <a:alpha val="90000"/>
+        <a:tint val="40000"/>
+      </a:schemeClr>
+    </dgm:linClrLst>
+    <dgm:effectClrLst/>
+    <dgm:txLinClrLst/>
+    <dgm:txFillClrLst meth="repeat">
+      <a:schemeClr val="dk1"/>
+    </dgm:txFillClrLst>
+    <dgm:txEffectClrLst/>
+  </dgm:styleLbl>
+  <dgm:styleLbl name="alignAccFollowNode1">
+    <dgm:fillClrLst meth="repeat">
+      <a:schemeClr val="accent1">
+        <a:alpha val="90000"/>
+        <a:tint val="40000"/>
+      </a:schemeClr>
+    </dgm:fillClrLst>
+    <dgm:linClrLst meth="repeat">
+      <a:schemeClr val="accent1">
+        <a:alpha val="90000"/>
+        <a:tint val="40000"/>
+      </a:schemeClr>
+    </dgm:linClrLst>
+    <dgm:effectClrLst/>
+    <dgm:txLinClrLst/>
+    <dgm:txFillClrLst meth="repeat">
+      <a:schemeClr val="dk1"/>
+    </dgm:txFillClrLst>
+    <dgm:txEffectClrLst/>
+  </dgm:styleLbl>
+  <dgm:styleLbl name="bgAccFollowNode1">
+    <dgm:fillClrLst meth="repeat">
+      <a:schemeClr val="accent1">
+        <a:alpha val="90000"/>
+        <a:tint val="40000"/>
+      </a:schemeClr>
+    </dgm:fillClrLst>
+    <dgm:linClrLst meth="repeat">
+      <a:schemeClr val="accent1">
+        <a:alpha val="90000"/>
+        <a:tint val="40000"/>
+      </a:schemeClr>
+    </dgm:linClrLst>
+    <dgm:effectClrLst/>
+    <dgm:txLinClrLst/>
+    <dgm:txFillClrLst meth="repeat">
+      <a:schemeClr val="dk1"/>
+    </dgm:txFillClrLst>
+    <dgm:txEffectClrLst/>
+  </dgm:styleLbl>
+  <dgm:styleLbl name="fgAcc0">
+    <dgm:fillClrLst meth="repeat">
+      <a:schemeClr val="lt1">
+        <a:alpha val="90000"/>
+      </a:schemeClr>
+    </dgm:fillClrLst>
+    <dgm:linClrLst meth="repeat">
+      <a:schemeClr val="accent1"/>
+    </dgm:linClrLst>
+    <dgm:effectClrLst/>
+    <dgm:txLinClrLst/>
+    <dgm:txFillClrLst meth="repeat">
+      <a:schemeClr val="dk1"/>
+    </dgm:txFillClrLst>
+    <dgm:txEffectClrLst/>
+  </dgm:styleLbl>
+  <dgm:styleLbl name="fgAcc2">
+    <dgm:fillClrLst meth="repeat">
+      <a:schemeClr val="lt1">
+        <a:alpha val="90000"/>
+      </a:schemeClr>
+    </dgm:fillClrLst>
+    <dgm:linClrLst meth="repeat">
+      <a:schemeClr val="accent1"/>
+    </dgm:linClrLst>
+    <dgm:effectClrLst/>
+    <dgm:txLinClrLst/>
+    <dgm:txFillClrLst meth="repeat">
+      <a:schemeClr val="dk1"/>
+    </dgm:txFillClrLst>
+    <dgm:txEffectClrLst/>
+  </dgm:styleLbl>
+  <dgm:styleLbl name="fgAcc3">
+    <dgm:fillClrLst meth="repeat">
+      <a:schemeClr val="lt1">
+        <a:alpha val="90000"/>
+      </a:schemeClr>
+    </dgm:fillClrLst>
+    <dgm:linClrLst meth="repeat">
+      <a:schemeClr val="accent1"/>
+    </dgm:linClrLst>
+    <dgm:effectClrLst/>
+    <dgm:txLinClrLst/>
+    <dgm:txFillClrLst meth="repeat">
+      <a:schemeClr val="dk1"/>
+    </dgm:txFillClrLst>
+    <dgm:txEffectClrLst/>
+  </dgm:styleLbl>
+  <dgm:styleLbl name="fgAcc4">
+    <dgm:fillClrLst meth="repeat">
+      <a:schemeClr val="lt1">
+        <a:alpha val="90000"/>
+      </a:schemeClr>
+    </dgm:fillClrLst>
+    <dgm:linClrLst meth="repeat">
+      <a:schemeClr val="accent1"/>
+    </dgm:linClrLst>
+    <dgm:effectClrLst/>
+    <dgm:txLinClrLst/>
+    <dgm:txFillClrLst meth="repeat">
+      <a:schemeClr val="dk1"/>
+    </dgm:txFillClrLst>
+    <dgm:txEffectClrLst/>
+  </dgm:styleLbl>
+  <dgm:styleLbl name="bgShp">
+    <dgm:fillClrLst meth="repeat">
+      <a:schemeClr val="accent1">
+        <a:tint val="40000"/>
+      </a:schemeClr>
+    </dgm:fillClrLst>
+    <dgm:linClrLst meth="repeat">
+      <a:schemeClr val="accent1"/>
+    </dgm:linClrLst>
+    <dgm:effectClrLst/>
+    <dgm:txLinClrLst/>
+    <dgm:txFillClrLst meth="repeat">
+      <a:schemeClr val="dk1"/>
+    </dgm:txFillClrLst>
+    <dgm:txEffectClrLst/>
+  </dgm:styleLbl>
+  <dgm:styleLbl name="dkBgShp">
+    <dgm:fillClrLst meth="repeat">
+      <a:schemeClr val="accent1">
+        <a:shade val="80000"/>
+      </a:schemeClr>
+    </dgm:fillClrLst>
+    <dgm:linClrLst meth="repeat">
+      <a:schemeClr val="accent1"/>
+    </dgm:linClrLst>
+    <dgm:effectClrLst/>
+    <dgm:txLinClrLst/>
+    <dgm:txFillClrLst meth="repeat">
+      <a:schemeClr val="lt1"/>
+    </dgm:txFillClrLst>
+    <dgm:txEffectClrLst/>
+  </dgm:styleLbl>
+  <dgm:styleLbl name="trBgShp">
+    <dgm:fillClrLst meth="repeat">
+      <a:schemeClr val="accent1">
+        <a:tint val="50000"/>
+        <a:alpha val="40000"/>
+      </a:schemeClr>
+    </dgm:fillClrLst>
+    <dgm:linClrLst meth="repeat">
+      <a:schemeClr val="accent1"/>
+    </dgm:linClrLst>
+    <dgm:effectClrLst/>
+    <dgm:txLinClrLst/>
+    <dgm:txFillClrLst meth="repeat">
+      <a:schemeClr val="lt1"/>
+    </dgm:txFillClrLst>
+    <dgm:txEffectClrLst/>
+  </dgm:styleLbl>
+  <dgm:styleLbl name="fgShp">
+    <dgm:fillClrLst meth="repeat">
+      <a:schemeClr val="accent1">
+        <a:tint val="60000"/>
+      </a:schemeClr>
+    </dgm:fillClrLst>
+    <dgm:linClrLst meth="repeat">
+      <a:schemeClr val="lt1"/>
+    </dgm:linClrLst>
+    <dgm:effectClrLst/>
+    <dgm:txLinClrLst/>
+    <dgm:txFillClrLst meth="repeat">
+      <a:schemeClr val="dk1"/>
+    </dgm:txFillClrLst>
+    <dgm:txEffectClrLst/>
+  </dgm:styleLbl>
+  <dgm:styleLbl name="revTx">
+    <dgm:fillClrLst meth="repeat">
+      <a:schemeClr val="lt1">
+        <a:alpha val="0"/>
+      </a:schemeClr>
+    </dgm:fillClrLst>
+    <dgm:linClrLst meth="repeat">
+      <a:schemeClr val="dk1">
+        <a:alpha val="0"/>
+      </a:schemeClr>
+    </dgm:linClrLst>
+    <dgm:effectClrLst/>
+    <dgm:txLinClrLst/>
+    <dgm:txFillClrLst meth="repeat">
+      <a:schemeClr val="tx1"/>
+    </dgm:txFillClrLst>
+    <dgm:txEffectClrLst/>
+  </dgm:styleLbl>
+</dgm:colorsDef>
+</file>
+
+<file path=ppt/diagrams/data1.xml><?xml version="1.0" encoding="utf-8"?>
+<dgm:dataModel xmlns:dgm="http://schemas.openxmlformats.org/drawingml/2006/diagram" xmlns:a="http://schemas.openxmlformats.org/drawingml/2006/main">
+  <dgm:ptLst>
+    <dgm:pt modelId="{F41B1C3B-7306-4D4E-B416-1F06554BC6D9}" type="doc">
+      <dgm:prSet loTypeId="urn:microsoft.com/office/officeart/2018/2/layout/IconLabelDescriptionList" loCatId="icon" qsTypeId="urn:microsoft.com/office/officeart/2005/8/quickstyle/simple1" qsCatId="simple" csTypeId="urn:microsoft.com/office/officeart/2018/5/colors/Iconchunking_neutralbg_colorful1" csCatId="colorful" phldr="1"/>
+      <dgm:spPr/>
+      <dgm:t>
+        <a:bodyPr/>
+        <a:lstStyle/>
+        <a:p>
+          <a:endParaRPr lang="en-US"/>
+        </a:p>
+      </dgm:t>
+    </dgm:pt>
+    <dgm:pt modelId="{AE3DFD8E-29A6-45B9-B14B-9C1A96C85547}">
+      <dgm:prSet/>
+      <dgm:spPr/>
+      <dgm:t>
+        <a:bodyPr/>
+        <a:lstStyle/>
+        <a:p>
+          <a:pPr>
+            <a:defRPr b="1"/>
+          </a:pPr>
+          <a:r>
+            <a:rPr lang="en-US">
+              <a:hlinkClick xmlns:r="http://schemas.openxmlformats.org/officeDocument/2006/relationships" r:id="rId1"/>
+            </a:rPr>
+            <a:t>Authoring Tool Accessibility Guidelines (ATAG) 2.0 (w3.org)</a:t>
+          </a:r>
+          <a:endParaRPr lang="en-US"/>
+        </a:p>
+      </dgm:t>
+    </dgm:pt>
+    <dgm:pt modelId="{89C26508-299B-41CC-B22F-2FF83442DDDB}" type="parTrans" cxnId="{3793CFE5-CDF6-49FF-96AC-173192AFDDB3}">
+      <dgm:prSet/>
+      <dgm:spPr/>
+      <dgm:t>
+        <a:bodyPr/>
+        <a:lstStyle/>
+        <a:p>
+          <a:endParaRPr lang="en-US"/>
+        </a:p>
+      </dgm:t>
+    </dgm:pt>
+    <dgm:pt modelId="{9AAFCD4D-F0AE-492A-B904-B638D4EA1B41}" type="sibTrans" cxnId="{3793CFE5-CDF6-49FF-96AC-173192AFDDB3}">
+      <dgm:prSet/>
+      <dgm:spPr/>
+      <dgm:t>
+        <a:bodyPr/>
+        <a:lstStyle/>
+        <a:p>
+          <a:endParaRPr lang="en-US"/>
+        </a:p>
+      </dgm:t>
+    </dgm:pt>
+    <dgm:pt modelId="{F393AE3F-05B8-4F49-9A74-BC01246C32B3}">
+      <dgm:prSet/>
+      <dgm:spPr/>
+      <dgm:t>
+        <a:bodyPr/>
+        <a:lstStyle/>
+        <a:p>
+          <a:r>
+            <a:rPr lang="en-US"/>
+            <a:t>Guideline B.2.2: Guide authors to produce accessible content</a:t>
+          </a:r>
+        </a:p>
+      </dgm:t>
+    </dgm:pt>
+    <dgm:pt modelId="{155E9472-AFAD-4700-ABBB-0E7CC616D252}" type="parTrans" cxnId="{DA4B8709-8BE4-4405-9A3E-2ABBA1C3B0B9}">
+      <dgm:prSet/>
+      <dgm:spPr/>
+      <dgm:t>
+        <a:bodyPr/>
+        <a:lstStyle/>
+        <a:p>
+          <a:endParaRPr lang="en-US"/>
+        </a:p>
+      </dgm:t>
+    </dgm:pt>
+    <dgm:pt modelId="{EB685239-7265-4CDC-985D-42C451F60F19}" type="sibTrans" cxnId="{DA4B8709-8BE4-4405-9A3E-2ABBA1C3B0B9}">
+      <dgm:prSet/>
+      <dgm:spPr/>
+      <dgm:t>
+        <a:bodyPr/>
+        <a:lstStyle/>
+        <a:p>
+          <a:endParaRPr lang="en-US"/>
+        </a:p>
+      </dgm:t>
+    </dgm:pt>
+    <dgm:pt modelId="{79045F7A-38E1-4EB8-A61B-2DF4DD10010F}">
+      <dgm:prSet/>
+      <dgm:spPr/>
+      <dgm:t>
+        <a:bodyPr/>
+        <a:lstStyle/>
+        <a:p>
+          <a:r>
+            <a:rPr lang="en-US"/>
+            <a:t>Guideline B.2.3: Assist authors with managing alternative content for non-text content.</a:t>
+          </a:r>
+        </a:p>
+      </dgm:t>
+    </dgm:pt>
+    <dgm:pt modelId="{01E4D3A9-1F8A-4014-8455-4A784FB13DD3}" type="parTrans" cxnId="{98C2EED2-8207-4484-860E-F26B5A492B97}">
+      <dgm:prSet/>
+      <dgm:spPr/>
+      <dgm:t>
+        <a:bodyPr/>
+        <a:lstStyle/>
+        <a:p>
+          <a:endParaRPr lang="en-US"/>
+        </a:p>
+      </dgm:t>
+    </dgm:pt>
+    <dgm:pt modelId="{B5FB46ED-57F1-4180-8D32-E56D53763623}" type="sibTrans" cxnId="{98C2EED2-8207-4484-860E-F26B5A492B97}">
+      <dgm:prSet/>
+      <dgm:spPr/>
+      <dgm:t>
+        <a:bodyPr/>
+        <a:lstStyle/>
+        <a:p>
+          <a:endParaRPr lang="en-US"/>
+        </a:p>
+      </dgm:t>
+    </dgm:pt>
+    <dgm:pt modelId="{772F3374-2572-46C8-A21F-B78E08C3FD49}">
+      <dgm:prSet/>
+      <dgm:spPr/>
+      <dgm:t>
+        <a:bodyPr/>
+        <a:lstStyle/>
+        <a:p>
+          <a:r>
+            <a:rPr lang="en-US"/>
+            <a:t>Guideline B.2.5: Assist authors with accessible pre-authored content.</a:t>
+          </a:r>
+        </a:p>
+      </dgm:t>
+    </dgm:pt>
+    <dgm:pt modelId="{5FA9CD92-C208-43E8-9063-8648C628EBF0}" type="parTrans" cxnId="{6E4A9663-D0B7-4CAE-8FC4-8474B9FBAB7E}">
+      <dgm:prSet/>
+      <dgm:spPr/>
+      <dgm:t>
+        <a:bodyPr/>
+        <a:lstStyle/>
+        <a:p>
+          <a:endParaRPr lang="en-US"/>
+        </a:p>
+      </dgm:t>
+    </dgm:pt>
+    <dgm:pt modelId="{06495B6F-ABBD-4E5F-9743-7A4C49E5EFC3}" type="sibTrans" cxnId="{6E4A9663-D0B7-4CAE-8FC4-8474B9FBAB7E}">
+      <dgm:prSet/>
+      <dgm:spPr/>
+      <dgm:t>
+        <a:bodyPr/>
+        <a:lstStyle/>
+        <a:p>
+          <a:endParaRPr lang="en-US"/>
+        </a:p>
+      </dgm:t>
+    </dgm:pt>
+    <dgm:pt modelId="{83964696-938C-4717-B470-AE0F2885620B}">
+      <dgm:prSet/>
+      <dgm:spPr/>
+      <dgm:t>
+        <a:bodyPr/>
+        <a:lstStyle/>
+        <a:p>
+          <a:pPr>
+            <a:defRPr b="1"/>
+          </a:pPr>
+          <a:r>
+            <a:rPr lang="en-US"/>
+            <a:t>Guideline B.3.1: Assist authors in checking for accessibility problems.</a:t>
+          </a:r>
+        </a:p>
+      </dgm:t>
+    </dgm:pt>
+    <dgm:pt modelId="{857C5844-D11F-49E2-B354-0DC4821F0895}" type="parTrans" cxnId="{7AE5FCF4-885F-44D7-AA24-54F97B72A0C7}">
+      <dgm:prSet/>
+      <dgm:spPr/>
+      <dgm:t>
+        <a:bodyPr/>
+        <a:lstStyle/>
+        <a:p>
+          <a:endParaRPr lang="en-US"/>
+        </a:p>
+      </dgm:t>
+    </dgm:pt>
+    <dgm:pt modelId="{D53F3609-DEB3-44BF-97C2-23E03DCEFBB2}" type="sibTrans" cxnId="{7AE5FCF4-885F-44D7-AA24-54F97B72A0C7}">
+      <dgm:prSet/>
+      <dgm:spPr/>
+      <dgm:t>
+        <a:bodyPr/>
+        <a:lstStyle/>
+        <a:p>
+          <a:endParaRPr lang="en-US"/>
+        </a:p>
+      </dgm:t>
+    </dgm:pt>
+    <dgm:pt modelId="{306D44AD-83D2-4E69-8F23-89480FAE0778}">
+      <dgm:prSet/>
+      <dgm:spPr/>
+      <dgm:t>
+        <a:bodyPr/>
+        <a:lstStyle/>
+        <a:p>
+          <a:r>
+            <a:rPr lang="en-US" i="0"/>
+            <a:t>B.3.1.1 Checking Assistance (WCAG)</a:t>
+          </a:r>
+          <a:endParaRPr lang="en-US"/>
+        </a:p>
+      </dgm:t>
+    </dgm:pt>
+    <dgm:pt modelId="{0426A6AC-A787-4014-9855-FB82A0678A92}" type="parTrans" cxnId="{3CF11932-9D91-409C-AF6E-252E2789BAEE}">
+      <dgm:prSet/>
+      <dgm:spPr/>
+      <dgm:t>
+        <a:bodyPr/>
+        <a:lstStyle/>
+        <a:p>
+          <a:endParaRPr lang="en-US"/>
+        </a:p>
+      </dgm:t>
+    </dgm:pt>
+    <dgm:pt modelId="{992B82BE-D02E-47F3-B5D7-87F4652994E4}" type="sibTrans" cxnId="{3CF11932-9D91-409C-AF6E-252E2789BAEE}">
+      <dgm:prSet/>
+      <dgm:spPr/>
+      <dgm:t>
+        <a:bodyPr/>
+        <a:lstStyle/>
+        <a:p>
+          <a:endParaRPr lang="en-US"/>
+        </a:p>
+      </dgm:t>
+    </dgm:pt>
+    <dgm:pt modelId="{3FA05C7D-830A-444B-A89F-B1EC30AD364D}">
+      <dgm:prSet/>
+      <dgm:spPr/>
+      <dgm:t>
+        <a:bodyPr/>
+        <a:lstStyle/>
+        <a:p>
+          <a:r>
+            <a:rPr lang="en-US" i="0"/>
+            <a:t>B.3.1.2 Help Authors Decide</a:t>
+          </a:r>
+          <a:endParaRPr lang="en-US"/>
+        </a:p>
+      </dgm:t>
+    </dgm:pt>
+    <dgm:pt modelId="{06D89194-0B6C-4082-9462-05BD2A612B40}" type="parTrans" cxnId="{45BCA266-C7CB-46DA-B72F-EE18BA52B014}">
+      <dgm:prSet/>
+      <dgm:spPr/>
+      <dgm:t>
+        <a:bodyPr/>
+        <a:lstStyle/>
+        <a:p>
+          <a:endParaRPr lang="en-US"/>
+        </a:p>
+      </dgm:t>
+    </dgm:pt>
+    <dgm:pt modelId="{E652B432-54C6-4448-AEF5-4065E7C7530E}" type="sibTrans" cxnId="{45BCA266-C7CB-46DA-B72F-EE18BA52B014}">
+      <dgm:prSet/>
+      <dgm:spPr/>
+      <dgm:t>
+        <a:bodyPr/>
+        <a:lstStyle/>
+        <a:p>
+          <a:endParaRPr lang="en-US"/>
+        </a:p>
+      </dgm:t>
+    </dgm:pt>
+    <dgm:pt modelId="{69ADD356-C253-43AD-A187-D3A4B8145B5E}">
+      <dgm:prSet/>
+      <dgm:spPr/>
+      <dgm:t>
+        <a:bodyPr/>
+        <a:lstStyle/>
+        <a:p>
+          <a:r>
+            <a:rPr lang="en-US" i="0"/>
+            <a:t>B.3.1.3 Help Authors Locate</a:t>
+          </a:r>
+          <a:endParaRPr lang="en-US"/>
+        </a:p>
+      </dgm:t>
+    </dgm:pt>
+    <dgm:pt modelId="{1CA967E8-3D26-473C-A8B2-C42FFFFF2EBF}" type="parTrans" cxnId="{0BB5DC78-84E1-488E-B2F6-03197A8517AE}">
+      <dgm:prSet/>
+      <dgm:spPr/>
+      <dgm:t>
+        <a:bodyPr/>
+        <a:lstStyle/>
+        <a:p>
+          <a:endParaRPr lang="en-US"/>
+        </a:p>
+      </dgm:t>
+    </dgm:pt>
+    <dgm:pt modelId="{90B624B0-E175-4BCA-A583-481CE25E5ED0}" type="sibTrans" cxnId="{0BB5DC78-84E1-488E-B2F6-03197A8517AE}">
+      <dgm:prSet/>
+      <dgm:spPr/>
+      <dgm:t>
+        <a:bodyPr/>
+        <a:lstStyle/>
+        <a:p>
+          <a:endParaRPr lang="en-US"/>
+        </a:p>
+      </dgm:t>
+    </dgm:pt>
+    <dgm:pt modelId="{373C53F8-33A8-4C49-A39B-55B3BBC348A2}" type="pres">
+      <dgm:prSet presAssocID="{F41B1C3B-7306-4D4E-B416-1F06554BC6D9}" presName="root" presStyleCnt="0">
+        <dgm:presLayoutVars>
+          <dgm:dir/>
+          <dgm:resizeHandles val="exact"/>
+        </dgm:presLayoutVars>
+      </dgm:prSet>
+      <dgm:spPr/>
+    </dgm:pt>
+    <dgm:pt modelId="{1E11D5EE-B6FC-480B-B904-8C2A2075EEBF}" type="pres">
+      <dgm:prSet presAssocID="{AE3DFD8E-29A6-45B9-B14B-9C1A96C85547}" presName="compNode" presStyleCnt="0"/>
+      <dgm:spPr/>
+    </dgm:pt>
+    <dgm:pt modelId="{DBF5E050-DD94-4FF6-938E-DFBEF5BA7D5A}" type="pres">
+      <dgm:prSet presAssocID="{AE3DFD8E-29A6-45B9-B14B-9C1A96C85547}" presName="iconRect" presStyleLbl="node1" presStyleIdx="0" presStyleCnt="2"/>
+      <dgm:spPr>
+        <a:blipFill>
+          <a:blip xmlns:r="http://schemas.openxmlformats.org/officeDocument/2006/relationships" r:embed="rId2">
+            <a:extLst>
+              <a:ext uri="{28A0092B-C50C-407E-A947-70E740481C1C}">
+                <a14:useLocalDpi xmlns:a14="http://schemas.microsoft.com/office/drawing/2010/main" val="0"/>
+              </a:ext>
+              <a:ext uri="{96DAC541-7B7A-43D3-8B79-37D633B846F1}">
+                <asvg:svgBlip xmlns:asvg="http://schemas.microsoft.com/office/drawing/2016/SVG/main" r:embed="rId3"/>
+              </a:ext>
+            </a:extLst>
+          </a:blip>
+          <a:stretch>
+            <a:fillRect/>
+          </a:stretch>
+        </a:blipFill>
+        <a:ln>
+          <a:noFill/>
+        </a:ln>
+      </dgm:spPr>
+      <dgm:extLst>
+        <a:ext uri="{E40237B7-FDA0-4F09-8148-C483321AD2D9}">
+          <dgm14:cNvPr xmlns:dgm14="http://schemas.microsoft.com/office/drawing/2010/diagram" id="0" name="" descr="Tools"/>
+        </a:ext>
+      </dgm:extLst>
+    </dgm:pt>
+    <dgm:pt modelId="{AB0E46FD-0F9E-4226-81C4-3E9CCCEAB64A}" type="pres">
+      <dgm:prSet presAssocID="{AE3DFD8E-29A6-45B9-B14B-9C1A96C85547}" presName="iconSpace" presStyleCnt="0"/>
+      <dgm:spPr/>
+    </dgm:pt>
+    <dgm:pt modelId="{806AA158-51A8-45FF-A444-A51BACEAFDB0}" type="pres">
+      <dgm:prSet presAssocID="{AE3DFD8E-29A6-45B9-B14B-9C1A96C85547}" presName="parTx" presStyleLbl="revTx" presStyleIdx="0" presStyleCnt="4">
+        <dgm:presLayoutVars>
+          <dgm:chMax val="0"/>
+          <dgm:chPref val="0"/>
+        </dgm:presLayoutVars>
+      </dgm:prSet>
+      <dgm:spPr/>
+    </dgm:pt>
+    <dgm:pt modelId="{A9E56321-01E5-45AE-88AA-79663BD4C1AC}" type="pres">
+      <dgm:prSet presAssocID="{AE3DFD8E-29A6-45B9-B14B-9C1A96C85547}" presName="txSpace" presStyleCnt="0"/>
+      <dgm:spPr/>
+    </dgm:pt>
+    <dgm:pt modelId="{4CA5C5CC-0883-4325-8F1A-320180A51A4B}" type="pres">
+      <dgm:prSet presAssocID="{AE3DFD8E-29A6-45B9-B14B-9C1A96C85547}" presName="desTx" presStyleLbl="revTx" presStyleIdx="1" presStyleCnt="4">
+        <dgm:presLayoutVars/>
+      </dgm:prSet>
+      <dgm:spPr/>
+    </dgm:pt>
+    <dgm:pt modelId="{F5B1073B-451D-427C-80FC-64ED89223F50}" type="pres">
+      <dgm:prSet presAssocID="{9AAFCD4D-F0AE-492A-B904-B638D4EA1B41}" presName="sibTrans" presStyleCnt="0"/>
+      <dgm:spPr/>
+    </dgm:pt>
+    <dgm:pt modelId="{A02DB8A9-C62E-466A-B129-A372B002E585}" type="pres">
+      <dgm:prSet presAssocID="{83964696-938C-4717-B470-AE0F2885620B}" presName="compNode" presStyleCnt="0"/>
+      <dgm:spPr/>
+    </dgm:pt>
+    <dgm:pt modelId="{7942F093-26BE-4A50-BEB2-006232818263}" type="pres">
+      <dgm:prSet presAssocID="{83964696-938C-4717-B470-AE0F2885620B}" presName="iconRect" presStyleLbl="node1" presStyleIdx="1" presStyleCnt="2"/>
+      <dgm:spPr>
+        <a:blipFill>
+          <a:blip xmlns:r="http://schemas.openxmlformats.org/officeDocument/2006/relationships" r:embed="rId4">
+            <a:extLst>
+              <a:ext uri="{28A0092B-C50C-407E-A947-70E740481C1C}">
+                <a14:useLocalDpi xmlns:a14="http://schemas.microsoft.com/office/drawing/2010/main" val="0"/>
+              </a:ext>
+              <a:ext uri="{96DAC541-7B7A-43D3-8B79-37D633B846F1}">
+                <asvg:svgBlip xmlns:asvg="http://schemas.microsoft.com/office/drawing/2016/SVG/main" r:embed="rId5"/>
+              </a:ext>
+            </a:extLst>
+          </a:blip>
+          <a:stretch>
+            <a:fillRect/>
+          </a:stretch>
+        </a:blipFill>
+        <a:ln>
+          <a:noFill/>
+        </a:ln>
+      </dgm:spPr>
+      <dgm:extLst>
+        <a:ext uri="{E40237B7-FDA0-4F09-8148-C483321AD2D9}">
+          <dgm14:cNvPr xmlns:dgm14="http://schemas.microsoft.com/office/drawing/2010/diagram" id="0" name="" descr="Checkmark"/>
+        </a:ext>
+      </dgm:extLst>
+    </dgm:pt>
+    <dgm:pt modelId="{BCB689E6-3BF1-46D0-BC11-CFD353FE0033}" type="pres">
+      <dgm:prSet presAssocID="{83964696-938C-4717-B470-AE0F2885620B}" presName="iconSpace" presStyleCnt="0"/>
+      <dgm:spPr/>
+    </dgm:pt>
+    <dgm:pt modelId="{2434F190-03C6-4AB4-AB0D-7E38DBEC2F55}" type="pres">
+      <dgm:prSet presAssocID="{83964696-938C-4717-B470-AE0F2885620B}" presName="parTx" presStyleLbl="revTx" presStyleIdx="2" presStyleCnt="4">
+        <dgm:presLayoutVars>
+          <dgm:chMax val="0"/>
+          <dgm:chPref val="0"/>
+        </dgm:presLayoutVars>
+      </dgm:prSet>
+      <dgm:spPr/>
+    </dgm:pt>
+    <dgm:pt modelId="{4C9F2EC8-232A-4CF4-9252-143557310241}" type="pres">
+      <dgm:prSet presAssocID="{83964696-938C-4717-B470-AE0F2885620B}" presName="txSpace" presStyleCnt="0"/>
+      <dgm:spPr/>
+    </dgm:pt>
+    <dgm:pt modelId="{1E4DA541-A544-4462-9FFC-3A6B3E7265A9}" type="pres">
+      <dgm:prSet presAssocID="{83964696-938C-4717-B470-AE0F2885620B}" presName="desTx" presStyleLbl="revTx" presStyleIdx="3" presStyleCnt="4">
+        <dgm:presLayoutVars/>
+      </dgm:prSet>
+      <dgm:spPr/>
+    </dgm:pt>
+  </dgm:ptLst>
+  <dgm:cxnLst>
+    <dgm:cxn modelId="{DA4B8709-8BE4-4405-9A3E-2ABBA1C3B0B9}" srcId="{AE3DFD8E-29A6-45B9-B14B-9C1A96C85547}" destId="{F393AE3F-05B8-4F49-9A74-BC01246C32B3}" srcOrd="0" destOrd="0" parTransId="{155E9472-AFAD-4700-ABBB-0E7CC616D252}" sibTransId="{EB685239-7265-4CDC-985D-42C451F60F19}"/>
+    <dgm:cxn modelId="{227B2917-AACC-4779-B571-EE0C0A587DCF}" type="presOf" srcId="{69ADD356-C253-43AD-A187-D3A4B8145B5E}" destId="{1E4DA541-A544-4462-9FFC-3A6B3E7265A9}" srcOrd="0" destOrd="2" presId="urn:microsoft.com/office/officeart/2018/2/layout/IconLabelDescriptionList"/>
+    <dgm:cxn modelId="{C7405226-6285-4F15-AACF-0300B47D01DD}" type="presOf" srcId="{AE3DFD8E-29A6-45B9-B14B-9C1A96C85547}" destId="{806AA158-51A8-45FF-A444-A51BACEAFDB0}" srcOrd="0" destOrd="0" presId="urn:microsoft.com/office/officeart/2018/2/layout/IconLabelDescriptionList"/>
+    <dgm:cxn modelId="{1BAE4029-BCCC-4AFA-9894-387F23BDA0CE}" type="presOf" srcId="{79045F7A-38E1-4EB8-A61B-2DF4DD10010F}" destId="{4CA5C5CC-0883-4325-8F1A-320180A51A4B}" srcOrd="0" destOrd="1" presId="urn:microsoft.com/office/officeart/2018/2/layout/IconLabelDescriptionList"/>
+    <dgm:cxn modelId="{3CF11932-9D91-409C-AF6E-252E2789BAEE}" srcId="{83964696-938C-4717-B470-AE0F2885620B}" destId="{306D44AD-83D2-4E69-8F23-89480FAE0778}" srcOrd="0" destOrd="0" parTransId="{0426A6AC-A787-4014-9855-FB82A0678A92}" sibTransId="{992B82BE-D02E-47F3-B5D7-87F4652994E4}"/>
+    <dgm:cxn modelId="{4B778C32-1618-417D-B2B6-344871DE1969}" type="presOf" srcId="{3FA05C7D-830A-444B-A89F-B1EC30AD364D}" destId="{1E4DA541-A544-4462-9FFC-3A6B3E7265A9}" srcOrd="0" destOrd="1" presId="urn:microsoft.com/office/officeart/2018/2/layout/IconLabelDescriptionList"/>
+    <dgm:cxn modelId="{917D5139-27DF-455D-81EB-1124E6167528}" type="presOf" srcId="{772F3374-2572-46C8-A21F-B78E08C3FD49}" destId="{4CA5C5CC-0883-4325-8F1A-320180A51A4B}" srcOrd="0" destOrd="2" presId="urn:microsoft.com/office/officeart/2018/2/layout/IconLabelDescriptionList"/>
+    <dgm:cxn modelId="{87DFF23C-6BCD-49C4-AFD1-A93A9E92360F}" type="presOf" srcId="{83964696-938C-4717-B470-AE0F2885620B}" destId="{2434F190-03C6-4AB4-AB0D-7E38DBEC2F55}" srcOrd="0" destOrd="0" presId="urn:microsoft.com/office/officeart/2018/2/layout/IconLabelDescriptionList"/>
+    <dgm:cxn modelId="{D3B92A63-B9AC-489C-B934-F191DEE82907}" type="presOf" srcId="{F41B1C3B-7306-4D4E-B416-1F06554BC6D9}" destId="{373C53F8-33A8-4C49-A39B-55B3BBC348A2}" srcOrd="0" destOrd="0" presId="urn:microsoft.com/office/officeart/2018/2/layout/IconLabelDescriptionList"/>
+    <dgm:cxn modelId="{6E4A9663-D0B7-4CAE-8FC4-8474B9FBAB7E}" srcId="{AE3DFD8E-29A6-45B9-B14B-9C1A96C85547}" destId="{772F3374-2572-46C8-A21F-B78E08C3FD49}" srcOrd="2" destOrd="0" parTransId="{5FA9CD92-C208-43E8-9063-8648C628EBF0}" sibTransId="{06495B6F-ABBD-4E5F-9743-7A4C49E5EFC3}"/>
+    <dgm:cxn modelId="{45BCA266-C7CB-46DA-B72F-EE18BA52B014}" srcId="{83964696-938C-4717-B470-AE0F2885620B}" destId="{3FA05C7D-830A-444B-A89F-B1EC30AD364D}" srcOrd="1" destOrd="0" parTransId="{06D89194-0B6C-4082-9462-05BD2A612B40}" sibTransId="{E652B432-54C6-4448-AEF5-4065E7C7530E}"/>
+    <dgm:cxn modelId="{0BB5DC78-84E1-488E-B2F6-03197A8517AE}" srcId="{83964696-938C-4717-B470-AE0F2885620B}" destId="{69ADD356-C253-43AD-A187-D3A4B8145B5E}" srcOrd="2" destOrd="0" parTransId="{1CA967E8-3D26-473C-A8B2-C42FFFFF2EBF}" sibTransId="{90B624B0-E175-4BCA-A583-481CE25E5ED0}"/>
+    <dgm:cxn modelId="{A9A75C9A-9C4B-4C53-BFD5-5EB2A54889A0}" type="presOf" srcId="{306D44AD-83D2-4E69-8F23-89480FAE0778}" destId="{1E4DA541-A544-4462-9FFC-3A6B3E7265A9}" srcOrd="0" destOrd="0" presId="urn:microsoft.com/office/officeart/2018/2/layout/IconLabelDescriptionList"/>
+    <dgm:cxn modelId="{98C2EED2-8207-4484-860E-F26B5A492B97}" srcId="{AE3DFD8E-29A6-45B9-B14B-9C1A96C85547}" destId="{79045F7A-38E1-4EB8-A61B-2DF4DD10010F}" srcOrd="1" destOrd="0" parTransId="{01E4D3A9-1F8A-4014-8455-4A784FB13DD3}" sibTransId="{B5FB46ED-57F1-4180-8D32-E56D53763623}"/>
+    <dgm:cxn modelId="{3793CFE5-CDF6-49FF-96AC-173192AFDDB3}" srcId="{F41B1C3B-7306-4D4E-B416-1F06554BC6D9}" destId="{AE3DFD8E-29A6-45B9-B14B-9C1A96C85547}" srcOrd="0" destOrd="0" parTransId="{89C26508-299B-41CC-B22F-2FF83442DDDB}" sibTransId="{9AAFCD4D-F0AE-492A-B904-B638D4EA1B41}"/>
+    <dgm:cxn modelId="{36DF34F2-82DF-4824-8161-AB9BD80CC28A}" type="presOf" srcId="{F393AE3F-05B8-4F49-9A74-BC01246C32B3}" destId="{4CA5C5CC-0883-4325-8F1A-320180A51A4B}" srcOrd="0" destOrd="0" presId="urn:microsoft.com/office/officeart/2018/2/layout/IconLabelDescriptionList"/>
+    <dgm:cxn modelId="{7AE5FCF4-885F-44D7-AA24-54F97B72A0C7}" srcId="{F41B1C3B-7306-4D4E-B416-1F06554BC6D9}" destId="{83964696-938C-4717-B470-AE0F2885620B}" srcOrd="1" destOrd="0" parTransId="{857C5844-D11F-49E2-B354-0DC4821F0895}" sibTransId="{D53F3609-DEB3-44BF-97C2-23E03DCEFBB2}"/>
+    <dgm:cxn modelId="{A70E9C72-95D6-48BA-ABEC-A3F4B17A6379}" type="presParOf" srcId="{373C53F8-33A8-4C49-A39B-55B3BBC348A2}" destId="{1E11D5EE-B6FC-480B-B904-8C2A2075EEBF}" srcOrd="0" destOrd="0" presId="urn:microsoft.com/office/officeart/2018/2/layout/IconLabelDescriptionList"/>
+    <dgm:cxn modelId="{D846BD00-548F-4834-810E-EB03906DF2BE}" type="presParOf" srcId="{1E11D5EE-B6FC-480B-B904-8C2A2075EEBF}" destId="{DBF5E050-DD94-4FF6-938E-DFBEF5BA7D5A}" srcOrd="0" destOrd="0" presId="urn:microsoft.com/office/officeart/2018/2/layout/IconLabelDescriptionList"/>
+    <dgm:cxn modelId="{59F7697E-25D6-44C3-AB86-86AF8E7FCA81}" type="presParOf" srcId="{1E11D5EE-B6FC-480B-B904-8C2A2075EEBF}" destId="{AB0E46FD-0F9E-4226-81C4-3E9CCCEAB64A}" srcOrd="1" destOrd="0" presId="urn:microsoft.com/office/officeart/2018/2/layout/IconLabelDescriptionList"/>
+    <dgm:cxn modelId="{A892D45D-009B-4928-B366-3F76E8E15ADE}" type="presParOf" srcId="{1E11D5EE-B6FC-480B-B904-8C2A2075EEBF}" destId="{806AA158-51A8-45FF-A444-A51BACEAFDB0}" srcOrd="2" destOrd="0" presId="urn:microsoft.com/office/officeart/2018/2/layout/IconLabelDescriptionList"/>
+    <dgm:cxn modelId="{360CDBD2-8435-45DB-B636-7C5CD8F98E85}" type="presParOf" srcId="{1E11D5EE-B6FC-480B-B904-8C2A2075EEBF}" destId="{A9E56321-01E5-45AE-88AA-79663BD4C1AC}" srcOrd="3" destOrd="0" presId="urn:microsoft.com/office/officeart/2018/2/layout/IconLabelDescriptionList"/>
+    <dgm:cxn modelId="{E63CE5A3-0BF7-497C-8361-FFA6ABFE50DE}" type="presParOf" srcId="{1E11D5EE-B6FC-480B-B904-8C2A2075EEBF}" destId="{4CA5C5CC-0883-4325-8F1A-320180A51A4B}" srcOrd="4" destOrd="0" presId="urn:microsoft.com/office/officeart/2018/2/layout/IconLabelDescriptionList"/>
+    <dgm:cxn modelId="{1D485AD6-1385-4007-B64C-B3A63E75B0E9}" type="presParOf" srcId="{373C53F8-33A8-4C49-A39B-55B3BBC348A2}" destId="{F5B1073B-451D-427C-80FC-64ED89223F50}" srcOrd="1" destOrd="0" presId="urn:microsoft.com/office/officeart/2018/2/layout/IconLabelDescriptionList"/>
+    <dgm:cxn modelId="{E0633DB3-D164-4BE4-94E6-6F81B326D248}" type="presParOf" srcId="{373C53F8-33A8-4C49-A39B-55B3BBC348A2}" destId="{A02DB8A9-C62E-466A-B129-A372B002E585}" srcOrd="2" destOrd="0" presId="urn:microsoft.com/office/officeart/2018/2/layout/IconLabelDescriptionList"/>
+    <dgm:cxn modelId="{A7C354DD-ED9C-4A02-8C35-B16A5CB19795}" type="presParOf" srcId="{A02DB8A9-C62E-466A-B129-A372B002E585}" destId="{7942F093-26BE-4A50-BEB2-006232818263}" srcOrd="0" destOrd="0" presId="urn:microsoft.com/office/officeart/2018/2/layout/IconLabelDescriptionList"/>
+    <dgm:cxn modelId="{1B5EB866-E1AD-4D30-A0AA-69E41B2F16EB}" type="presParOf" srcId="{A02DB8A9-C62E-466A-B129-A372B002E585}" destId="{BCB689E6-3BF1-46D0-BC11-CFD353FE0033}" srcOrd="1" destOrd="0" presId="urn:microsoft.com/office/officeart/2018/2/layout/IconLabelDescriptionList"/>
+    <dgm:cxn modelId="{3CE60A84-BD2B-49A8-9E1C-6DD40EE721BE}" type="presParOf" srcId="{A02DB8A9-C62E-466A-B129-A372B002E585}" destId="{2434F190-03C6-4AB4-AB0D-7E38DBEC2F55}" srcOrd="2" destOrd="0" presId="urn:microsoft.com/office/officeart/2018/2/layout/IconLabelDescriptionList"/>
+    <dgm:cxn modelId="{0959373D-144C-4CC9-8417-20BFF83E6904}" type="presParOf" srcId="{A02DB8A9-C62E-466A-B129-A372B002E585}" destId="{4C9F2EC8-232A-4CF4-9252-143557310241}" srcOrd="3" destOrd="0" presId="urn:microsoft.com/office/officeart/2018/2/layout/IconLabelDescriptionList"/>
+    <dgm:cxn modelId="{372DD6BA-8196-46C0-8B12-76FA26AF3924}" type="presParOf" srcId="{A02DB8A9-C62E-466A-B129-A372B002E585}" destId="{1E4DA541-A544-4462-9FFC-3A6B3E7265A9}" srcOrd="4" destOrd="0" presId="urn:microsoft.com/office/officeart/2018/2/layout/IconLabelDescriptionList"/>
+  </dgm:cxnLst>
+  <dgm:bg/>
+  <dgm:whole/>
+  <dgm:extLst>
+    <a:ext uri="http://schemas.microsoft.com/office/drawing/2008/diagram">
+      <dsp:dataModelExt xmlns:dsp="http://schemas.microsoft.com/office/drawing/2008/diagram" relId="rId6" minVer="http://schemas.openxmlformats.org/drawingml/2006/diagram"/>
+    </a:ext>
+  </dgm:extLst>
+</dgm:dataModel>
+</file>
+
+<file path=ppt/diagrams/data2.xml><?xml version="1.0" encoding="utf-8"?>
+<dgm:dataModel xmlns:dgm="http://schemas.openxmlformats.org/drawingml/2006/diagram" xmlns:a="http://schemas.openxmlformats.org/drawingml/2006/main">
+  <dgm:ptLst>
+    <dgm:pt modelId="{58E0F128-415D-49F2-81DA-C47372FA7715}" type="doc">
+      <dgm:prSet loTypeId="urn:microsoft.com/office/officeart/2018/2/layout/IconVerticalSolidList" loCatId="icon" qsTypeId="urn:microsoft.com/office/officeart/2005/8/quickstyle/simple1" qsCatId="simple" csTypeId="urn:microsoft.com/office/officeart/2005/8/colors/accent1_2" csCatId="accent1" phldr="1"/>
+      <dgm:spPr/>
+      <dgm:t>
+        <a:bodyPr/>
+        <a:lstStyle/>
+        <a:p>
+          <a:endParaRPr lang="en-US"/>
+        </a:p>
+      </dgm:t>
+    </dgm:pt>
+    <dgm:pt modelId="{EF3FCDF9-DEC2-4816-8D9F-DF1E82E77427}">
+      <dgm:prSet/>
+      <dgm:spPr/>
+      <dgm:t>
+        <a:bodyPr/>
+        <a:lstStyle/>
+        <a:p>
+          <a:pPr>
+            <a:lnSpc>
+              <a:spcPct val="100000"/>
+            </a:lnSpc>
+          </a:pPr>
+          <a:r>
+            <a:rPr lang="en-US"/>
+            <a:t>Accessibility Check in markdown file</a:t>
+          </a:r>
+        </a:p>
+      </dgm:t>
+    </dgm:pt>
+    <dgm:pt modelId="{BFFA18CD-6599-488A-B3E1-3F895776C5F5}" type="parTrans" cxnId="{C6099B28-ACF3-4F4C-8616-23A836A78D76}">
+      <dgm:prSet/>
+      <dgm:spPr/>
+      <dgm:t>
+        <a:bodyPr/>
+        <a:lstStyle/>
+        <a:p>
+          <a:endParaRPr lang="en-US"/>
+        </a:p>
+      </dgm:t>
+    </dgm:pt>
+    <dgm:pt modelId="{1C245B42-D2A1-44FE-8634-53280859A884}" type="sibTrans" cxnId="{C6099B28-ACF3-4F4C-8616-23A836A78D76}">
+      <dgm:prSet/>
+      <dgm:spPr/>
+      <dgm:t>
+        <a:bodyPr/>
+        <a:lstStyle/>
+        <a:p>
+          <a:endParaRPr lang="en-US"/>
+        </a:p>
+      </dgm:t>
+    </dgm:pt>
+    <dgm:pt modelId="{71CB101C-B855-46F9-960D-B2A07BCD7401}">
+      <dgm:prSet/>
+      <dgm:spPr/>
+      <dgm:t>
+        <a:bodyPr/>
+        <a:lstStyle/>
+        <a:p>
+          <a:pPr>
+            <a:lnSpc>
+              <a:spcPct val="100000"/>
+            </a:lnSpc>
+          </a:pPr>
+          <a:r>
+            <a:rPr lang="en-US"/>
+            <a:t>Give the feedback and let the author to choose the adaptation.</a:t>
+          </a:r>
+        </a:p>
+      </dgm:t>
+    </dgm:pt>
+    <dgm:pt modelId="{1C6EFC11-58E2-4781-AC8E-DF3E327DCCB3}" type="parTrans" cxnId="{2FFBB5E6-C17D-4D57-8820-1DD8666A144C}">
+      <dgm:prSet/>
+      <dgm:spPr/>
+      <dgm:t>
+        <a:bodyPr/>
+        <a:lstStyle/>
+        <a:p>
+          <a:endParaRPr lang="en-US"/>
+        </a:p>
+      </dgm:t>
+    </dgm:pt>
+    <dgm:pt modelId="{94072EDA-60C9-452B-BFFA-C29C031E5E5D}" type="sibTrans" cxnId="{2FFBB5E6-C17D-4D57-8820-1DD8666A144C}">
+      <dgm:prSet/>
+      <dgm:spPr/>
+      <dgm:t>
+        <a:bodyPr/>
+        <a:lstStyle/>
+        <a:p>
+          <a:endParaRPr lang="en-US"/>
+        </a:p>
+      </dgm:t>
+    </dgm:pt>
+    <dgm:pt modelId="{2F2B9D00-B29C-474C-B095-4629D77DDE21}">
+      <dgm:prSet/>
+      <dgm:spPr/>
+      <dgm:t>
+        <a:bodyPr/>
+        <a:lstStyle/>
+        <a:p>
+          <a:pPr>
+            <a:lnSpc>
+              <a:spcPct val="100000"/>
+            </a:lnSpc>
+          </a:pPr>
+          <a:r>
+            <a:rPr lang="en-US"/>
+            <a:t>Add a new syntax that allows the authors to decorate to HTML attribute.</a:t>
+          </a:r>
+        </a:p>
+      </dgm:t>
+    </dgm:pt>
+    <dgm:pt modelId="{690C8E47-5757-489E-904C-0F85C59DF61B}" type="parTrans" cxnId="{B2EF2888-A569-4870-899C-6C0D0B3B7FC7}">
+      <dgm:prSet/>
+      <dgm:spPr/>
+      <dgm:t>
+        <a:bodyPr/>
+        <a:lstStyle/>
+        <a:p>
+          <a:endParaRPr lang="en-US"/>
+        </a:p>
+      </dgm:t>
+    </dgm:pt>
+    <dgm:pt modelId="{9CF86D5B-C573-44AB-BAC0-071F86C3CBA2}" type="sibTrans" cxnId="{B2EF2888-A569-4870-899C-6C0D0B3B7FC7}">
+      <dgm:prSet/>
+      <dgm:spPr/>
+      <dgm:t>
+        <a:bodyPr/>
+        <a:lstStyle/>
+        <a:p>
+          <a:endParaRPr lang="en-US"/>
+        </a:p>
+      </dgm:t>
+    </dgm:pt>
+    <dgm:pt modelId="{0AD61078-C02A-4B1C-A347-34D02B879A9E}">
+      <dgm:prSet/>
+      <dgm:spPr/>
+      <dgm:t>
+        <a:bodyPr/>
+        <a:lstStyle/>
+        <a:p>
+          <a:pPr>
+            <a:lnSpc>
+              <a:spcPct val="100000"/>
+            </a:lnSpc>
+          </a:pPr>
+          <a:r>
+            <a:rPr lang="en-US"/>
+            <a:t>Help the author to improve the accessibility.</a:t>
+          </a:r>
+        </a:p>
+      </dgm:t>
+    </dgm:pt>
+    <dgm:pt modelId="{1DC80360-B4A7-48FB-98FF-1CC0B335F72F}" type="parTrans" cxnId="{BBFF546E-1EC1-433A-A33C-EE13968C1AFA}">
+      <dgm:prSet/>
+      <dgm:spPr/>
+      <dgm:t>
+        <a:bodyPr/>
+        <a:lstStyle/>
+        <a:p>
+          <a:endParaRPr lang="en-US"/>
+        </a:p>
+      </dgm:t>
+    </dgm:pt>
+    <dgm:pt modelId="{BD90C57A-9216-4EBC-AF41-508A0C9B02AD}" type="sibTrans" cxnId="{BBFF546E-1EC1-433A-A33C-EE13968C1AFA}">
+      <dgm:prSet/>
+      <dgm:spPr/>
+      <dgm:t>
+        <a:bodyPr/>
+        <a:lstStyle/>
+        <a:p>
+          <a:endParaRPr lang="en-US"/>
+        </a:p>
+      </dgm:t>
+    </dgm:pt>
+    <dgm:pt modelId="{65C00CB7-DABA-4A78-AB5F-33AACDC1677C}">
+      <dgm:prSet/>
+      <dgm:spPr/>
+      <dgm:t>
+        <a:bodyPr/>
+        <a:lstStyle/>
+        <a:p>
+          <a:pPr>
+            <a:lnSpc>
+              <a:spcPct val="100000"/>
+            </a:lnSpc>
+          </a:pPr>
+          <a:r>
+            <a:rPr lang="en-US"/>
+            <a:t>Extending the accessibility check on non-text content</a:t>
+          </a:r>
+        </a:p>
+      </dgm:t>
+    </dgm:pt>
+    <dgm:pt modelId="{4F0CB986-686A-4CCA-9336-687DE6374B53}" type="parTrans" cxnId="{18AEE112-4734-4904-AE12-539611696B78}">
+      <dgm:prSet/>
+      <dgm:spPr/>
+      <dgm:t>
+        <a:bodyPr/>
+        <a:lstStyle/>
+        <a:p>
+          <a:endParaRPr lang="en-US"/>
+        </a:p>
+      </dgm:t>
+    </dgm:pt>
+    <dgm:pt modelId="{3DF1F46A-597C-416B-BD25-AD6BFA4E7593}" type="sibTrans" cxnId="{18AEE112-4734-4904-AE12-539611696B78}">
+      <dgm:prSet/>
+      <dgm:spPr/>
+      <dgm:t>
+        <a:bodyPr/>
+        <a:lstStyle/>
+        <a:p>
+          <a:endParaRPr lang="en-US"/>
+        </a:p>
+      </dgm:t>
+    </dgm:pt>
+    <dgm:pt modelId="{F0C2FA0E-DB15-4AB9-9B9E-1D4969398CB1}" type="pres">
+      <dgm:prSet presAssocID="{58E0F128-415D-49F2-81DA-C47372FA7715}" presName="root" presStyleCnt="0">
+        <dgm:presLayoutVars>
+          <dgm:dir/>
+          <dgm:resizeHandles val="exact"/>
+        </dgm:presLayoutVars>
+      </dgm:prSet>
+      <dgm:spPr/>
+    </dgm:pt>
+    <dgm:pt modelId="{CBCE57E9-2FE9-4985-BF4E-F04D83A5D75C}" type="pres">
+      <dgm:prSet presAssocID="{EF3FCDF9-DEC2-4816-8D9F-DF1E82E77427}" presName="compNode" presStyleCnt="0"/>
+      <dgm:spPr/>
+    </dgm:pt>
+    <dgm:pt modelId="{221C7014-5A74-42E1-ADFD-01E848FCB1C1}" type="pres">
+      <dgm:prSet presAssocID="{EF3FCDF9-DEC2-4816-8D9F-DF1E82E77427}" presName="bgRect" presStyleLbl="bgShp" presStyleIdx="0" presStyleCnt="3"/>
+      <dgm:spPr/>
+    </dgm:pt>
+    <dgm:pt modelId="{C8360EF6-ADF5-493D-943E-0518A7D554D8}" type="pres">
+      <dgm:prSet presAssocID="{EF3FCDF9-DEC2-4816-8D9F-DF1E82E77427}" presName="iconRect" presStyleLbl="node1" presStyleIdx="0" presStyleCnt="3"/>
+      <dgm:spPr>
+        <a:blipFill>
+          <a:blip xmlns:r="http://schemas.openxmlformats.org/officeDocument/2006/relationships" r:embed="rId1">
+            <a:extLst>
+              <a:ext uri="{28A0092B-C50C-407E-A947-70E740481C1C}">
+                <a14:useLocalDpi xmlns:a14="http://schemas.microsoft.com/office/drawing/2010/main" val="0"/>
+              </a:ext>
+              <a:ext uri="{96DAC541-7B7A-43D3-8B79-37D633B846F1}">
+                <asvg:svgBlip xmlns:asvg="http://schemas.microsoft.com/office/drawing/2016/SVG/main" r:embed="rId2"/>
+              </a:ext>
+            </a:extLst>
+          </a:blip>
+          <a:stretch>
+            <a:fillRect/>
+          </a:stretch>
+        </a:blipFill>
+      </dgm:spPr>
+      <dgm:extLst>
+        <a:ext uri="{E40237B7-FDA0-4F09-8148-C483321AD2D9}">
+          <dgm14:cNvPr xmlns:dgm14="http://schemas.microsoft.com/office/drawing/2010/diagram" id="0" name="" descr="Cursor"/>
+        </a:ext>
+      </dgm:extLst>
+    </dgm:pt>
+    <dgm:pt modelId="{6D60F140-67E6-4927-AE62-B177662F5752}" type="pres">
+      <dgm:prSet presAssocID="{EF3FCDF9-DEC2-4816-8D9F-DF1E82E77427}" presName="spaceRect" presStyleCnt="0"/>
+      <dgm:spPr/>
+    </dgm:pt>
+    <dgm:pt modelId="{88B04C14-D272-48D7-ADBE-030D23A972D0}" type="pres">
+      <dgm:prSet presAssocID="{EF3FCDF9-DEC2-4816-8D9F-DF1E82E77427}" presName="parTx" presStyleLbl="revTx" presStyleIdx="0" presStyleCnt="5">
+        <dgm:presLayoutVars>
+          <dgm:chMax val="0"/>
+          <dgm:chPref val="0"/>
+        </dgm:presLayoutVars>
+      </dgm:prSet>
+      <dgm:spPr/>
+    </dgm:pt>
+    <dgm:pt modelId="{6F3DE139-0123-4E3A-A50C-5753DB4F832F}" type="pres">
+      <dgm:prSet presAssocID="{EF3FCDF9-DEC2-4816-8D9F-DF1E82E77427}" presName="desTx" presStyleLbl="revTx" presStyleIdx="1" presStyleCnt="5">
+        <dgm:presLayoutVars/>
+      </dgm:prSet>
+      <dgm:spPr/>
+    </dgm:pt>
+    <dgm:pt modelId="{2F6CEF1D-20C5-4894-962A-1E9B1D1E8B5C}" type="pres">
+      <dgm:prSet presAssocID="{1C245B42-D2A1-44FE-8634-53280859A884}" presName="sibTrans" presStyleCnt="0"/>
+      <dgm:spPr/>
+    </dgm:pt>
+    <dgm:pt modelId="{C721375E-900A-4D72-B180-BD61F1188569}" type="pres">
+      <dgm:prSet presAssocID="{2F2B9D00-B29C-474C-B095-4629D77DDE21}" presName="compNode" presStyleCnt="0"/>
+      <dgm:spPr/>
+    </dgm:pt>
+    <dgm:pt modelId="{E608EE11-2652-424B-985C-0BE5B146BAB9}" type="pres">
+      <dgm:prSet presAssocID="{2F2B9D00-B29C-474C-B095-4629D77DDE21}" presName="bgRect" presStyleLbl="bgShp" presStyleIdx="1" presStyleCnt="3"/>
+      <dgm:spPr/>
+    </dgm:pt>
+    <dgm:pt modelId="{65ED7CA6-7917-42A7-AE51-2DCCE6C627AB}" type="pres">
+      <dgm:prSet presAssocID="{2F2B9D00-B29C-474C-B095-4629D77DDE21}" presName="iconRect" presStyleLbl="node1" presStyleIdx="1" presStyleCnt="3"/>
+      <dgm:spPr>
+        <a:blipFill>
+          <a:blip xmlns:r="http://schemas.openxmlformats.org/officeDocument/2006/relationships" r:embed="rId3">
+            <a:extLst>
+              <a:ext uri="{28A0092B-C50C-407E-A947-70E740481C1C}">
+                <a14:useLocalDpi xmlns:a14="http://schemas.microsoft.com/office/drawing/2010/main" val="0"/>
+              </a:ext>
+              <a:ext uri="{96DAC541-7B7A-43D3-8B79-37D633B846F1}">
+                <asvg:svgBlip xmlns:asvg="http://schemas.microsoft.com/office/drawing/2016/SVG/main" r:embed="rId4"/>
+              </a:ext>
+            </a:extLst>
+          </a:blip>
+          <a:stretch>
+            <a:fillRect/>
+          </a:stretch>
+        </a:blipFill>
+      </dgm:spPr>
+      <dgm:extLst>
+        <a:ext uri="{E40237B7-FDA0-4F09-8148-C483321AD2D9}">
+          <dgm14:cNvPr xmlns:dgm14="http://schemas.microsoft.com/office/drawing/2010/diagram" id="0" name="" descr="Web Design"/>
+        </a:ext>
+      </dgm:extLst>
+    </dgm:pt>
+    <dgm:pt modelId="{D15DBA0F-2E82-4E46-85ED-B94678407BD6}" type="pres">
+      <dgm:prSet presAssocID="{2F2B9D00-B29C-474C-B095-4629D77DDE21}" presName="spaceRect" presStyleCnt="0"/>
+      <dgm:spPr/>
+    </dgm:pt>
+    <dgm:pt modelId="{A50D4E0B-FD01-4EA1-9BB0-4796CD1EB3D7}" type="pres">
+      <dgm:prSet presAssocID="{2F2B9D00-B29C-474C-B095-4629D77DDE21}" presName="parTx" presStyleLbl="revTx" presStyleIdx="2" presStyleCnt="5">
+        <dgm:presLayoutVars>
+          <dgm:chMax val="0"/>
+          <dgm:chPref val="0"/>
+        </dgm:presLayoutVars>
+      </dgm:prSet>
+      <dgm:spPr/>
+    </dgm:pt>
+    <dgm:pt modelId="{F1338BB6-C3C6-4F18-91B6-D0FB98250C0A}" type="pres">
+      <dgm:prSet presAssocID="{2F2B9D00-B29C-474C-B095-4629D77DDE21}" presName="desTx" presStyleLbl="revTx" presStyleIdx="3" presStyleCnt="5">
+        <dgm:presLayoutVars/>
+      </dgm:prSet>
+      <dgm:spPr/>
+    </dgm:pt>
+    <dgm:pt modelId="{5CE8612A-CA9E-4E1A-ACF6-13A349179381}" type="pres">
+      <dgm:prSet presAssocID="{9CF86D5B-C573-44AB-BAC0-071F86C3CBA2}" presName="sibTrans" presStyleCnt="0"/>
+      <dgm:spPr/>
+    </dgm:pt>
+    <dgm:pt modelId="{C962516D-92CF-48ED-ABF9-A165E7697FBD}" type="pres">
+      <dgm:prSet presAssocID="{65C00CB7-DABA-4A78-AB5F-33AACDC1677C}" presName="compNode" presStyleCnt="0"/>
+      <dgm:spPr/>
+    </dgm:pt>
+    <dgm:pt modelId="{F185DE10-F9D1-45D7-9750-4E99DDE292EF}" type="pres">
+      <dgm:prSet presAssocID="{65C00CB7-DABA-4A78-AB5F-33AACDC1677C}" presName="bgRect" presStyleLbl="bgShp" presStyleIdx="2" presStyleCnt="3"/>
+      <dgm:spPr/>
+    </dgm:pt>
+    <dgm:pt modelId="{8090F4DE-1F45-441D-A342-EF6E9A05476F}" type="pres">
+      <dgm:prSet presAssocID="{65C00CB7-DABA-4A78-AB5F-33AACDC1677C}" presName="iconRect" presStyleLbl="node1" presStyleIdx="2" presStyleCnt="3"/>
+      <dgm:spPr>
+        <a:blipFill>
+          <a:blip xmlns:r="http://schemas.openxmlformats.org/officeDocument/2006/relationships" r:embed="rId5">
+            <a:extLst>
+              <a:ext uri="{28A0092B-C50C-407E-A947-70E740481C1C}">
+                <a14:useLocalDpi xmlns:a14="http://schemas.microsoft.com/office/drawing/2010/main" val="0"/>
+              </a:ext>
+              <a:ext uri="{96DAC541-7B7A-43D3-8B79-37D633B846F1}">
+                <asvg:svgBlip xmlns:asvg="http://schemas.microsoft.com/office/drawing/2016/SVG/main" r:embed="rId6"/>
+              </a:ext>
+            </a:extLst>
+          </a:blip>
+          <a:stretch>
+            <a:fillRect/>
+          </a:stretch>
+        </a:blipFill>
+      </dgm:spPr>
+      <dgm:extLst>
+        <a:ext uri="{E40237B7-FDA0-4F09-8148-C483321AD2D9}">
+          <dgm14:cNvPr xmlns:dgm14="http://schemas.microsoft.com/office/drawing/2010/diagram" id="0" name="" descr="Braille"/>
+        </a:ext>
+      </dgm:extLst>
+    </dgm:pt>
+    <dgm:pt modelId="{ABED698A-6736-446E-A32F-DDD6EB6EB756}" type="pres">
+      <dgm:prSet presAssocID="{65C00CB7-DABA-4A78-AB5F-33AACDC1677C}" presName="spaceRect" presStyleCnt="0"/>
+      <dgm:spPr/>
+    </dgm:pt>
+    <dgm:pt modelId="{7A5A5CF9-1C4C-4241-B14B-A30927DFDDC4}" type="pres">
+      <dgm:prSet presAssocID="{65C00CB7-DABA-4A78-AB5F-33AACDC1677C}" presName="parTx" presStyleLbl="revTx" presStyleIdx="4" presStyleCnt="5">
+        <dgm:presLayoutVars>
+          <dgm:chMax val="0"/>
+          <dgm:chPref val="0"/>
+        </dgm:presLayoutVars>
+      </dgm:prSet>
+      <dgm:spPr/>
+    </dgm:pt>
+  </dgm:ptLst>
+  <dgm:cxnLst>
+    <dgm:cxn modelId="{18AEE112-4734-4904-AE12-539611696B78}" srcId="{58E0F128-415D-49F2-81DA-C47372FA7715}" destId="{65C00CB7-DABA-4A78-AB5F-33AACDC1677C}" srcOrd="2" destOrd="0" parTransId="{4F0CB986-686A-4CCA-9336-687DE6374B53}" sibTransId="{3DF1F46A-597C-416B-BD25-AD6BFA4E7593}"/>
+    <dgm:cxn modelId="{F63F321B-68EF-45E0-A780-B9E9A9AC1133}" type="presOf" srcId="{71CB101C-B855-46F9-960D-B2A07BCD7401}" destId="{6F3DE139-0123-4E3A-A50C-5753DB4F832F}" srcOrd="0" destOrd="0" presId="urn:microsoft.com/office/officeart/2018/2/layout/IconVerticalSolidList"/>
+    <dgm:cxn modelId="{C6099B28-ACF3-4F4C-8616-23A836A78D76}" srcId="{58E0F128-415D-49F2-81DA-C47372FA7715}" destId="{EF3FCDF9-DEC2-4816-8D9F-DF1E82E77427}" srcOrd="0" destOrd="0" parTransId="{BFFA18CD-6599-488A-B3E1-3F895776C5F5}" sibTransId="{1C245B42-D2A1-44FE-8634-53280859A884}"/>
+    <dgm:cxn modelId="{00C0595F-2302-42C1-ACB0-C6BD60A4A0FA}" type="presOf" srcId="{65C00CB7-DABA-4A78-AB5F-33AACDC1677C}" destId="{7A5A5CF9-1C4C-4241-B14B-A30927DFDDC4}" srcOrd="0" destOrd="0" presId="urn:microsoft.com/office/officeart/2018/2/layout/IconVerticalSolidList"/>
+    <dgm:cxn modelId="{BBFF546E-1EC1-433A-A33C-EE13968C1AFA}" srcId="{2F2B9D00-B29C-474C-B095-4629D77DDE21}" destId="{0AD61078-C02A-4B1C-A347-34D02B879A9E}" srcOrd="0" destOrd="0" parTransId="{1DC80360-B4A7-48FB-98FF-1CC0B335F72F}" sibTransId="{BD90C57A-9216-4EBC-AF41-508A0C9B02AD}"/>
+    <dgm:cxn modelId="{6DFD7171-7497-41C5-9175-D8C591C4551C}" type="presOf" srcId="{0AD61078-C02A-4B1C-A347-34D02B879A9E}" destId="{F1338BB6-C3C6-4F18-91B6-D0FB98250C0A}" srcOrd="0" destOrd="0" presId="urn:microsoft.com/office/officeart/2018/2/layout/IconVerticalSolidList"/>
+    <dgm:cxn modelId="{7CECA552-0365-4000-93DA-00CBE78BADC1}" type="presOf" srcId="{2F2B9D00-B29C-474C-B095-4629D77DDE21}" destId="{A50D4E0B-FD01-4EA1-9BB0-4796CD1EB3D7}" srcOrd="0" destOrd="0" presId="urn:microsoft.com/office/officeart/2018/2/layout/IconVerticalSolidList"/>
+    <dgm:cxn modelId="{4E256F58-EAFB-41FB-98E4-88074A6F72E2}" type="presOf" srcId="{58E0F128-415D-49F2-81DA-C47372FA7715}" destId="{F0C2FA0E-DB15-4AB9-9B9E-1D4969398CB1}" srcOrd="0" destOrd="0" presId="urn:microsoft.com/office/officeart/2018/2/layout/IconVerticalSolidList"/>
+    <dgm:cxn modelId="{B2EF2888-A569-4870-899C-6C0D0B3B7FC7}" srcId="{58E0F128-415D-49F2-81DA-C47372FA7715}" destId="{2F2B9D00-B29C-474C-B095-4629D77DDE21}" srcOrd="1" destOrd="0" parTransId="{690C8E47-5757-489E-904C-0F85C59DF61B}" sibTransId="{9CF86D5B-C573-44AB-BAC0-071F86C3CBA2}"/>
+    <dgm:cxn modelId="{2FFBB5E6-C17D-4D57-8820-1DD8666A144C}" srcId="{EF3FCDF9-DEC2-4816-8D9F-DF1E82E77427}" destId="{71CB101C-B855-46F9-960D-B2A07BCD7401}" srcOrd="0" destOrd="0" parTransId="{1C6EFC11-58E2-4781-AC8E-DF3E327DCCB3}" sibTransId="{94072EDA-60C9-452B-BFFA-C29C031E5E5D}"/>
+    <dgm:cxn modelId="{3E787DEE-0EA1-4909-860D-0A414BD32714}" type="presOf" srcId="{EF3FCDF9-DEC2-4816-8D9F-DF1E82E77427}" destId="{88B04C14-D272-48D7-ADBE-030D23A972D0}" srcOrd="0" destOrd="0" presId="urn:microsoft.com/office/officeart/2018/2/layout/IconVerticalSolidList"/>
+    <dgm:cxn modelId="{8D2FE715-F757-4BCB-95C9-9A9335403F5E}" type="presParOf" srcId="{F0C2FA0E-DB15-4AB9-9B9E-1D4969398CB1}" destId="{CBCE57E9-2FE9-4985-BF4E-F04D83A5D75C}" srcOrd="0" destOrd="0" presId="urn:microsoft.com/office/officeart/2018/2/layout/IconVerticalSolidList"/>
+    <dgm:cxn modelId="{B3B2F59F-43FE-4315-9573-536D4A24C06C}" type="presParOf" srcId="{CBCE57E9-2FE9-4985-BF4E-F04D83A5D75C}" destId="{221C7014-5A74-42E1-ADFD-01E848FCB1C1}" srcOrd="0" destOrd="0" presId="urn:microsoft.com/office/officeart/2018/2/layout/IconVerticalSolidList"/>
+    <dgm:cxn modelId="{AF07C979-EF0C-4FB2-A573-591B15271647}" type="presParOf" srcId="{CBCE57E9-2FE9-4985-BF4E-F04D83A5D75C}" destId="{C8360EF6-ADF5-493D-943E-0518A7D554D8}" srcOrd="1" destOrd="0" presId="urn:microsoft.com/office/officeart/2018/2/layout/IconVerticalSolidList"/>
+    <dgm:cxn modelId="{CB29C1C3-5888-4F95-B883-8C2FEA203848}" type="presParOf" srcId="{CBCE57E9-2FE9-4985-BF4E-F04D83A5D75C}" destId="{6D60F140-67E6-4927-AE62-B177662F5752}" srcOrd="2" destOrd="0" presId="urn:microsoft.com/office/officeart/2018/2/layout/IconVerticalSolidList"/>
+    <dgm:cxn modelId="{C18C01A7-71FC-4BE7-97CD-072BD838C4CA}" type="presParOf" srcId="{CBCE57E9-2FE9-4985-BF4E-F04D83A5D75C}" destId="{88B04C14-D272-48D7-ADBE-030D23A972D0}" srcOrd="3" destOrd="0" presId="urn:microsoft.com/office/officeart/2018/2/layout/IconVerticalSolidList"/>
+    <dgm:cxn modelId="{58BCE6C6-610B-48C8-BD4C-972D18022201}" type="presParOf" srcId="{CBCE57E9-2FE9-4985-BF4E-F04D83A5D75C}" destId="{6F3DE139-0123-4E3A-A50C-5753DB4F832F}" srcOrd="4" destOrd="0" presId="urn:microsoft.com/office/officeart/2018/2/layout/IconVerticalSolidList"/>
+    <dgm:cxn modelId="{55875EC2-9D15-43C1-8E7C-F81611FA18CF}" type="presParOf" srcId="{F0C2FA0E-DB15-4AB9-9B9E-1D4969398CB1}" destId="{2F6CEF1D-20C5-4894-962A-1E9B1D1E8B5C}" srcOrd="1" destOrd="0" presId="urn:microsoft.com/office/officeart/2018/2/layout/IconVerticalSolidList"/>
+    <dgm:cxn modelId="{0EB59F0A-2AD4-4BF8-AEFA-FD2210FD6D8C}" type="presParOf" srcId="{F0C2FA0E-DB15-4AB9-9B9E-1D4969398CB1}" destId="{C721375E-900A-4D72-B180-BD61F1188569}" srcOrd="2" destOrd="0" presId="urn:microsoft.com/office/officeart/2018/2/layout/IconVerticalSolidList"/>
+    <dgm:cxn modelId="{677BF7DD-621E-4BA8-B481-DD992B840F53}" type="presParOf" srcId="{C721375E-900A-4D72-B180-BD61F1188569}" destId="{E608EE11-2652-424B-985C-0BE5B146BAB9}" srcOrd="0" destOrd="0" presId="urn:microsoft.com/office/officeart/2018/2/layout/IconVerticalSolidList"/>
+    <dgm:cxn modelId="{F5B976BA-21EA-4608-B83C-FE82E74519EA}" type="presParOf" srcId="{C721375E-900A-4D72-B180-BD61F1188569}" destId="{65ED7CA6-7917-42A7-AE51-2DCCE6C627AB}" srcOrd="1" destOrd="0" presId="urn:microsoft.com/office/officeart/2018/2/layout/IconVerticalSolidList"/>
+    <dgm:cxn modelId="{3D8B8523-1B7C-4302-94AA-126DECB75266}" type="presParOf" srcId="{C721375E-900A-4D72-B180-BD61F1188569}" destId="{D15DBA0F-2E82-4E46-85ED-B94678407BD6}" srcOrd="2" destOrd="0" presId="urn:microsoft.com/office/officeart/2018/2/layout/IconVerticalSolidList"/>
+    <dgm:cxn modelId="{537F04D9-ECEC-4D68-BBE8-E580FE971E9B}" type="presParOf" srcId="{C721375E-900A-4D72-B180-BD61F1188569}" destId="{A50D4E0B-FD01-4EA1-9BB0-4796CD1EB3D7}" srcOrd="3" destOrd="0" presId="urn:microsoft.com/office/officeart/2018/2/layout/IconVerticalSolidList"/>
+    <dgm:cxn modelId="{8D13E602-BC7E-45B7-94E0-96ADADB6412A}" type="presParOf" srcId="{C721375E-900A-4D72-B180-BD61F1188569}" destId="{F1338BB6-C3C6-4F18-91B6-D0FB98250C0A}" srcOrd="4" destOrd="0" presId="urn:microsoft.com/office/officeart/2018/2/layout/IconVerticalSolidList"/>
+    <dgm:cxn modelId="{57EB692D-B249-4A0D-B53B-CB9F079A90A0}" type="presParOf" srcId="{F0C2FA0E-DB15-4AB9-9B9E-1D4969398CB1}" destId="{5CE8612A-CA9E-4E1A-ACF6-13A349179381}" srcOrd="3" destOrd="0" presId="urn:microsoft.com/office/officeart/2018/2/layout/IconVerticalSolidList"/>
+    <dgm:cxn modelId="{F7B6490D-912F-4696-A5A6-C27BAF9E7423}" type="presParOf" srcId="{F0C2FA0E-DB15-4AB9-9B9E-1D4969398CB1}" destId="{C962516D-92CF-48ED-ABF9-A165E7697FBD}" srcOrd="4" destOrd="0" presId="urn:microsoft.com/office/officeart/2018/2/layout/IconVerticalSolidList"/>
+    <dgm:cxn modelId="{84D6F7FC-E67C-4367-893F-E20A449F7D25}" type="presParOf" srcId="{C962516D-92CF-48ED-ABF9-A165E7697FBD}" destId="{F185DE10-F9D1-45D7-9750-4E99DDE292EF}" srcOrd="0" destOrd="0" presId="urn:microsoft.com/office/officeart/2018/2/layout/IconVerticalSolidList"/>
+    <dgm:cxn modelId="{38D49A71-3B8B-4550-8F70-56F51A241ABF}" type="presParOf" srcId="{C962516D-92CF-48ED-ABF9-A165E7697FBD}" destId="{8090F4DE-1F45-441D-A342-EF6E9A05476F}" srcOrd="1" destOrd="0" presId="urn:microsoft.com/office/officeart/2018/2/layout/IconVerticalSolidList"/>
+    <dgm:cxn modelId="{77462EB2-D8FA-479D-944F-DCD8F732BA3F}" type="presParOf" srcId="{C962516D-92CF-48ED-ABF9-A165E7697FBD}" destId="{ABED698A-6736-446E-A32F-DDD6EB6EB756}" srcOrd="2" destOrd="0" presId="urn:microsoft.com/office/officeart/2018/2/layout/IconVerticalSolidList"/>
+    <dgm:cxn modelId="{61DB0E73-35B5-4D2D-BDBE-3C193F191020}" type="presParOf" srcId="{C962516D-92CF-48ED-ABF9-A165E7697FBD}" destId="{7A5A5CF9-1C4C-4241-B14B-A30927DFDDC4}" srcOrd="3" destOrd="0" presId="urn:microsoft.com/office/officeart/2018/2/layout/IconVerticalSolidList"/>
+  </dgm:cxnLst>
+  <dgm:bg/>
+  <dgm:whole/>
+  <dgm:extLst>
+    <a:ext uri="http://schemas.microsoft.com/office/drawing/2008/diagram">
+      <dsp:dataModelExt xmlns:dsp="http://schemas.microsoft.com/office/drawing/2008/diagram" relId="rId6" minVer="http://schemas.openxmlformats.org/drawingml/2006/diagram"/>
+    </a:ext>
+  </dgm:extLst>
+</dgm:dataModel>
+</file>
+
+<file path=ppt/diagrams/drawing1.xml><?xml version="1.0" encoding="utf-8"?>
+<dsp:drawing xmlns:dgm="http://schemas.openxmlformats.org/drawingml/2006/diagram" xmlns:dsp="http://schemas.microsoft.com/office/drawing/2008/diagram" xmlns:a="http://schemas.openxmlformats.org/drawingml/2006/main">
+  <dsp:spTree>
+    <dsp:nvGrpSpPr>
+      <dsp:cNvPr id="0" name=""/>
+      <dsp:cNvGrpSpPr/>
+    </dsp:nvGrpSpPr>
+    <dsp:grpSpPr/>
+    <dsp:sp modelId="{DBF5E050-DD94-4FF6-938E-DFBEF5BA7D5A}">
+      <dsp:nvSpPr>
+        <dsp:cNvPr id="0" name=""/>
+        <dsp:cNvSpPr/>
+      </dsp:nvSpPr>
+      <dsp:spPr>
+        <a:xfrm>
+          <a:off x="1005743" y="154464"/>
+          <a:ext cx="1512000" cy="1512000"/>
+        </a:xfrm>
+        <a:prstGeom prst="rect">
+          <a:avLst/>
+        </a:prstGeom>
+        <a:blipFill>
+          <a:blip xmlns:r="http://schemas.openxmlformats.org/officeDocument/2006/relationships" r:embed="rId1">
+            <a:extLst>
+              <a:ext uri="{28A0092B-C50C-407E-A947-70E740481C1C}">
+                <a14:useLocalDpi xmlns:a14="http://schemas.microsoft.com/office/drawing/2010/main" val="0"/>
+              </a:ext>
+              <a:ext uri="{96DAC541-7B7A-43D3-8B79-37D633B846F1}">
+                <asvg:svgBlip xmlns:asvg="http://schemas.microsoft.com/office/drawing/2016/SVG/main" r:embed="rId2"/>
+              </a:ext>
+            </a:extLst>
+          </a:blip>
+          <a:stretch>
+            <a:fillRect/>
+          </a:stretch>
+        </a:blipFill>
+        <a:ln w="12700" cap="flat" cmpd="sng" algn="ctr">
+          <a:noFill/>
+          <a:prstDash val="solid"/>
+          <a:miter lim="800000"/>
+        </a:ln>
+        <a:effectLst/>
+      </dsp:spPr>
+      <dsp:style>
+        <a:lnRef idx="2">
+          <a:scrgbClr r="0" g="0" b="0"/>
+        </a:lnRef>
+        <a:fillRef idx="1">
+          <a:scrgbClr r="0" g="0" b="0"/>
+        </a:fillRef>
+        <a:effectRef idx="0">
+          <a:scrgbClr r="0" g="0" b="0"/>
+        </a:effectRef>
+        <a:fontRef idx="minor">
+          <a:schemeClr val="lt1"/>
+        </a:fontRef>
+      </dsp:style>
+    </dsp:sp>
+    <dsp:sp modelId="{806AA158-51A8-45FF-A444-A51BACEAFDB0}">
+      <dsp:nvSpPr>
+        <dsp:cNvPr id="0" name=""/>
+        <dsp:cNvSpPr/>
+      </dsp:nvSpPr>
+      <dsp:spPr>
+        <a:xfrm>
+          <a:off x="1005743" y="1840287"/>
+          <a:ext cx="4320000" cy="648000"/>
+        </a:xfrm>
+        <a:prstGeom prst="rect">
+          <a:avLst/>
+        </a:prstGeom>
+        <a:noFill/>
+        <a:ln>
+          <a:noFill/>
+        </a:ln>
+        <a:effectLst/>
+      </dsp:spPr>
+      <dsp:style>
+        <a:lnRef idx="0">
+          <a:scrgbClr r="0" g="0" b="0"/>
+        </a:lnRef>
+        <a:fillRef idx="0">
+          <a:scrgbClr r="0" g="0" b="0"/>
+        </a:fillRef>
+        <a:effectRef idx="0">
+          <a:scrgbClr r="0" g="0" b="0"/>
+        </a:effectRef>
+        <a:fontRef idx="minor"/>
+      </dsp:style>
+      <dsp:txBody>
+        <a:bodyPr spcFirstLastPara="0" vert="horz" wrap="square" lIns="0" tIns="0" rIns="0" bIns="0" numCol="1" spcCol="1270" anchor="t" anchorCtr="0">
+          <a:noAutofit/>
+        </a:bodyPr>
+        <a:lstStyle/>
+        <a:p>
+          <a:pPr marL="0" lvl="0" indent="0" algn="l" defTabSz="1022350">
+            <a:lnSpc>
+              <a:spcPct val="90000"/>
+            </a:lnSpc>
+            <a:spcBef>
+              <a:spcPct val="0"/>
+            </a:spcBef>
+            <a:spcAft>
+              <a:spcPct val="35000"/>
+            </a:spcAft>
+            <a:buNone/>
+            <a:defRPr b="1"/>
+          </a:pPr>
+          <a:r>
+            <a:rPr lang="en-US" sz="2300" kern="1200">
+              <a:hlinkClick xmlns:r="http://schemas.openxmlformats.org/officeDocument/2006/relationships" r:id="rId3"/>
+            </a:rPr>
+            <a:t>Authoring Tool Accessibility Guidelines (ATAG) 2.0 (w3.org)</a:t>
+          </a:r>
+          <a:endParaRPr lang="en-US" sz="2300" kern="1200"/>
+        </a:p>
+      </dsp:txBody>
+      <dsp:txXfrm>
+        <a:off x="1005743" y="1840287"/>
+        <a:ext cx="4320000" cy="648000"/>
+      </dsp:txXfrm>
+    </dsp:sp>
+    <dsp:sp modelId="{4CA5C5CC-0883-4325-8F1A-320180A51A4B}">
+      <dsp:nvSpPr>
+        <dsp:cNvPr id="0" name=""/>
+        <dsp:cNvSpPr/>
+      </dsp:nvSpPr>
+      <dsp:spPr>
+        <a:xfrm>
+          <a:off x="1005743" y="2569135"/>
+          <a:ext cx="4320000" cy="1627738"/>
+        </a:xfrm>
+        <a:prstGeom prst="rect">
+          <a:avLst/>
+        </a:prstGeom>
+        <a:noFill/>
+        <a:ln>
+          <a:noFill/>
+        </a:ln>
+        <a:effectLst/>
+      </dsp:spPr>
+      <dsp:style>
+        <a:lnRef idx="0">
+          <a:scrgbClr r="0" g="0" b="0"/>
+        </a:lnRef>
+        <a:fillRef idx="0">
+          <a:scrgbClr r="0" g="0" b="0"/>
+        </a:fillRef>
+        <a:effectRef idx="0">
+          <a:scrgbClr r="0" g="0" b="0"/>
+        </a:effectRef>
+        <a:fontRef idx="minor"/>
+      </dsp:style>
+      <dsp:txBody>
+        <a:bodyPr spcFirstLastPara="0" vert="horz" wrap="square" lIns="0" tIns="0" rIns="0" bIns="0" numCol="1" spcCol="1270" anchor="t" anchorCtr="0">
+          <a:noAutofit/>
+        </a:bodyPr>
+        <a:lstStyle/>
+        <a:p>
+          <a:pPr marL="0" lvl="0" indent="0" algn="l" defTabSz="755650">
+            <a:lnSpc>
+              <a:spcPct val="90000"/>
+            </a:lnSpc>
+            <a:spcBef>
+              <a:spcPct val="0"/>
+            </a:spcBef>
+            <a:spcAft>
+              <a:spcPct val="35000"/>
+            </a:spcAft>
+            <a:buNone/>
+          </a:pPr>
+          <a:r>
+            <a:rPr lang="en-US" sz="1700" kern="1200"/>
+            <a:t>Guideline B.2.2: Guide authors to produce accessible content</a:t>
+          </a:r>
+        </a:p>
+        <a:p>
+          <a:pPr marL="0" lvl="0" indent="0" algn="l" defTabSz="755650">
+            <a:lnSpc>
+              <a:spcPct val="90000"/>
+            </a:lnSpc>
+            <a:spcBef>
+              <a:spcPct val="0"/>
+            </a:spcBef>
+            <a:spcAft>
+              <a:spcPct val="35000"/>
+            </a:spcAft>
+            <a:buNone/>
+          </a:pPr>
+          <a:r>
+            <a:rPr lang="en-US" sz="1700" kern="1200"/>
+            <a:t>Guideline B.2.3: Assist authors with managing alternative content for non-text content.</a:t>
+          </a:r>
+        </a:p>
+        <a:p>
+          <a:pPr marL="0" lvl="0" indent="0" algn="l" defTabSz="755650">
+            <a:lnSpc>
+              <a:spcPct val="90000"/>
+            </a:lnSpc>
+            <a:spcBef>
+              <a:spcPct val="0"/>
+            </a:spcBef>
+            <a:spcAft>
+              <a:spcPct val="35000"/>
+            </a:spcAft>
+            <a:buNone/>
+          </a:pPr>
+          <a:r>
+            <a:rPr lang="en-US" sz="1700" kern="1200"/>
+            <a:t>Guideline B.2.5: Assist authors with accessible pre-authored content.</a:t>
+          </a:r>
+        </a:p>
+      </dsp:txBody>
+      <dsp:txXfrm>
+        <a:off x="1005743" y="2569135"/>
+        <a:ext cx="4320000" cy="1627738"/>
+      </dsp:txXfrm>
+    </dsp:sp>
+    <dsp:sp modelId="{7942F093-26BE-4A50-BEB2-006232818263}">
+      <dsp:nvSpPr>
+        <dsp:cNvPr id="0" name=""/>
+        <dsp:cNvSpPr/>
+      </dsp:nvSpPr>
+      <dsp:spPr>
+        <a:xfrm>
+          <a:off x="6081743" y="154464"/>
+          <a:ext cx="1512000" cy="1512000"/>
+        </a:xfrm>
+        <a:prstGeom prst="rect">
+          <a:avLst/>
+        </a:prstGeom>
+        <a:blipFill>
+          <a:blip xmlns:r="http://schemas.openxmlformats.org/officeDocument/2006/relationships" r:embed="rId4">
+            <a:extLst>
+              <a:ext uri="{28A0092B-C50C-407E-A947-70E740481C1C}">
+                <a14:useLocalDpi xmlns:a14="http://schemas.microsoft.com/office/drawing/2010/main" val="0"/>
+              </a:ext>
+              <a:ext uri="{96DAC541-7B7A-43D3-8B79-37D633B846F1}">
+                <asvg:svgBlip xmlns:asvg="http://schemas.microsoft.com/office/drawing/2016/SVG/main" r:embed="rId5"/>
+              </a:ext>
+            </a:extLst>
+          </a:blip>
+          <a:stretch>
+            <a:fillRect/>
+          </a:stretch>
+        </a:blipFill>
+        <a:ln w="12700" cap="flat" cmpd="sng" algn="ctr">
+          <a:noFill/>
+          <a:prstDash val="solid"/>
+          <a:miter lim="800000"/>
+        </a:ln>
+        <a:effectLst/>
+      </dsp:spPr>
+      <dsp:style>
+        <a:lnRef idx="2">
+          <a:scrgbClr r="0" g="0" b="0"/>
+        </a:lnRef>
+        <a:fillRef idx="1">
+          <a:scrgbClr r="0" g="0" b="0"/>
+        </a:fillRef>
+        <a:effectRef idx="0">
+          <a:scrgbClr r="0" g="0" b="0"/>
+        </a:effectRef>
+        <a:fontRef idx="minor">
+          <a:schemeClr val="lt1"/>
+        </a:fontRef>
+      </dsp:style>
+    </dsp:sp>
+    <dsp:sp modelId="{2434F190-03C6-4AB4-AB0D-7E38DBEC2F55}">
+      <dsp:nvSpPr>
+        <dsp:cNvPr id="0" name=""/>
+        <dsp:cNvSpPr/>
+      </dsp:nvSpPr>
+      <dsp:spPr>
+        <a:xfrm>
+          <a:off x="6081743" y="1840287"/>
+          <a:ext cx="4320000" cy="648000"/>
+        </a:xfrm>
+        <a:prstGeom prst="rect">
+          <a:avLst/>
+        </a:prstGeom>
+        <a:noFill/>
+        <a:ln>
+          <a:noFill/>
+        </a:ln>
+        <a:effectLst/>
+      </dsp:spPr>
+      <dsp:style>
+        <a:lnRef idx="0">
+          <a:scrgbClr r="0" g="0" b="0"/>
+        </a:lnRef>
+        <a:fillRef idx="0">
+          <a:scrgbClr r="0" g="0" b="0"/>
+        </a:fillRef>
+        <a:effectRef idx="0">
+          <a:scrgbClr r="0" g="0" b="0"/>
+        </a:effectRef>
+        <a:fontRef idx="minor"/>
+      </dsp:style>
+      <dsp:txBody>
+        <a:bodyPr spcFirstLastPara="0" vert="horz" wrap="square" lIns="0" tIns="0" rIns="0" bIns="0" numCol="1" spcCol="1270" anchor="t" anchorCtr="0">
+          <a:noAutofit/>
+        </a:bodyPr>
+        <a:lstStyle/>
+        <a:p>
+          <a:pPr marL="0" lvl="0" indent="0" algn="l" defTabSz="1022350">
+            <a:lnSpc>
+              <a:spcPct val="90000"/>
+            </a:lnSpc>
+            <a:spcBef>
+              <a:spcPct val="0"/>
+            </a:spcBef>
+            <a:spcAft>
+              <a:spcPct val="35000"/>
+            </a:spcAft>
+            <a:buNone/>
+            <a:defRPr b="1"/>
+          </a:pPr>
+          <a:r>
+            <a:rPr lang="en-US" sz="2300" kern="1200"/>
+            <a:t>Guideline B.3.1: Assist authors in checking for accessibility problems.</a:t>
+          </a:r>
+        </a:p>
+      </dsp:txBody>
+      <dsp:txXfrm>
+        <a:off x="6081743" y="1840287"/>
+        <a:ext cx="4320000" cy="648000"/>
+      </dsp:txXfrm>
+    </dsp:sp>
+    <dsp:sp modelId="{1E4DA541-A544-4462-9FFC-3A6B3E7265A9}">
+      <dsp:nvSpPr>
+        <dsp:cNvPr id="0" name=""/>
+        <dsp:cNvSpPr/>
+      </dsp:nvSpPr>
+      <dsp:spPr>
+        <a:xfrm>
+          <a:off x="6081743" y="2569135"/>
+          <a:ext cx="4320000" cy="1627738"/>
+        </a:xfrm>
+        <a:prstGeom prst="rect">
+          <a:avLst/>
+        </a:prstGeom>
+        <a:noFill/>
+        <a:ln>
+          <a:noFill/>
+        </a:ln>
+        <a:effectLst/>
+      </dsp:spPr>
+      <dsp:style>
+        <a:lnRef idx="0">
+          <a:scrgbClr r="0" g="0" b="0"/>
+        </a:lnRef>
+        <a:fillRef idx="0">
+          <a:scrgbClr r="0" g="0" b="0"/>
+        </a:fillRef>
+        <a:effectRef idx="0">
+          <a:scrgbClr r="0" g="0" b="0"/>
+        </a:effectRef>
+        <a:fontRef idx="minor"/>
+      </dsp:style>
+      <dsp:txBody>
+        <a:bodyPr spcFirstLastPara="0" vert="horz" wrap="square" lIns="0" tIns="0" rIns="0" bIns="0" numCol="1" spcCol="1270" anchor="t" anchorCtr="0">
+          <a:noAutofit/>
+        </a:bodyPr>
+        <a:lstStyle/>
+        <a:p>
+          <a:pPr marL="0" lvl="0" indent="0" algn="l" defTabSz="755650">
+            <a:lnSpc>
+              <a:spcPct val="90000"/>
+            </a:lnSpc>
+            <a:spcBef>
+              <a:spcPct val="0"/>
+            </a:spcBef>
+            <a:spcAft>
+              <a:spcPct val="35000"/>
+            </a:spcAft>
+            <a:buNone/>
+          </a:pPr>
+          <a:r>
+            <a:rPr lang="en-US" sz="1700" i="0" kern="1200"/>
+            <a:t>B.3.1.1 Checking Assistance (WCAG)</a:t>
+          </a:r>
+          <a:endParaRPr lang="en-US" sz="1700" kern="1200"/>
+        </a:p>
+        <a:p>
+          <a:pPr marL="0" lvl="0" indent="0" algn="l" defTabSz="755650">
+            <a:lnSpc>
+              <a:spcPct val="90000"/>
+            </a:lnSpc>
+            <a:spcBef>
+              <a:spcPct val="0"/>
+            </a:spcBef>
+            <a:spcAft>
+              <a:spcPct val="35000"/>
+            </a:spcAft>
+            <a:buNone/>
+          </a:pPr>
+          <a:r>
+            <a:rPr lang="en-US" sz="1700" i="0" kern="1200"/>
+            <a:t>B.3.1.2 Help Authors Decide</a:t>
+          </a:r>
+          <a:endParaRPr lang="en-US" sz="1700" kern="1200"/>
+        </a:p>
+        <a:p>
+          <a:pPr marL="0" lvl="0" indent="0" algn="l" defTabSz="755650">
+            <a:lnSpc>
+              <a:spcPct val="90000"/>
+            </a:lnSpc>
+            <a:spcBef>
+              <a:spcPct val="0"/>
+            </a:spcBef>
+            <a:spcAft>
+              <a:spcPct val="35000"/>
+            </a:spcAft>
+            <a:buNone/>
+          </a:pPr>
+          <a:r>
+            <a:rPr lang="en-US" sz="1700" i="0" kern="1200"/>
+            <a:t>B.3.1.3 Help Authors Locate</a:t>
+          </a:r>
+          <a:endParaRPr lang="en-US" sz="1700" kern="1200"/>
+        </a:p>
+      </dsp:txBody>
+      <dsp:txXfrm>
+        <a:off x="6081743" y="2569135"/>
+        <a:ext cx="4320000" cy="1627738"/>
+      </dsp:txXfrm>
+    </dsp:sp>
+  </dsp:spTree>
+</dsp:drawing>
+</file>
+
+<file path=ppt/diagrams/drawing2.xml><?xml version="1.0" encoding="utf-8"?>
+<dsp:drawing xmlns:dgm="http://schemas.openxmlformats.org/drawingml/2006/diagram" xmlns:dsp="http://schemas.microsoft.com/office/drawing/2008/diagram" xmlns:a="http://schemas.openxmlformats.org/drawingml/2006/main">
+  <dsp:spTree>
+    <dsp:nvGrpSpPr>
+      <dsp:cNvPr id="0" name=""/>
+      <dsp:cNvGrpSpPr/>
+    </dsp:nvGrpSpPr>
+    <dsp:grpSpPr/>
+    <dsp:sp modelId="{221C7014-5A74-42E1-ADFD-01E848FCB1C1}">
+      <dsp:nvSpPr>
+        <dsp:cNvPr id="0" name=""/>
+        <dsp:cNvSpPr/>
+      </dsp:nvSpPr>
+      <dsp:spPr>
+        <a:xfrm>
+          <a:off x="0" y="531"/>
+          <a:ext cx="10515600" cy="1242935"/>
+        </a:xfrm>
+        <a:prstGeom prst="roundRect">
+          <a:avLst>
+            <a:gd name="adj" fmla="val 10000"/>
+          </a:avLst>
+        </a:prstGeom>
+        <a:solidFill>
+          <a:schemeClr val="accent1">
+            <a:tint val="40000"/>
+            <a:hueOff val="0"/>
+            <a:satOff val="0"/>
+            <a:lumOff val="0"/>
+            <a:alphaOff val="0"/>
+          </a:schemeClr>
+        </a:solidFill>
+        <a:ln>
+          <a:noFill/>
+        </a:ln>
+        <a:effectLst/>
+      </dsp:spPr>
+      <dsp:style>
+        <a:lnRef idx="0">
+          <a:scrgbClr r="0" g="0" b="0"/>
+        </a:lnRef>
+        <a:fillRef idx="1">
+          <a:scrgbClr r="0" g="0" b="0"/>
+        </a:fillRef>
+        <a:effectRef idx="0">
+          <a:scrgbClr r="0" g="0" b="0"/>
+        </a:effectRef>
+        <a:fontRef idx="minor"/>
+      </dsp:style>
+    </dsp:sp>
+    <dsp:sp modelId="{C8360EF6-ADF5-493D-943E-0518A7D554D8}">
+      <dsp:nvSpPr>
+        <dsp:cNvPr id="0" name=""/>
+        <dsp:cNvSpPr/>
+      </dsp:nvSpPr>
+      <dsp:spPr>
+        <a:xfrm>
+          <a:off x="375988" y="280191"/>
+          <a:ext cx="683614" cy="683614"/>
+        </a:xfrm>
+        <a:prstGeom prst="rect">
+          <a:avLst/>
+        </a:prstGeom>
+        <a:blipFill>
+          <a:blip xmlns:r="http://schemas.openxmlformats.org/officeDocument/2006/relationships" r:embed="rId1">
+            <a:extLst>
+              <a:ext uri="{28A0092B-C50C-407E-A947-70E740481C1C}">
+                <a14:useLocalDpi xmlns:a14="http://schemas.microsoft.com/office/drawing/2010/main" val="0"/>
+              </a:ext>
+              <a:ext uri="{96DAC541-7B7A-43D3-8B79-37D633B846F1}">
+                <asvg:svgBlip xmlns:asvg="http://schemas.microsoft.com/office/drawing/2016/SVG/main" r:embed="rId2"/>
+              </a:ext>
+            </a:extLst>
+          </a:blip>
+          <a:stretch>
+            <a:fillRect/>
+          </a:stretch>
+        </a:blipFill>
+        <a:ln w="12700" cap="flat" cmpd="sng" algn="ctr">
+          <a:solidFill>
+            <a:schemeClr val="lt1">
+              <a:hueOff val="0"/>
+              <a:satOff val="0"/>
+              <a:lumOff val="0"/>
+              <a:alphaOff val="0"/>
+            </a:schemeClr>
+          </a:solidFill>
+          <a:prstDash val="solid"/>
+          <a:miter lim="800000"/>
+        </a:ln>
+        <a:effectLst/>
+      </dsp:spPr>
+      <dsp:style>
+        <a:lnRef idx="2">
+          <a:scrgbClr r="0" g="0" b="0"/>
+        </a:lnRef>
+        <a:fillRef idx="1">
+          <a:scrgbClr r="0" g="0" b="0"/>
+        </a:fillRef>
+        <a:effectRef idx="0">
+          <a:scrgbClr r="0" g="0" b="0"/>
+        </a:effectRef>
+        <a:fontRef idx="minor">
+          <a:schemeClr val="lt1"/>
+        </a:fontRef>
+      </dsp:style>
+    </dsp:sp>
+    <dsp:sp modelId="{88B04C14-D272-48D7-ADBE-030D23A972D0}">
+      <dsp:nvSpPr>
+        <dsp:cNvPr id="0" name=""/>
+        <dsp:cNvSpPr/>
+      </dsp:nvSpPr>
+      <dsp:spPr>
+        <a:xfrm>
+          <a:off x="1435590" y="531"/>
+          <a:ext cx="4732020" cy="1242935"/>
+        </a:xfrm>
+        <a:prstGeom prst="rect">
+          <a:avLst/>
+        </a:prstGeom>
+        <a:noFill/>
+        <a:ln>
+          <a:noFill/>
+        </a:ln>
+        <a:effectLst/>
+      </dsp:spPr>
+      <dsp:style>
+        <a:lnRef idx="0">
+          <a:scrgbClr r="0" g="0" b="0"/>
+        </a:lnRef>
+        <a:fillRef idx="0">
+          <a:scrgbClr r="0" g="0" b="0"/>
+        </a:fillRef>
+        <a:effectRef idx="0">
+          <a:scrgbClr r="0" g="0" b="0"/>
+        </a:effectRef>
+        <a:fontRef idx="minor"/>
+      </dsp:style>
+      <dsp:txBody>
+        <a:bodyPr spcFirstLastPara="0" vert="horz" wrap="square" lIns="131544" tIns="131544" rIns="131544" bIns="131544" numCol="1" spcCol="1270" anchor="ctr" anchorCtr="0">
+          <a:noAutofit/>
+        </a:bodyPr>
+        <a:lstStyle/>
+        <a:p>
+          <a:pPr marL="0" lvl="0" indent="0" algn="l" defTabSz="977900">
+            <a:lnSpc>
+              <a:spcPct val="100000"/>
+            </a:lnSpc>
+            <a:spcBef>
+              <a:spcPct val="0"/>
+            </a:spcBef>
+            <a:spcAft>
+              <a:spcPct val="35000"/>
+            </a:spcAft>
+            <a:buNone/>
+          </a:pPr>
+          <a:r>
+            <a:rPr lang="en-US" sz="2200" kern="1200"/>
+            <a:t>Accessibility Check in markdown file</a:t>
+          </a:r>
+        </a:p>
+      </dsp:txBody>
+      <dsp:txXfrm>
+        <a:off x="1435590" y="531"/>
+        <a:ext cx="4732020" cy="1242935"/>
+      </dsp:txXfrm>
+    </dsp:sp>
+    <dsp:sp modelId="{6F3DE139-0123-4E3A-A50C-5753DB4F832F}">
+      <dsp:nvSpPr>
+        <dsp:cNvPr id="0" name=""/>
+        <dsp:cNvSpPr/>
+      </dsp:nvSpPr>
+      <dsp:spPr>
+        <a:xfrm>
+          <a:off x="6167610" y="531"/>
+          <a:ext cx="4347989" cy="1242935"/>
+        </a:xfrm>
+        <a:prstGeom prst="rect">
+          <a:avLst/>
+        </a:prstGeom>
+        <a:noFill/>
+        <a:ln>
+          <a:noFill/>
+        </a:ln>
+        <a:effectLst/>
+      </dsp:spPr>
+      <dsp:style>
+        <a:lnRef idx="0">
+          <a:scrgbClr r="0" g="0" b="0"/>
+        </a:lnRef>
+        <a:fillRef idx="0">
+          <a:scrgbClr r="0" g="0" b="0"/>
+        </a:fillRef>
+        <a:effectRef idx="0">
+          <a:scrgbClr r="0" g="0" b="0"/>
+        </a:effectRef>
+        <a:fontRef idx="minor"/>
+      </dsp:style>
+      <dsp:txBody>
+        <a:bodyPr spcFirstLastPara="0" vert="horz" wrap="square" lIns="131544" tIns="131544" rIns="131544" bIns="131544" numCol="1" spcCol="1270" anchor="ctr" anchorCtr="0">
+          <a:noAutofit/>
+        </a:bodyPr>
+        <a:lstStyle/>
+        <a:p>
+          <a:pPr marL="0" lvl="0" indent="0" algn="l" defTabSz="755650">
+            <a:lnSpc>
+              <a:spcPct val="100000"/>
+            </a:lnSpc>
+            <a:spcBef>
+              <a:spcPct val="0"/>
+            </a:spcBef>
+            <a:spcAft>
+              <a:spcPct val="35000"/>
+            </a:spcAft>
+            <a:buNone/>
+          </a:pPr>
+          <a:r>
+            <a:rPr lang="en-US" sz="1700" kern="1200"/>
+            <a:t>Give the feedback and let the author to choose the adaptation.</a:t>
+          </a:r>
+        </a:p>
+      </dsp:txBody>
+      <dsp:txXfrm>
+        <a:off x="6167610" y="531"/>
+        <a:ext cx="4347989" cy="1242935"/>
+      </dsp:txXfrm>
+    </dsp:sp>
+    <dsp:sp modelId="{E608EE11-2652-424B-985C-0BE5B146BAB9}">
+      <dsp:nvSpPr>
+        <dsp:cNvPr id="0" name=""/>
+        <dsp:cNvSpPr/>
+      </dsp:nvSpPr>
+      <dsp:spPr>
+        <a:xfrm>
+          <a:off x="0" y="1554201"/>
+          <a:ext cx="10515600" cy="1242935"/>
+        </a:xfrm>
+        <a:prstGeom prst="roundRect">
+          <a:avLst>
+            <a:gd name="adj" fmla="val 10000"/>
+          </a:avLst>
+        </a:prstGeom>
+        <a:solidFill>
+          <a:schemeClr val="accent1">
+            <a:tint val="40000"/>
+            <a:hueOff val="0"/>
+            <a:satOff val="0"/>
+            <a:lumOff val="0"/>
+            <a:alphaOff val="0"/>
+          </a:schemeClr>
+        </a:solidFill>
+        <a:ln>
+          <a:noFill/>
+        </a:ln>
+        <a:effectLst/>
+      </dsp:spPr>
+      <dsp:style>
+        <a:lnRef idx="0">
+          <a:scrgbClr r="0" g="0" b="0"/>
+        </a:lnRef>
+        <a:fillRef idx="1">
+          <a:scrgbClr r="0" g="0" b="0"/>
+        </a:fillRef>
+        <a:effectRef idx="0">
+          <a:scrgbClr r="0" g="0" b="0"/>
+        </a:effectRef>
+        <a:fontRef idx="minor"/>
+      </dsp:style>
+    </dsp:sp>
+    <dsp:sp modelId="{65ED7CA6-7917-42A7-AE51-2DCCE6C627AB}">
+      <dsp:nvSpPr>
+        <dsp:cNvPr id="0" name=""/>
+        <dsp:cNvSpPr/>
+      </dsp:nvSpPr>
+      <dsp:spPr>
+        <a:xfrm>
+          <a:off x="375988" y="1833861"/>
+          <a:ext cx="683614" cy="683614"/>
+        </a:xfrm>
+        <a:prstGeom prst="rect">
+          <a:avLst/>
+        </a:prstGeom>
+        <a:blipFill>
+          <a:blip xmlns:r="http://schemas.openxmlformats.org/officeDocument/2006/relationships" r:embed="rId3">
+            <a:extLst>
+              <a:ext uri="{28A0092B-C50C-407E-A947-70E740481C1C}">
+                <a14:useLocalDpi xmlns:a14="http://schemas.microsoft.com/office/drawing/2010/main" val="0"/>
+              </a:ext>
+              <a:ext uri="{96DAC541-7B7A-43D3-8B79-37D633B846F1}">
+                <asvg:svgBlip xmlns:asvg="http://schemas.microsoft.com/office/drawing/2016/SVG/main" r:embed="rId4"/>
+              </a:ext>
+            </a:extLst>
+          </a:blip>
+          <a:stretch>
+            <a:fillRect/>
+          </a:stretch>
+        </a:blipFill>
+        <a:ln w="12700" cap="flat" cmpd="sng" algn="ctr">
+          <a:solidFill>
+            <a:schemeClr val="lt1">
+              <a:hueOff val="0"/>
+              <a:satOff val="0"/>
+              <a:lumOff val="0"/>
+              <a:alphaOff val="0"/>
+            </a:schemeClr>
+          </a:solidFill>
+          <a:prstDash val="solid"/>
+          <a:miter lim="800000"/>
+        </a:ln>
+        <a:effectLst/>
+      </dsp:spPr>
+      <dsp:style>
+        <a:lnRef idx="2">
+          <a:scrgbClr r="0" g="0" b="0"/>
+        </a:lnRef>
+        <a:fillRef idx="1">
+          <a:scrgbClr r="0" g="0" b="0"/>
+        </a:fillRef>
+        <a:effectRef idx="0">
+          <a:scrgbClr r="0" g="0" b="0"/>
+        </a:effectRef>
+        <a:fontRef idx="minor">
+          <a:schemeClr val="lt1"/>
+        </a:fontRef>
+      </dsp:style>
+    </dsp:sp>
+    <dsp:sp modelId="{A50D4E0B-FD01-4EA1-9BB0-4796CD1EB3D7}">
+      <dsp:nvSpPr>
+        <dsp:cNvPr id="0" name=""/>
+        <dsp:cNvSpPr/>
+      </dsp:nvSpPr>
+      <dsp:spPr>
+        <a:xfrm>
+          <a:off x="1435590" y="1554201"/>
+          <a:ext cx="4732020" cy="1242935"/>
+        </a:xfrm>
+        <a:prstGeom prst="rect">
+          <a:avLst/>
+        </a:prstGeom>
+        <a:noFill/>
+        <a:ln>
+          <a:noFill/>
+        </a:ln>
+        <a:effectLst/>
+      </dsp:spPr>
+      <dsp:style>
+        <a:lnRef idx="0">
+          <a:scrgbClr r="0" g="0" b="0"/>
+        </a:lnRef>
+        <a:fillRef idx="0">
+          <a:scrgbClr r="0" g="0" b="0"/>
+        </a:fillRef>
+        <a:effectRef idx="0">
+          <a:scrgbClr r="0" g="0" b="0"/>
+        </a:effectRef>
+        <a:fontRef idx="minor"/>
+      </dsp:style>
+      <dsp:txBody>
+        <a:bodyPr spcFirstLastPara="0" vert="horz" wrap="square" lIns="131544" tIns="131544" rIns="131544" bIns="131544" numCol="1" spcCol="1270" anchor="ctr" anchorCtr="0">
+          <a:noAutofit/>
+        </a:bodyPr>
+        <a:lstStyle/>
+        <a:p>
+          <a:pPr marL="0" lvl="0" indent="0" algn="l" defTabSz="977900">
+            <a:lnSpc>
+              <a:spcPct val="100000"/>
+            </a:lnSpc>
+            <a:spcBef>
+              <a:spcPct val="0"/>
+            </a:spcBef>
+            <a:spcAft>
+              <a:spcPct val="35000"/>
+            </a:spcAft>
+            <a:buNone/>
+          </a:pPr>
+          <a:r>
+            <a:rPr lang="en-US" sz="2200" kern="1200"/>
+            <a:t>Add a new syntax that allows the authors to decorate to HTML attribute.</a:t>
+          </a:r>
+        </a:p>
+      </dsp:txBody>
+      <dsp:txXfrm>
+        <a:off x="1435590" y="1554201"/>
+        <a:ext cx="4732020" cy="1242935"/>
+      </dsp:txXfrm>
+    </dsp:sp>
+    <dsp:sp modelId="{F1338BB6-C3C6-4F18-91B6-D0FB98250C0A}">
+      <dsp:nvSpPr>
+        <dsp:cNvPr id="0" name=""/>
+        <dsp:cNvSpPr/>
+      </dsp:nvSpPr>
+      <dsp:spPr>
+        <a:xfrm>
+          <a:off x="6167610" y="1554201"/>
+          <a:ext cx="4347989" cy="1242935"/>
+        </a:xfrm>
+        <a:prstGeom prst="rect">
+          <a:avLst/>
+        </a:prstGeom>
+        <a:noFill/>
+        <a:ln>
+          <a:noFill/>
+        </a:ln>
+        <a:effectLst/>
+      </dsp:spPr>
+      <dsp:style>
+        <a:lnRef idx="0">
+          <a:scrgbClr r="0" g="0" b="0"/>
+        </a:lnRef>
+        <a:fillRef idx="0">
+          <a:scrgbClr r="0" g="0" b="0"/>
+        </a:fillRef>
+        <a:effectRef idx="0">
+          <a:scrgbClr r="0" g="0" b="0"/>
+        </a:effectRef>
+        <a:fontRef idx="minor"/>
+      </dsp:style>
+      <dsp:txBody>
+        <a:bodyPr spcFirstLastPara="0" vert="horz" wrap="square" lIns="131544" tIns="131544" rIns="131544" bIns="131544" numCol="1" spcCol="1270" anchor="ctr" anchorCtr="0">
+          <a:noAutofit/>
+        </a:bodyPr>
+        <a:lstStyle/>
+        <a:p>
+          <a:pPr marL="0" lvl="0" indent="0" algn="l" defTabSz="755650">
+            <a:lnSpc>
+              <a:spcPct val="100000"/>
+            </a:lnSpc>
+            <a:spcBef>
+              <a:spcPct val="0"/>
+            </a:spcBef>
+            <a:spcAft>
+              <a:spcPct val="35000"/>
+            </a:spcAft>
+            <a:buNone/>
+          </a:pPr>
+          <a:r>
+            <a:rPr lang="en-US" sz="1700" kern="1200"/>
+            <a:t>Help the author to improve the accessibility.</a:t>
+          </a:r>
+        </a:p>
+      </dsp:txBody>
+      <dsp:txXfrm>
+        <a:off x="6167610" y="1554201"/>
+        <a:ext cx="4347989" cy="1242935"/>
+      </dsp:txXfrm>
+    </dsp:sp>
+    <dsp:sp modelId="{F185DE10-F9D1-45D7-9750-4E99DDE292EF}">
+      <dsp:nvSpPr>
+        <dsp:cNvPr id="0" name=""/>
+        <dsp:cNvSpPr/>
+      </dsp:nvSpPr>
+      <dsp:spPr>
+        <a:xfrm>
+          <a:off x="0" y="3107870"/>
+          <a:ext cx="10515600" cy="1242935"/>
+        </a:xfrm>
+        <a:prstGeom prst="roundRect">
+          <a:avLst>
+            <a:gd name="adj" fmla="val 10000"/>
+          </a:avLst>
+        </a:prstGeom>
+        <a:solidFill>
+          <a:schemeClr val="accent1">
+            <a:tint val="40000"/>
+            <a:hueOff val="0"/>
+            <a:satOff val="0"/>
+            <a:lumOff val="0"/>
+            <a:alphaOff val="0"/>
+          </a:schemeClr>
+        </a:solidFill>
+        <a:ln>
+          <a:noFill/>
+        </a:ln>
+        <a:effectLst/>
+      </dsp:spPr>
+      <dsp:style>
+        <a:lnRef idx="0">
+          <a:scrgbClr r="0" g="0" b="0"/>
+        </a:lnRef>
+        <a:fillRef idx="1">
+          <a:scrgbClr r="0" g="0" b="0"/>
+        </a:fillRef>
+        <a:effectRef idx="0">
+          <a:scrgbClr r="0" g="0" b="0"/>
+        </a:effectRef>
+        <a:fontRef idx="minor"/>
+      </dsp:style>
+    </dsp:sp>
+    <dsp:sp modelId="{8090F4DE-1F45-441D-A342-EF6E9A05476F}">
+      <dsp:nvSpPr>
+        <dsp:cNvPr id="0" name=""/>
+        <dsp:cNvSpPr/>
+      </dsp:nvSpPr>
+      <dsp:spPr>
+        <a:xfrm>
+          <a:off x="375988" y="3387531"/>
+          <a:ext cx="683614" cy="683614"/>
+        </a:xfrm>
+        <a:prstGeom prst="rect">
+          <a:avLst/>
+        </a:prstGeom>
+        <a:blipFill>
+          <a:blip xmlns:r="http://schemas.openxmlformats.org/officeDocument/2006/relationships" r:embed="rId5">
+            <a:extLst>
+              <a:ext uri="{28A0092B-C50C-407E-A947-70E740481C1C}">
+                <a14:useLocalDpi xmlns:a14="http://schemas.microsoft.com/office/drawing/2010/main" val="0"/>
+              </a:ext>
+              <a:ext uri="{96DAC541-7B7A-43D3-8B79-37D633B846F1}">
+                <asvg:svgBlip xmlns:asvg="http://schemas.microsoft.com/office/drawing/2016/SVG/main" r:embed="rId6"/>
+              </a:ext>
+            </a:extLst>
+          </a:blip>
+          <a:stretch>
+            <a:fillRect/>
+          </a:stretch>
+        </a:blipFill>
+        <a:ln w="12700" cap="flat" cmpd="sng" algn="ctr">
+          <a:solidFill>
+            <a:schemeClr val="lt1">
+              <a:hueOff val="0"/>
+              <a:satOff val="0"/>
+              <a:lumOff val="0"/>
+              <a:alphaOff val="0"/>
+            </a:schemeClr>
+          </a:solidFill>
+          <a:prstDash val="solid"/>
+          <a:miter lim="800000"/>
+        </a:ln>
+        <a:effectLst/>
+      </dsp:spPr>
+      <dsp:style>
+        <a:lnRef idx="2">
+          <a:scrgbClr r="0" g="0" b="0"/>
+        </a:lnRef>
+        <a:fillRef idx="1">
+          <a:scrgbClr r="0" g="0" b="0"/>
+        </a:fillRef>
+        <a:effectRef idx="0">
+          <a:scrgbClr r="0" g="0" b="0"/>
+        </a:effectRef>
+        <a:fontRef idx="minor">
+          <a:schemeClr val="lt1"/>
+        </a:fontRef>
+      </dsp:style>
+    </dsp:sp>
+    <dsp:sp modelId="{7A5A5CF9-1C4C-4241-B14B-A30927DFDDC4}">
+      <dsp:nvSpPr>
+        <dsp:cNvPr id="0" name=""/>
+        <dsp:cNvSpPr/>
+      </dsp:nvSpPr>
+      <dsp:spPr>
+        <a:xfrm>
+          <a:off x="1435590" y="3107870"/>
+          <a:ext cx="9080009" cy="1242935"/>
+        </a:xfrm>
+        <a:prstGeom prst="rect">
+          <a:avLst/>
+        </a:prstGeom>
+        <a:noFill/>
+        <a:ln>
+          <a:noFill/>
+        </a:ln>
+        <a:effectLst/>
+      </dsp:spPr>
+      <dsp:style>
+        <a:lnRef idx="0">
+          <a:scrgbClr r="0" g="0" b="0"/>
+        </a:lnRef>
+        <a:fillRef idx="0">
+          <a:scrgbClr r="0" g="0" b="0"/>
+        </a:fillRef>
+        <a:effectRef idx="0">
+          <a:scrgbClr r="0" g="0" b="0"/>
+        </a:effectRef>
+        <a:fontRef idx="minor"/>
+      </dsp:style>
+      <dsp:txBody>
+        <a:bodyPr spcFirstLastPara="0" vert="horz" wrap="square" lIns="131544" tIns="131544" rIns="131544" bIns="131544" numCol="1" spcCol="1270" anchor="ctr" anchorCtr="0">
+          <a:noAutofit/>
+        </a:bodyPr>
+        <a:lstStyle/>
+        <a:p>
+          <a:pPr marL="0" lvl="0" indent="0" algn="l" defTabSz="977900">
+            <a:lnSpc>
+              <a:spcPct val="100000"/>
+            </a:lnSpc>
+            <a:spcBef>
+              <a:spcPct val="0"/>
+            </a:spcBef>
+            <a:spcAft>
+              <a:spcPct val="35000"/>
+            </a:spcAft>
+            <a:buNone/>
+          </a:pPr>
+          <a:r>
+            <a:rPr lang="en-US" sz="2200" kern="1200"/>
+            <a:t>Extending the accessibility check on non-text content</a:t>
+          </a:r>
+        </a:p>
+      </dsp:txBody>
+      <dsp:txXfrm>
+        <a:off x="1435590" y="3107870"/>
+        <a:ext cx="9080009" cy="1242935"/>
+      </dsp:txXfrm>
+    </dsp:sp>
+  </dsp:spTree>
+</dsp:drawing>
+</file>
+
+<file path=ppt/diagrams/layout1.xml><?xml version="1.0" encoding="utf-8"?>
+<dgm:layoutDef xmlns:dgm="http://schemas.openxmlformats.org/drawingml/2006/diagram" xmlns:a="http://schemas.openxmlformats.org/drawingml/2006/main" uniqueId="urn:microsoft.com/office/officeart/2018/2/layout/IconLabelDescriptionList">
+  <dgm:title val="Icon Label Description List"/>
+  <dgm:desc val="Use to show non-sequential or grouped chunks of information. The placeholder holds an icon or small picture, and corresponding text boxes show Level 1 and Level 2 text respectively. Works well for minimal Level 1 text accompanied by lengthier Level two text."/>
+  <dgm:catLst>
+    <dgm:cat type="icon" pri="500"/>
+  </dgm:catLst>
+  <dgm:sampData useDef="1">
+    <dgm:dataModel>
+      <dgm:ptLst/>
+      <dgm:bg/>
+      <dgm:whole/>
+    </dgm:dataModel>
+  </dgm:sampData>
+  <dgm:styleData useDef="1">
+    <dgm:dataModel>
+      <dgm:ptLst/>
+      <dgm:bg/>
+      <dgm:whole/>
+    </dgm:dataModel>
+  </dgm:styleData>
+  <dgm:clrData useDef="1">
+    <dgm:dataModel>
+      <dgm:ptLst/>
+      <dgm:bg/>
+      <dgm:whole/>
+    </dgm:dataModel>
+  </dgm:clrData>
+  <dgm:layoutNode name="root">
+    <dgm:varLst>
+      <dgm:dir/>
+      <dgm:resizeHandles val="exact"/>
+    </dgm:varLst>
+    <dgm:choose name="Name0">
+      <dgm:if name="Name1" axis="self" func="var" arg="dir" op="equ" val="norm">
+        <dgm:alg type="lin"/>
+      </dgm:if>
+      <dgm:else name="Name2">
+        <dgm:alg type="lin">
+          <dgm:param type="linDir" val="fromR"/>
+        </dgm:alg>
+      </dgm:else>
+    </dgm:choose>
+    <dgm:shape xmlns:r="http://schemas.openxmlformats.org/officeDocument/2006/relationships" r:blip="">
+      <dgm:adjLst/>
+    </dgm:shape>
+    <dgm:presOf/>
+    <dgm:constrLst>
+      <dgm:constr type="h" for="ch" forName="compNode" refType="h" fact="0.45"/>
+      <dgm:constr type="w" for="ch" forName="compNode" val="120"/>
+      <dgm:constr type="w" for="ch" forName="sibTrans" refType="w" refFor="ch" refForName="compNode" fact="0.175"/>
+      <dgm:constr type="primFontSz" for="des" forName="parTx" val="36"/>
+      <dgm:constr type="primFontSz" for="des" forName="desTx" refType="primFontSz" refFor="des" refForName="parTx" op="lte" fact="0.75"/>
+      <dgm:constr type="h" for="des" forName="compNode" op="equ"/>
+      <dgm:constr type="h" for="des" forName="iconRect" op="equ"/>
+      <dgm:constr type="w" for="des" forName="iconRect" op="equ"/>
+      <dgm:constr type="h" for="des" forName="iconSpace" op="equ"/>
+      <dgm:constr type="h" for="des" forName="parTx" op="equ"/>
+      <dgm:constr type="h" for="des" forName="txSpace" op="equ"/>
+      <dgm:constr type="h" for="des" forName="desTx" op="equ"/>
+    </dgm:constrLst>
+    <dgm:ruleLst>
+      <dgm:rule type="w" for="ch" forName="compNode" val="0" fact="NaN" max="NaN"/>
+    </dgm:ruleLst>
+    <dgm:forEach name="Name3" axis="ch" ptType="node">
+      <dgm:layoutNode name="compNode">
+        <dgm:alg type="composite"/>
+        <dgm:shape xmlns:r="http://schemas.openxmlformats.org/officeDocument/2006/relationships" r:blip="">
+          <dgm:adjLst/>
+        </dgm:shape>
+        <dgm:presOf axis="self"/>
+        <dgm:constrLst>
+          <dgm:constr type="w" for="ch" forName="iconRect" refType="w" fact="0.35"/>
+          <dgm:constr type="h" for="ch" forName="iconRect" refType="w" refFor="ch" refForName="iconRect"/>
+          <dgm:constr type="l" for="ch" forName="iconRect"/>
+          <dgm:constr type="t" for="ch" forName="iconRect"/>
+          <dgm:constr type="w" for="ch" forName="iconSpace" refType="w"/>
+          <dgm:constr type="h" for="ch" forName="iconSpace" refType="h" fact="0.043"/>
+          <dgm:constr type="l" for="ch" forName="iconSpace"/>
+          <dgm:constr type="t" for="ch" forName="iconSpace" refType="b" refFor="ch" refForName="iconRect"/>
+          <dgm:constr type="w" for="ch" forName="parTx" refType="w"/>
+          <dgm:constr type="h" for="ch" forName="parTx" refType="w" fact="0.15"/>
+          <dgm:constr type="l" for="ch" forName="parTx"/>
+          <dgm:constr type="t" for="ch" forName="parTx" refType="b" refFor="ch" refForName="iconSpace"/>
+          <dgm:constr type="h" for="ch" forName="txSpace" refType="h" fact="0.02"/>
+          <dgm:constr type="w" for="ch" forName="txSpace" refType="w"/>
+          <dgm:constr type="l" for="ch" forName="txSpace"/>
+          <dgm:constr type="t" for="ch" forName="txSpace" refType="b" refFor="ch" refForName="parTx"/>
+          <dgm:constr type="w" for="ch" forName="desTx" refType="w"/>
+          <dgm:constr type="l" for="ch" forName="desTx"/>
+          <dgm:constr type="t" for="ch" forName="desTx" refType="b" refFor="ch" refForName="txSpace"/>
+        </dgm:constrLst>
+        <dgm:ruleLst>
+          <dgm:rule type="h" val="INF" fact="NaN" max="NaN"/>
+        </dgm:ruleLst>
+        <dgm:layoutNode name="iconRect" styleLbl="node1">
+          <dgm:alg type="sp"/>
+          <dgm:shape xmlns:r="http://schemas.openxmlformats.org/officeDocument/2006/relationships" type="rect" r:blip="" blipPhldr="1">
+            <dgm:adjLst/>
+          </dgm:shape>
+          <dgm:presOf/>
+          <dgm:constrLst/>
+          <dgm:ruleLst/>
+        </dgm:layoutNode>
+        <dgm:layoutNode name="iconSpace">
+          <dgm:alg type="sp"/>
+          <dgm:shape xmlns:r="http://schemas.openxmlformats.org/officeDocument/2006/relationships" r:blip="">
+            <dgm:adjLst/>
+          </dgm:shape>
+          <dgm:presOf/>
+          <dgm:constrLst/>
+          <dgm:ruleLst/>
+        </dgm:layoutNode>
+        <dgm:layoutNode name="parTx" styleLbl="revTx">
+          <dgm:varLst>
+            <dgm:chMax val="0"/>
+            <dgm:chPref val="0"/>
+          </dgm:varLst>
+          <dgm:alg type="tx">
+            <dgm:param type="txAnchorVert" val="t"/>
+            <dgm:param type="parTxLTRAlign" val="l"/>
+            <dgm:param type="shpTxLTRAlignCh" val="l"/>
+            <dgm:param type="parTxRTLAlign" val="r"/>
+            <dgm:param type="shpTxRTLAlignCh" val="r"/>
+          </dgm:alg>
+          <dgm:shape xmlns:r="http://schemas.openxmlformats.org/officeDocument/2006/relationships" type="rect" r:blip="">
+            <dgm:adjLst/>
+          </dgm:shape>
+          <dgm:presOf axis="self" ptType="node"/>
+          <dgm:constrLst>
+            <dgm:constr type="lMarg"/>
+            <dgm:constr type="rMarg"/>
+            <dgm:constr type="tMarg"/>
+            <dgm:constr type="bMarg"/>
+          </dgm:constrLst>
+          <dgm:ruleLst>
+            <dgm:rule type="primFontSz" val="14" fact="NaN" max="NaN"/>
+            <dgm:rule type="h" val="INF" fact="NaN" max="NaN"/>
+          </dgm:ruleLst>
+        </dgm:layoutNode>
+        <dgm:layoutNode name="txSpace">
+          <dgm:alg type="sp"/>
+          <dgm:shape xmlns:r="http://schemas.openxmlformats.org/officeDocument/2006/relationships" r:blip="">
+            <dgm:adjLst/>
+          </dgm:shape>
+          <dgm:presOf/>
+          <dgm:constrLst/>
+          <dgm:ruleLst/>
+        </dgm:layoutNode>
+        <dgm:layoutNode name="desTx" styleLbl="revTx">
+          <dgm:varLst/>
+          <dgm:alg type="tx">
+            <dgm:param type="stBulletLvl" val="0"/>
+            <dgm:param type="txAnchorVert" val="t"/>
+            <dgm:param type="parTxLTRAlign" val="l"/>
+            <dgm:param type="shpTxLTRAlignCh" val="l"/>
+            <dgm:param type="parTxRTLAlign" val="r"/>
+            <dgm:param type="shpTxRTLAlignCh" val="r"/>
+          </dgm:alg>
+          <dgm:shape xmlns:r="http://schemas.openxmlformats.org/officeDocument/2006/relationships" type="rect" r:blip="">
+            <dgm:adjLst/>
+          </dgm:shape>
+          <dgm:presOf axis="des" ptType="node"/>
+          <dgm:constrLst>
+            <dgm:constr type="secFontSz" refType="primFontSz"/>
+            <dgm:constr type="lMarg"/>
+            <dgm:constr type="rMarg"/>
+            <dgm:constr type="tMarg"/>
+            <dgm:constr type="bMarg"/>
+          </dgm:constrLst>
+          <dgm:ruleLst>
+            <dgm:rule type="primFontSz" val="NaN" fact="NaN" max="17"/>
+            <dgm:rule type="h" val="INF" fact="NaN" max="NaN"/>
+          </dgm:ruleLst>
+        </dgm:layoutNode>
+      </dgm:layoutNode>
+      <dgm:forEach name="Name4" axis="followSib" ptType="sibTrans" cnt="1">
+        <dgm:layoutNode name="sibTrans">
+          <dgm:alg type="sp"/>
+          <dgm:shape xmlns:r="http://schemas.openxmlformats.org/officeDocument/2006/relationships" r:blip="">
+            <dgm:adjLst/>
+          </dgm:shape>
+          <dgm:presOf axis="self"/>
+          <dgm:constrLst/>
+          <dgm:ruleLst/>
+        </dgm:layoutNode>
+      </dgm:forEach>
+    </dgm:forEach>
+  </dgm:layoutNode>
+  <dgm:extLst>
+    <a:ext uri="{68A01E43-0DF5-4B5B-8FA6-DAF915123BFB}">
+      <dgm1612:lstStyle xmlns:dgm1612="http://schemas.microsoft.com/office/drawing/2016/12/diagram">
+        <a:lvl1pPr>
+          <a:lnSpc>
+            <a:spcPct val="100000"/>
+          </a:lnSpc>
+          <a:defRPr b="1"/>
+        </a:lvl1pPr>
+        <a:lvl2pPr>
+          <a:lnSpc>
+            <a:spcPct val="100000"/>
+          </a:lnSpc>
+        </a:lvl2pPr>
+      </dgm1612:lstStyle>
+    </a:ext>
+  </dgm:extLst>
+</dgm:layoutDef>
+</file>
+
+<file path=ppt/diagrams/layout2.xml><?xml version="1.0" encoding="utf-8"?>
+<dgm:layoutDef xmlns:dgm="http://schemas.openxmlformats.org/drawingml/2006/diagram" xmlns:a="http://schemas.openxmlformats.org/drawingml/2006/main" uniqueId="urn:microsoft.com/office/officeart/2018/2/layout/IconVerticalSolidList">
+  <dgm:title val="Icon Vertical Solid List"/>
+  <dgm:desc val="Use to show a series of visuals from top to bottom with Level 1 or Level 1 and Level 2 text grouped in a shape. Works best with icons or small pictures with lengthier descriptions."/>
+  <dgm:catLst>
+    <dgm:cat type="icon" pri="500"/>
+  </dgm:catLst>
+  <dgm:sampData useDef="1">
+    <dgm:dataModel>
+      <dgm:ptLst/>
+      <dgm:bg/>
+      <dgm:whole/>
+    </dgm:dataModel>
+  </dgm:sampData>
+  <dgm:styleData useDef="1">
+    <dgm:dataModel>
+      <dgm:ptLst/>
+      <dgm:bg/>
+      <dgm:whole/>
+    </dgm:dataModel>
+  </dgm:styleData>
+  <dgm:clrData useDef="1">
+    <dgm:dataModel>
+      <dgm:ptLst/>
+      <dgm:bg/>
+      <dgm:whole/>
+    </dgm:dataModel>
+  </dgm:clrData>
+  <dgm:layoutNode name="root">
+    <dgm:varLst>
+      <dgm:dir/>
+      <dgm:resizeHandles val="exact"/>
+    </dgm:varLst>
+    <dgm:choose name="Name0">
+      <dgm:if name="Name1" axis="self" func="var" arg="dir" op="equ" val="norm">
+        <dgm:alg type="lin">
+          <dgm:param type="linDir" val="fromT"/>
+          <dgm:param type="nodeHorzAlign" val="l"/>
+        </dgm:alg>
+      </dgm:if>
+      <dgm:else name="Name2">
+        <dgm:alg type="lin">
+          <dgm:param type="linDir" val="fromT"/>
+          <dgm:param type="nodeHorzAlign" val="r"/>
+        </dgm:alg>
+      </dgm:else>
+    </dgm:choose>
+    <dgm:shape xmlns:r="http://schemas.openxmlformats.org/officeDocument/2006/relationships" r:blip="">
+      <dgm:adjLst/>
+    </dgm:shape>
+    <dgm:presOf/>
+    <dgm:choose name="Name3">
+      <dgm:if name="Name4" axis="ch" ptType="node" func="cnt" op="lte" val="3">
+        <dgm:constrLst>
+          <dgm:constr type="h" for="ch" forName="compNode" refType="h" fact="0.3"/>
+          <dgm:constr type="w" for="ch" forName="compNode" refType="w"/>
+          <dgm:constr type="h" for="ch" forName="sibTrans" refType="h" refFor="ch" refForName="compNode" fact="0.25"/>
+          <dgm:constr type="primFontSz" for="des" forName="parTx" val="25"/>
+          <dgm:constr type="primFontSz" for="des" forName="desTx" refType="primFontSz" refFor="des" refForName="parTx" op="lte" fact="0.75"/>
+          <dgm:constr type="h" for="des" forName="compNode" op="equ"/>
+          <dgm:constr type="h" for="des" forName="bgRect" op="equ"/>
+          <dgm:constr type="h" for="des" forName="iconRect" op="equ"/>
+          <dgm:constr type="w" for="des" forName="iconRect" op="equ"/>
+          <dgm:constr type="h" for="des" forName="spaceRect" op="equ"/>
+          <dgm:constr type="h" for="des" forName="parTx" op="equ"/>
+          <dgm:constr type="h" for="des" forName="desTx" op="equ"/>
+        </dgm:constrLst>
+      </dgm:if>
+      <dgm:if name="Name5" axis="ch" ptType="node" func="cnt" op="lte" val="4">
+        <dgm:constrLst>
+          <dgm:constr type="h" for="ch" forName="compNode" refType="h" fact="0.3"/>
+          <dgm:constr type="w" for="ch" forName="compNode" refType="w"/>
+          <dgm:constr type="h" for="ch" forName="sibTrans" refType="h" refFor="ch" refForName="compNode" fact="0.25"/>
+          <dgm:constr type="primFontSz" for="des" forName="parTx" val="22"/>
+          <dgm:constr type="primFontSz" for="des" forName="desTx" refType="primFontSz" refFor="des" refForName="parTx" op="lte" fact="0.75"/>
+          <dgm:constr type="h" for="des" forName="compNode" op="equ"/>
+          <dgm:constr type="h" for="des" forName="bgRect" op="equ"/>
+          <dgm:constr type="h" for="des" forName="iconRect" op="equ"/>
+          <dgm:constr type="w" for="des" forName="iconRect" op="equ"/>
+          <dgm:constr type="h" for="des" forName="spaceRect" op="equ"/>
+          <dgm:constr type="h" for="des" forName="parTx" op="equ"/>
+          <dgm:constr type="h" for="des" forName="desTx" op="equ"/>
+        </dgm:constrLst>
+      </dgm:if>
+      <dgm:if name="Name6" axis="ch" ptType="node" func="cnt" op="lte" val="6">
+        <dgm:constrLst>
+          <dgm:constr type="h" for="ch" forName="compNode" refType="h" fact="0.3"/>
+          <dgm:constr type="w" for="ch" forName="compNode" refType="w"/>
+          <dgm:constr type="h" for="ch" forName="sibTrans" refType="h" refFor="ch" refForName="compNode" fact="0.25"/>
+          <dgm:constr type="primFontSz" for="des" forName="parTx" val="19"/>
+          <dgm:constr type="primFontSz" for="des" forName="desTx" refType="primFontSz" refFor="des" refForName="parTx" op="lte" fact="0.75"/>
+          <dgm:constr type="h" for="des" forName="compNode" op="equ"/>
+          <dgm:constr type="h" for="des" forName="bgRect" op="equ"/>
+          <dgm:constr type="h" for="des" forName="iconRect" op="equ"/>
+          <dgm:constr type="w" for="des" forName="iconRect" op="equ"/>
+          <dgm:constr type="h" for="des" forName="spaceRect" op="equ"/>
+          <dgm:constr type="h" for="des" forName="parTx" op="equ"/>
+          <dgm:constr type="h" for="des" forName="desTx" op="equ"/>
+        </dgm:constrLst>
+      </dgm:if>
+      <dgm:else name="Name7">
+        <dgm:constrLst>
+          <dgm:constr type="h" for="ch" forName="compNode" refType="h" fact="0.3"/>
+          <dgm:constr type="w" for="ch" forName="compNode" refType="w"/>
+          <dgm:constr type="h" for="ch" forName="sibTrans" refType="h" refFor="ch" refForName="compNode" fact="0.25"/>
+          <dgm:constr type="primFontSz" for="des" forName="parTx" val="16"/>
+          <dgm:constr type="primFontSz" for="des" forName="desTx" refType="primFontSz" refFor="des" refForName="parTx" op="lte" fact="0.75"/>
+          <dgm:constr type="h" for="des" forName="compNode" op="equ"/>
+          <dgm:constr type="h" for="des" forName="bgRect" op="equ"/>
+          <dgm:constr type="h" for="des" forName="iconRect" op="equ"/>
+          <dgm:constr type="w" for="des" forName="iconRect" op="equ"/>
+          <dgm:constr type="h" for="des" forName="spaceRect" op="equ"/>
+          <dgm:constr type="h" for="des" forName="parTx" op="equ"/>
+          <dgm:constr type="h" for="des" forName="desTx" op="equ"/>
+        </dgm:constrLst>
+      </dgm:else>
+    </dgm:choose>
+    <dgm:ruleLst>
+      <dgm:rule type="h" for="ch" forName="compNode" val="0" fact="NaN" max="NaN"/>
+    </dgm:ruleLst>
+    <dgm:forEach name="Name8" axis="ch" ptType="node">
+      <dgm:layoutNode name="compNode">
+        <dgm:alg type="composite"/>
+        <dgm:shape xmlns:r="http://schemas.openxmlformats.org/officeDocument/2006/relationships" r:blip="">
+          <dgm:adjLst/>
+        </dgm:shape>
+        <dgm:presOf axis="self"/>
+        <dgm:choose name="Name9">
+          <dgm:if name="Name10" axis="ch" ptType="node" func="cnt" op="gte" val="1">
+            <dgm:constrLst>
+              <dgm:constr type="w" for="ch" forName="bgRect" refType="w"/>
+              <dgm:constr type="h" for="ch" forName="bgRect" refType="h"/>
+              <dgm:constr type="l" for="ch" forName="bgRect"/>
+              <dgm:constr type="t" for="ch" forName="bgRect"/>
+              <dgm:constr type="h" for="ch" forName="iconRect" refType="h" fact="0.55"/>
+              <dgm:constr type="w" for="ch" forName="iconRect" refType="h" refFor="ch" refForName="iconRect"/>
+              <dgm:constr type="l" for="ch" forName="iconRect" refType="h" refFor="ch" refForName="iconRect" fact="0.55"/>
+              <dgm:constr type="ctrY" for="ch" forName="iconRect" refType="ctrY" refFor="ch" refForName="bgRect"/>
+              <dgm:constr type="w" for="ch" forName="spaceRect" refType="l" refFor="ch" refForName="iconRect"/>
+              <dgm:constr type="h" for="ch" forName="spaceRect" refType="h"/>
+              <dgm:constr type="l" for="ch" forName="spaceRect" refType="r" refFor="ch" refForName="iconRect"/>
+              <dgm:constr type="t" for="ch" forName="spaceRect"/>
+              <dgm:constr type="w" for="ch" forName="parTx" refType="w" fact="0.45"/>
+              <dgm:constr type="h" for="ch" forName="parTx" refType="h"/>
+              <dgm:constr type="l" for="ch" forName="parTx" refType="r" refFor="ch" refForName="spaceRect"/>
+              <dgm:constr type="t" for="ch" forName="parTx"/>
+              <dgm:constr type="h" for="ch" forName="desTx" refType="h"/>
+              <dgm:constr type="l" for="ch" forName="desTx" refType="r" refFor="ch" refForName="parTx"/>
+              <dgm:constr type="t" for="ch" forName="desTx"/>
+            </dgm:constrLst>
+          </dgm:if>
+          <dgm:else name="Name11">
+            <dgm:constrLst>
+              <dgm:constr type="w" for="ch" forName="bgRect" refType="w"/>
+              <dgm:constr type="h" for="ch" forName="bgRect" refType="h"/>
+              <dgm:constr type="l" for="ch" forName="bgRect"/>
+              <dgm:constr type="t" for="ch" forName="bgRect"/>
+              <dgm:constr type="h" for="ch" forName="iconRect" refType="h" fact="0.55"/>
+              <dgm:constr type="w" for="ch" forName="iconRect" refType="h" refFor="ch" refForName="iconRect"/>
+              <dgm:constr type="l" for="ch" forName="iconRect" refType="h" refFor="ch" refForName="iconRect" fact="0.55"/>
+              <dgm:constr type="ctrY" for="ch" forName="iconRect" refType="ctrY" refFor="ch" refForName="bgRect"/>
+              <dgm:constr type="w" for="ch" forName="spaceRect" refType="l" refFor="ch" refForName="iconRect"/>
+              <dgm:constr type="h" for="ch" forName="spaceRect" refType="h"/>
+              <dgm:constr type="l" for="ch" forName="spaceRect" refType="r" refFor="ch" refForName="iconRect"/>
+              <dgm:constr type="t" for="ch" forName="spaceRect"/>
+              <dgm:constr type="h" for="ch" forName="parTx" refType="h"/>
+              <dgm:constr type="l" for="ch" forName="parTx" refType="r" refFor="ch" refForName="spaceRect"/>
+              <dgm:constr type="t" for="ch" forName="parTx"/>
+            </dgm:constrLst>
+          </dgm:else>
+        </dgm:choose>
+        <dgm:ruleLst>
+          <dgm:rule type="h" val="INF" fact="NaN" max="NaN"/>
+        </dgm:ruleLst>
+        <dgm:layoutNode name="bgRect" styleLbl="bgShp">
+          <dgm:alg type="sp"/>
+          <dgm:shape xmlns:r="http://schemas.openxmlformats.org/officeDocument/2006/relationships" type="roundRect" r:blip="">
+            <dgm:adjLst>
+              <dgm:adj idx="1" val="0.1"/>
+            </dgm:adjLst>
+          </dgm:shape>
+          <dgm:presOf/>
+          <dgm:constrLst/>
+          <dgm:ruleLst/>
+        </dgm:layoutNode>
+        <dgm:layoutNode name="iconRect" styleLbl="node1">
+          <dgm:alg type="sp"/>
+          <dgm:shape xmlns:r="http://schemas.openxmlformats.org/officeDocument/2006/relationships" type="rect" r:blip="" blipPhldr="1">
+            <dgm:adjLst/>
+          </dgm:shape>
+          <dgm:presOf/>
+          <dgm:constrLst/>
+          <dgm:ruleLst/>
+        </dgm:layoutNode>
+        <dgm:layoutNode name="spaceRect">
+          <dgm:alg type="sp"/>
+          <dgm:shape xmlns:r="http://schemas.openxmlformats.org/officeDocument/2006/relationships" r:blip="">
+            <dgm:adjLst/>
+          </dgm:shape>
+          <dgm:presOf/>
+          <dgm:constrLst/>
+          <dgm:ruleLst/>
+        </dgm:layoutNode>
+        <dgm:layoutNode name="parTx" styleLbl="revTx">
+          <dgm:varLst>
+            <dgm:chMax val="0"/>
+            <dgm:chPref val="0"/>
+          </dgm:varLst>
+          <dgm:alg type="tx">
+            <dgm:param type="txAnchorVert" val="mid"/>
+            <dgm:param type="parTxLTRAlign" val="l"/>
+            <dgm:param type="shpTxLTRAlignCh" val="l"/>
+            <dgm:param type="parTxRTLAlign" val="r"/>
+            <dgm:param type="shpTxRTLAlignCh" val="r"/>
+          </dgm:alg>
+          <dgm:shape xmlns:r="http://schemas.openxmlformats.org/officeDocument/2006/relationships" type="rect" r:blip="">
+            <dgm:adjLst/>
+          </dgm:shape>
+          <dgm:presOf axis="self" ptType="node"/>
+          <dgm:constrLst>
+            <dgm:constr type="lMarg" refType="h" fact="0.3"/>
+            <dgm:constr type="rMarg" refType="h" fact="0.3"/>
+            <dgm:constr type="tMarg" refType="h" fact="0.3"/>
+            <dgm:constr type="bMarg" refType="h" fact="0.3"/>
+          </dgm:constrLst>
+          <dgm:ruleLst>
+            <dgm:rule type="primFontSz" val="14" fact="NaN" max="NaN"/>
+            <dgm:rule type="h" val="INF" fact="NaN" max="NaN"/>
+          </dgm:ruleLst>
+        </dgm:layoutNode>
+        <dgm:choose name="Name12">
+          <dgm:if name="Name13" axis="ch" ptType="node" func="cnt" op="gte" val="1">
+            <dgm:layoutNode name="desTx" styleLbl="revTx">
+              <dgm:varLst/>
+              <dgm:alg type="tx">
+                <dgm:param type="txAnchorVertCh" val="mid"/>
+                <dgm:param type="parTxLTRAlign" val="l"/>
+                <dgm:param type="shpTxLTRAlignCh" val="l"/>
+                <dgm:param type="parTxRTLAlign" val="r"/>
+                <dgm:param type="shpTxRTLAlignCh" val="r"/>
+                <dgm:param type="stBulletLvl" val="0"/>
+              </dgm:alg>
+              <dgm:shape xmlns:r="http://schemas.openxmlformats.org/officeDocument/2006/relationships" type="rect" r:blip="">
+                <dgm:adjLst/>
+              </dgm:shape>
+              <dgm:presOf axis="des" ptType="node"/>
+              <dgm:constrLst>
+                <dgm:constr type="primFontSz" val="18"/>
+                <dgm:constr type="secFontSz" refType="primFontSz"/>
+                <dgm:constr type="lMarg" refType="h" fact="0.3"/>
+                <dgm:constr type="rMarg" refType="h" fact="0.3"/>
+                <dgm:constr type="tMarg" refType="h" fact="0.3"/>
+                <dgm:constr type="bMarg" refType="h" fact="0.3"/>
+              </dgm:constrLst>
+              <dgm:ruleLst>
+                <dgm:rule type="primFontSz" val="11" fact="NaN" max="NaN"/>
+              </dgm:ruleLst>
+            </dgm:layoutNode>
+          </dgm:if>
+          <dgm:else name="Name14"/>
+        </dgm:choose>
+      </dgm:layoutNode>
+      <dgm:forEach name="Name15" axis="followSib" ptType="sibTrans" cnt="1">
+        <dgm:layoutNode name="sibTrans">
+          <dgm:alg type="sp"/>
+          <dgm:shape xmlns:r="http://schemas.openxmlformats.org/officeDocument/2006/relationships" r:blip="">
+            <dgm:adjLst/>
+          </dgm:shape>
+          <dgm:presOf axis="self"/>
+          <dgm:constrLst/>
+          <dgm:ruleLst/>
+        </dgm:layoutNode>
+      </dgm:forEach>
+    </dgm:forEach>
+  </dgm:layoutNode>
+  <dgm:extLst>
+    <a:ext uri="{68A01E43-0DF5-4B5B-8FA6-DAF915123BFB}">
+      <dgm1612:lstStyle xmlns:dgm1612="http://schemas.microsoft.com/office/drawing/2016/12/diagram">
+        <a:lvl1pPr>
+          <a:lnSpc>
+            <a:spcPct val="100000"/>
+          </a:lnSpc>
+        </a:lvl1pPr>
+        <a:lvl2pPr>
+          <a:lnSpc>
+            <a:spcPct val="100000"/>
+          </a:lnSpc>
+        </a:lvl2pPr>
+      </dgm1612:lstStyle>
+    </a:ext>
+  </dgm:extLst>
+</dgm:layoutDef>
+</file>
+
+<file path=ppt/diagrams/quickStyle1.xml><?xml version="1.0" encoding="utf-8"?>
+<dgm:styleDef xmlns:dgm="http://schemas.openxmlformats.org/drawingml/2006/diagram" xmlns:a="http://schemas.openxmlformats.org/drawingml/2006/main" uniqueId="urn:microsoft.com/office/officeart/2005/8/quickstyle/simple1">
+  <dgm:title val=""/>
+  <dgm:desc val=""/>
+  <dgm:catLst>
+    <dgm:cat type="simple" pri="10100"/>
+  </dgm:catLst>
+  <dgm:scene3d>
+    <a:camera prst="orthographicFront"/>
+    <a:lightRig rig="threePt" dir="t"/>
+  </dgm:scene3d>
+  <dgm:styleLbl name="node0">
+    <dgm:scene3d>
+      <a:camera prst="orthographicFront"/>
+      <a:lightRig rig="threePt" dir="t"/>
+    </dgm:scene3d>
+    <dgm:sp3d/>
+    <dgm:txPr/>
+    <dgm:style>
+      <a:lnRef idx="2">
+        <a:scrgbClr r="0" g="0" b="0"/>
+      </a:lnRef>
+      <a:fillRef idx="1">
+        <a:scrgbClr r="0" g="0" b="0"/>
+      </a:fillRef>
+      <a:effectRef idx="0">
+        <a:scrgbClr r="0" g="0" b="0"/>
+      </a:effectRef>
+      <a:fontRef idx="minor">
+        <a:schemeClr val="lt1"/>
+      </a:fontRef>
+    </dgm:style>
+  </dgm:styleLbl>
+  <dgm:styleLbl name="lnNode1">
+    <dgm:scene3d>
+      <a:camera prst="orthographicFront"/>
+      <a:lightRig rig="threePt" dir="t"/>
+    </dgm:scene3d>
+    <dgm:sp3d/>
+    <dgm:txPr/>
+    <dgm:style>
+      <a:lnRef idx="2">
+        <a:scrgbClr r="0" g="0" b="0"/>
+      </a:lnRef>
+      <a:fillRef idx="1">
+        <a:scrgbClr r="0" g="0" b="0"/>
+      </a:fillRef>
+      <a:effectRef idx="0">
+        <a:scrgbClr r="0" g="0" b="0"/>
+      </a:effectRef>
+      <a:fontRef idx="minor">
+        <a:schemeClr val="lt1"/>
+      </a:fontRef>
+    </dgm:style>
+  </dgm:styleLbl>
+  <dgm:styleLbl name="vennNode1">
+    <dgm:scene3d>
+      <a:camera prst="orthographicFront"/>
+      <a:lightRig rig="threePt" dir="t"/>
+    </dgm:scene3d>
+    <dgm:sp3d/>
+    <dgm:txPr/>
+    <dgm:style>
+      <a:lnRef idx="2">
+        <a:scrgbClr r="0" g="0" b="0"/>
+      </a:lnRef>
+      <a:fillRef idx="1">
+        <a:scrgbClr r="0" g="0" b="0"/>
+      </a:fillRef>
+      <a:effectRef idx="0">
+        <a:scrgbClr r="0" g="0" b="0"/>
+      </a:effectRef>
+      <a:fontRef idx="minor">
+        <a:schemeClr val="tx1"/>
+      </a:fontRef>
+    </dgm:style>
+  </dgm:styleLbl>
+  <dgm:styleLbl name="alignNode1">
+    <dgm:scene3d>
+      <a:camera prst="orthographicFront"/>
+      <a:lightRig rig="threePt" dir="t"/>
+    </dgm:scene3d>
+    <dgm:sp3d/>
+    <dgm:txPr/>
+    <dgm:style>
+      <a:lnRef idx="2">
+        <a:scrgbClr r="0" g="0" b="0"/>
+      </a:lnRef>
+      <a:fillRef idx="1">
+        <a:scrgbClr r="0" g="0" b="0"/>
+      </a:fillRef>
+      <a:effectRef idx="0">
+        <a:scrgbClr r="0" g="0" b="0"/>
+      </a:effectRef>
+      <a:fontRef idx="minor">
+        <a:schemeClr val="lt1"/>
+      </a:fontRef>
+    </dgm:style>
+  </dgm:styleLbl>
+  <dgm:styleLbl name="node1">
+    <dgm:scene3d>
+      <a:camera prst="orthographicFront"/>
+      <a:lightRig rig="threePt" dir="t"/>
+    </dgm:scene3d>
+    <dgm:sp3d/>
+    <dgm:txPr/>
+    <dgm:style>
+      <a:lnRef idx="2">
+        <a:scrgbClr r="0" g="0" b="0"/>
+      </a:lnRef>
+      <a:fillRef idx="1">
+        <a:scrgbClr r="0" g="0" b="0"/>
+      </a:fillRef>
+      <a:effectRef idx="0">
+        <a:scrgbClr r="0" g="0" b="0"/>
+      </a:effectRef>
+      <a:fontRef idx="minor">
+        <a:schemeClr val="lt1"/>
+      </a:fontRef>
+    </dgm:style>
+  </dgm:styleLbl>
+  <dgm:styleLbl name="node2">
+    <dgm:scene3d>
+      <a:camera prst="orthographicFront"/>
+      <a:lightRig rig="threePt" dir="t"/>
+    </dgm:scene3d>
+    <dgm:sp3d/>
+    <dgm:txPr/>
+    <dgm:style>
+      <a:lnRef idx="2">
+        <a:scrgbClr r="0" g="0" b="0"/>
+      </a:lnRef>
+      <a:fillRef idx="1">
+        <a:scrgbClr r="0" g="0" b="0"/>
+      </a:fillRef>
+      <a:effectRef idx="0">
+        <a:scrgbClr r="0" g="0" b="0"/>
+      </a:effectRef>
+      <a:fontRef idx="minor">
+        <a:schemeClr val="lt1"/>
+      </a:fontRef>
+    </dgm:style>
+  </dgm:styleLbl>
+  <dgm:styleLbl name="node3">
+    <dgm:scene3d>
+      <a:camera prst="orthographicFront"/>
+      <a:lightRig rig="threePt" dir="t"/>
+    </dgm:scene3d>
+    <dgm:sp3d/>
+    <dgm:txPr/>
+    <dgm:style>
+      <a:lnRef idx="2">
+        <a:scrgbClr r="0" g="0" b="0"/>
+      </a:lnRef>
+      <a:fillRef idx="1">
+        <a:scrgbClr r="0" g="0" b="0"/>
+      </a:fillRef>
+      <a:effectRef idx="0">
+        <a:scrgbClr r="0" g="0" b="0"/>
+      </a:effectRef>
+      <a:fontRef idx="minor">
+        <a:schemeClr val="lt1"/>
+      </a:fontRef>
+    </dgm:style>
+  </dgm:styleLbl>
+  <dgm:styleLbl name="node4">
+    <dgm:scene3d>
+      <a:camera prst="orthographicFront"/>
+      <a:lightRig rig="threePt" dir="t"/>
+    </dgm:scene3d>
+    <dgm:sp3d/>
+    <dgm:txPr/>
+    <dgm:style>
+      <a:lnRef idx="2">
+        <a:scrgbClr r="0" g="0" b="0"/>
+      </a:lnRef>
+      <a:fillRef idx="1">
+        <a:scrgbClr r="0" g="0" b="0"/>
+      </a:fillRef>
+      <a:effectRef idx="0">
+        <a:scrgbClr r="0" g="0" b="0"/>
+      </a:effectRef>
+      <a:fontRef idx="minor">
+        <a:schemeClr val="lt1"/>
+      </a:fontRef>
+    </dgm:style>
+  </dgm:styleLbl>
+  <dgm:styleLbl name="fgImgPlace1">
+    <dgm:scene3d>
+      <a:camera prst="orthographicFront"/>
+      <a:lightRig rig="threePt" dir="t"/>
+    </dgm:scene3d>
+    <dgm:sp3d/>
+    <dgm:txPr/>
+    <dgm:style>
+      <a:lnRef idx="2">
+        <a:scrgbClr r="0" g="0" b="0"/>
+      </a:lnRef>
+      <a:fillRef idx="1">
+        <a:scrgbClr r="0" g="0" b="0"/>
+      </a:fillRef>
+      <a:effectRef idx="0">
+        <a:scrgbClr r="0" g="0" b="0"/>
+      </a:effectRef>
+      <a:fontRef idx="minor"/>
+    </dgm:style>
+  </dgm:styleLbl>
+  <dgm:styleLbl name="alignImgPlace1">
+    <dgm:scene3d>
+      <a:camera prst="orthographicFront"/>
+      <a:lightRig rig="threePt" dir="t"/>
+    </dgm:scene3d>
+    <dgm:sp3d/>
+    <dgm:txPr/>
+    <dgm:style>
+      <a:lnRef idx="2">
+        <a:scrgbClr r="0" g="0" b="0"/>
+      </a:lnRef>
+      <a:fillRef idx="1">
+        <a:scrgbClr r="0" g="0" b="0"/>
+      </a:fillRef>
+      <a:effectRef idx="0">
+        <a:scrgbClr r="0" g="0" b="0"/>
+      </a:effectRef>
+      <a:fontRef idx="minor"/>
+    </dgm:style>
+  </dgm:styleLbl>
+  <dgm:styleLbl name="bgImgPlace1">
+    <dgm:scene3d>
+      <a:camera prst="orthographicFront"/>
+      <a:lightRig rig="threePt" dir="t"/>
+    </dgm:scene3d>
+    <dgm:sp3d/>
+    <dgm:txPr/>
+    <dgm:style>
+      <a:lnRef idx="2">
+        <a:scrgbClr r="0" g="0" b="0"/>
+      </a:lnRef>
+      <a:fillRef idx="1">
+        <a:scrgbClr r="0" g="0" b="0"/>
+      </a:fillRef>
+      <a:effectRef idx="0">
+        <a:scrgbClr r="0" g="0" b="0"/>
+      </a:effectRef>
+      <a:fontRef idx="minor"/>
+    </dgm:style>
+  </dgm:styleLbl>
+  <dgm:styleLbl name="sibTrans2D1">
+    <dgm:scene3d>
+      <a:camera prst="orthographicFront"/>
+      <a:lightRig rig="threePt" dir="t"/>
+    </dgm:scene3d>
+    <dgm:sp3d/>
+    <dgm:txPr/>
+    <dgm:style>
+      <a:lnRef idx="0">
+        <a:scrgbClr r="0" g="0" b="0"/>
+      </a:lnRef>
+      <a:fillRef idx="1">
+        <a:scrgbClr r="0" g="0" b="0"/>
+      </a:fillRef>
+      <a:effectRef idx="0">
+        <a:scrgbClr r="0" g="0" b="0"/>
+      </a:effectRef>
+      <a:fontRef idx="minor">
+        <a:schemeClr val="lt1"/>
+      </a:fontRef>
+    </dgm:style>
+  </dgm:styleLbl>
+  <dgm:styleLbl name="fgSibTrans2D1">
+    <dgm:scene3d>
+      <a:camera prst="orthographicFront"/>
+      <a:lightRig rig="threePt" dir="t"/>
+    </dgm:scene3d>
+    <dgm:sp3d/>
+    <dgm:txPr/>
+    <dgm:style>
+      <a:lnRef idx="0">
+        <a:scrgbClr r="0" g="0" b="0"/>
+      </a:lnRef>
+      <a:fillRef idx="1">
+        <a:scrgbClr r="0" g="0" b="0"/>
+      </a:fillRef>
+      <a:effectRef idx="0">
+        <a:scrgbClr r="0" g="0" b="0"/>
+      </a:effectRef>
+      <a:fontRef idx="minor">
+        <a:schemeClr val="lt1"/>
+      </a:fontRef>
+    </dgm:style>
+  </dgm:styleLbl>
+  <dgm:styleLbl name="bgSibTrans2D1">
+    <dgm:scene3d>
+      <a:camera prst="orthographicFront"/>
+      <a:lightRig rig="threePt" dir="t"/>
+    </dgm:scene3d>
+    <dgm:sp3d/>
+    <dgm:txPr/>
+    <dgm:style>
+      <a:lnRef idx="0">
+        <a:scrgbClr r="0" g="0" b="0"/>
+      </a:lnRef>
+      <a:fillRef idx="1">
+        <a:scrgbClr r="0" g="0" b="0"/>
+      </a:fillRef>
+      <a:effectRef idx="0">
+        <a:scrgbClr r="0" g="0" b="0"/>
+      </a:effectRef>
+      <a:fontRef idx="minor">
+        <a:schemeClr val="lt1"/>
+      </a:fontRef>
+    </dgm:style>
+  </dgm:styleLbl>
+  <dgm:styleLbl name="sibTrans1D1">
+    <dgm:scene3d>
+      <a:camera prst="orthographicFront"/>
+      <a:lightRig rig="threePt" dir="t"/>
+    </dgm:scene3d>
+    <dgm:sp3d/>
+    <dgm:txPr/>
+    <dgm:style>
+      <a:lnRef idx="1">
+        <a:scrgbClr r="0" g="0" b="0"/>
+      </a:lnRef>
+      <a:fillRef idx="0">
+        <a:scrgbClr r="0" g="0" b="0"/>
+      </a:fillRef>
+      <a:effectRef idx="0">
+        <a:scrgbClr r="0" g="0" b="0"/>
+      </a:effectRef>
+      <a:fontRef idx="minor"/>
+    </dgm:style>
+  </dgm:styleLbl>
+  <dgm:styleLbl name="callout">
+    <dgm:scene3d>
+      <a:camera prst="orthographicFront"/>
+      <a:lightRig rig="threePt" dir="t"/>
+    </dgm:scene3d>
+    <dgm:sp3d/>
+    <dgm:txPr/>
+    <dgm:style>
+      <a:lnRef idx="2">
+        <a:scrgbClr r="0" g="0" b="0"/>
+      </a:lnRef>
+      <a:fillRef idx="1">
+        <a:scrgbClr r="0" g="0" b="0"/>
+      </a:fillRef>
+      <a:effectRef idx="0">
+        <a:scrgbClr r="0" g="0" b="0"/>
+      </a:effectRef>
+      <a:fontRef idx="minor"/>
+    </dgm:style>
+  </dgm:styleLbl>
+  <dgm:styleLbl name="asst0">
+    <dgm:scene3d>
+      <a:camera prst="orthographicFront"/>
+      <a:lightRig rig="threePt" dir="t"/>
+    </dgm:scene3d>
+    <dgm:sp3d/>
+    <dgm:txPr/>
+    <dgm:style>
+      <a:lnRef idx="2">
+        <a:scrgbClr r="0" g="0" b="0"/>
+      </a:lnRef>
+      <a:fillRef idx="1">
+        <a:scrgbClr r="0" g="0" b="0"/>
+      </a:fillRef>
+      <a:effectRef idx="0">
+        <a:scrgbClr r="0" g="0" b="0"/>
+      </a:effectRef>
+      <a:fontRef idx="minor">
+        <a:schemeClr val="lt1"/>
+      </a:fontRef>
+    </dgm:style>
+  </dgm:styleLbl>
+  <dgm:styleLbl name="asst1">
+    <dgm:scene3d>
+      <a:camera prst="orthographicFront"/>
+      <a:lightRig rig="threePt" dir="t"/>
+    </dgm:scene3d>
+    <dgm:sp3d/>
+    <dgm:txPr/>
+    <dgm:style>
+      <a:lnRef idx="2">
+        <a:scrgbClr r="0" g="0" b="0"/>
+      </a:lnRef>
+      <a:fillRef idx="1">
+        <a:scrgbClr r="0" g="0" b="0"/>
+      </a:fillRef>
+      <a:effectRef idx="0">
+        <a:scrgbClr r="0" g="0" b="0"/>
+      </a:effectRef>
+      <a:fontRef idx="minor">
+        <a:schemeClr val="lt1"/>
+      </a:fontRef>
+    </dgm:style>
+  </dgm:styleLbl>
+  <dgm:styleLbl name="asst2">
+    <dgm:scene3d>
+      <a:camera prst="orthographicFront"/>
+      <a:lightRig rig="threePt" dir="t"/>
+    </dgm:scene3d>
+    <dgm:sp3d/>
+    <dgm:txPr/>
+    <dgm:style>
+      <a:lnRef idx="2">
+        <a:scrgbClr r="0" g="0" b="0"/>
+      </a:lnRef>
+      <a:fillRef idx="1">
+        <a:scrgbClr r="0" g="0" b="0"/>
+      </a:fillRef>
+      <a:effectRef idx="0">
+        <a:scrgbClr r="0" g="0" b="0"/>
+      </a:effectRef>
+      <a:fontRef idx="minor">
+        <a:schemeClr val="lt1"/>
+      </a:fontRef>
+    </dgm:style>
+  </dgm:styleLbl>
+  <dgm:styleLbl name="asst3">
+    <dgm:scene3d>
+      <a:camera prst="orthographicFront"/>
+      <a:lightRig rig="threePt" dir="t"/>
+    </dgm:scene3d>
+    <dgm:sp3d/>
+    <dgm:txPr/>
+    <dgm:style>
+      <a:lnRef idx="2">
+        <a:scrgbClr r="0" g="0" b="0"/>
+      </a:lnRef>
+      <a:fillRef idx="1">
+        <a:scrgbClr r="0" g="0" b="0"/>
+      </a:fillRef>
+      <a:effectRef idx="0">
+        <a:scrgbClr r="0" g="0" b="0"/>
+      </a:effectRef>
+      <a:fontRef idx="minor">
+        <a:schemeClr val="lt1"/>
+      </a:fontRef>
+    </dgm:style>
+  </dgm:styleLbl>
+  <dgm:styleLbl name="asst4">
+    <dgm:scene3d>
+      <a:camera prst="orthographicFront"/>
+      <a:lightRig rig="threePt" dir="t"/>
+    </dgm:scene3d>
+    <dgm:sp3d/>
+    <dgm:txPr/>
+    <dgm:style>
+      <a:lnRef idx="2">
+        <a:scrgbClr r="0" g="0" b="0"/>
+      </a:lnRef>
+      <a:fillRef idx="1">
+        <a:scrgbClr r="0" g="0" b="0"/>
+      </a:fillRef>
+      <a:effectRef idx="0">
+        <a:scrgbClr r="0" g="0" b="0"/>
+      </a:effectRef>
+      <a:fontRef idx="minor">
+        <a:schemeClr val="lt1"/>
+      </a:fontRef>
+    </dgm:style>
+  </dgm:styleLbl>
+  <dgm:styleLbl name="parChTrans2D1">
+    <dgm:scene3d>
+      <a:camera prst="orthographicFront"/>
+      <a:lightRig rig="threePt" dir="t"/>
+    </dgm:scene3d>
+    <dgm:sp3d/>
+    <dgm:txPr/>
+    <dgm:style>
+      <a:lnRef idx="2">
+        <a:scrgbClr r="0" g="0" b="0"/>
+      </a:lnRef>
+      <a:fillRef idx="1">
+        <a:scrgbClr r="0" g="0" b="0"/>
+      </a:fillRef>
+      <a:effectRef idx="0">
+        <a:scrgbClr r="0" g="0" b="0"/>
+      </a:effectRef>
+      <a:fontRef idx="minor">
+        <a:schemeClr val="lt1"/>
+      </a:fontRef>
+    </dgm:style>
+  </dgm:styleLbl>
+  <dgm:styleLbl name="parChTrans2D2">
+    <dgm:scene3d>
+      <a:camera prst="orthographicFront"/>
+      <a:lightRig rig="threePt" dir="t"/>
+    </dgm:scene3d>
+    <dgm:sp3d/>
+    <dgm:txPr/>
+    <dgm:style>
+      <a:lnRef idx="2">
+        <a:scrgbClr r="0" g="0" b="0"/>
+      </a:lnRef>
+      <a:fillRef idx="1">
+        <a:scrgbClr r="0" g="0" b="0"/>
+      </a:fillRef>
+      <a:effectRef idx="0">
+        <a:scrgbClr r="0" g="0" b="0"/>
+      </a:effectRef>
+      <a:fontRef idx="minor">
+        <a:schemeClr val="lt1"/>
+      </a:fontRef>
+    </dgm:style>
+  </dgm:styleLbl>
+  <dgm:styleLbl name="parChTrans2D3">
+    <dgm:scene3d>
+      <a:camera prst="orthographicFront"/>
+      <a:lightRig rig="threePt" dir="t"/>
+    </dgm:scene3d>
+    <dgm:sp3d/>
+    <dgm:txPr/>
+    <dgm:style>
+      <a:lnRef idx="2">
+        <a:scrgbClr r="0" g="0" b="0"/>
+      </a:lnRef>
+      <a:fillRef idx="1">
+        <a:scrgbClr r="0" g="0" b="0"/>
+      </a:fillRef>
+      <a:effectRef idx="0">
+        <a:scrgbClr r="0" g="0" b="0"/>
+      </a:effectRef>
+      <a:fontRef idx="minor">
+        <a:schemeClr val="lt1"/>
+      </a:fontRef>
+    </dgm:style>
+  </dgm:styleLbl>
+  <dgm:styleLbl name="parChTrans2D4">
+    <dgm:scene3d>
+      <a:camera prst="orthographicFront"/>
+      <a:lightRig rig="threePt" dir="t"/>
+    </dgm:scene3d>
+    <dgm:sp3d/>
+    <dgm:txPr/>
+    <dgm:style>
+      <a:lnRef idx="2">
+        <a:scrgbClr r="0" g="0" b="0"/>
+      </a:lnRef>
+      <a:fillRef idx="1">
+        <a:scrgbClr r="0" g="0" b="0"/>
+      </a:fillRef>
+      <a:effectRef idx="0">
+        <a:scrgbClr r="0" g="0" b="0"/>
+      </a:effectRef>
+      <a:fontRef idx="minor">
+        <a:schemeClr val="lt1"/>
+      </a:fontRef>
+    </dgm:style>
+  </dgm:styleLbl>
+  <dgm:styleLbl name="parChTrans1D1">
+    <dgm:scene3d>
+      <a:camera prst="orthographicFront"/>
+      <a:lightRig rig="threePt" dir="t"/>
+    </dgm:scene3d>
+    <dgm:sp3d/>
+    <dgm:txPr/>
+    <dgm:style>
+      <a:lnRef idx="2">
+        <a:scrgbClr r="0" g="0" b="0"/>
+      </a:lnRef>
+      <a:fillRef idx="0">
+        <a:scrgbClr r="0" g="0" b="0"/>
+      </a:fillRef>
+      <a:effectRef idx="0">
+        <a:scrgbClr r="0" g="0" b="0"/>
+      </a:effectRef>
+      <a:fontRef idx="minor"/>
+    </dgm:style>
+  </dgm:styleLbl>
+  <dgm:styleLbl name="parChTrans1D2">
+    <dgm:scene3d>
+      <a:camera prst="orthographicFront"/>
+      <a:lightRig rig="threePt" dir="t"/>
+    </dgm:scene3d>
+    <dgm:sp3d/>
+    <dgm:txPr/>
+    <dgm:style>
+      <a:lnRef idx="2">
+        <a:scrgbClr r="0" g="0" b="0"/>
+      </a:lnRef>
+      <a:fillRef idx="0">
+        <a:scrgbClr r="0" g="0" b="0"/>
+      </a:fillRef>
+      <a:effectRef idx="0">
+        <a:scrgbClr r="0" g="0" b="0"/>
+      </a:effectRef>
+      <a:fontRef idx="minor"/>
+    </dgm:style>
+  </dgm:styleLbl>
+  <dgm:styleLbl name="parChTrans1D3">
+    <dgm:scene3d>
+      <a:camera prst="orthographicFront"/>
+      <a:lightRig rig="threePt" dir="t"/>
+    </dgm:scene3d>
+    <dgm:sp3d/>
+    <dgm:txPr/>
+    <dgm:style>
+      <a:lnRef idx="2">
+        <a:scrgbClr r="0" g="0" b="0"/>
+      </a:lnRef>
+      <a:fillRef idx="0">
+        <a:scrgbClr r="0" g="0" b="0"/>
+      </a:fillRef>
+      <a:effectRef idx="0">
+        <a:scrgbClr r="0" g="0" b="0"/>
+      </a:effectRef>
+      <a:fontRef idx="minor"/>
+    </dgm:style>
+  </dgm:styleLbl>
+  <dgm:styleLbl name="parChTrans1D4">
+    <dgm:scene3d>
+      <a:camera prst="orthographicFront"/>
+      <a:lightRig rig="threePt" dir="t"/>
+    </dgm:scene3d>
+    <dgm:sp3d/>
+    <dgm:txPr/>
+    <dgm:style>
+      <a:lnRef idx="2">
+        <a:scrgbClr r="0" g="0" b="0"/>
+      </a:lnRef>
+      <a:fillRef idx="0">
+        <a:scrgbClr r="0" g="0" b="0"/>
+      </a:fillRef>
+      <a:effectRef idx="0">
+        <a:scrgbClr r="0" g="0" b="0"/>
+      </a:effectRef>
+      <a:fontRef idx="minor"/>
+    </dgm:style>
+  </dgm:styleLbl>
+  <dgm:styleLbl name="fgAcc1">
+    <dgm:scene3d>
+      <a:camera prst="orthographicFront"/>
+      <a:lightRig rig="threePt" dir="t"/>
+    </dgm:scene3d>
+    <dgm:sp3d/>
+    <dgm:txPr/>
+    <dgm:style>
+      <a:lnRef idx="2">
+        <a:scrgbClr r="0" g="0" b="0"/>
+      </a:lnRef>
+      <a:fillRef idx="1">
+        <a:scrgbClr r="0" g="0" b="0"/>
+      </a:fillRef>
+      <a:effectRef idx="0">
+        <a:scrgbClr r="0" g="0" b="0"/>
+      </a:effectRef>
+      <a:fontRef idx="minor"/>
+    </dgm:style>
+  </dgm:styleLbl>
+  <dgm:styleLbl name="conFgAcc1">
+    <dgm:scene3d>
+      <a:camera prst="orthographicFront"/>
+      <a:lightRig rig="threePt" dir="t"/>
+    </dgm:scene3d>
+    <dgm:sp3d/>
+    <dgm:txPr/>
+    <dgm:style>
+      <a:lnRef idx="2">
+        <a:scrgbClr r="0" g="0" b="0"/>
+      </a:lnRef>
+      <a:fillRef idx="1">
+        <a:scrgbClr r="0" g="0" b="0"/>
+      </a:fillRef>
+      <a:effectRef idx="0">
+        <a:scrgbClr r="0" g="0" b="0"/>
+      </a:effectRef>
+      <a:fontRef idx="minor"/>
+    </dgm:style>
+  </dgm:styleLbl>
+  <dgm:styleLbl name="alignAcc1">
+    <dgm:scene3d>
+      <a:camera prst="orthographicFront"/>
+      <a:lightRig rig="threePt" dir="t"/>
+    </dgm:scene3d>
+    <dgm:sp3d/>
+    <dgm:txPr/>
+    <dgm:style>
+      <a:lnRef idx="2">
+        <a:scrgbClr r="0" g="0" b="0"/>
+      </a:lnRef>
+      <a:fillRef idx="1">
+        <a:scrgbClr r="0" g="0" b="0"/>
+      </a:fillRef>
+      <a:effectRef idx="0">
+        <a:scrgbClr r="0" g="0" b="0"/>
+      </a:effectRef>
+      <a:fontRef idx="minor"/>
+    </dgm:style>
+  </dgm:styleLbl>
+  <dgm:styleLbl name="trAlignAcc1">
+    <dgm:scene3d>
+      <a:camera prst="orthographicFront"/>
+      <a:lightRig rig="threePt" dir="t"/>
+    </dgm:scene3d>
+    <dgm:sp3d/>
+    <dgm:txPr/>
+    <dgm:style>
+      <a:lnRef idx="1">
+        <a:scrgbClr r="0" g="0" b="0"/>
+      </a:lnRef>
+      <a:fillRef idx="1">
+        <a:scrgbClr r="0" g="0" b="0"/>
+      </a:fillRef>
+      <a:effectRef idx="0">
+        <a:scrgbClr r="0" g="0" b="0"/>
+      </a:effectRef>
+      <a:fontRef idx="minor"/>
+    </dgm:style>
+  </dgm:styleLbl>
+  <dgm:styleLbl name="bgAcc1">
+    <dgm:scene3d>
+      <a:camera prst="orthographicFront"/>
+      <a:lightRig rig="threePt" dir="t"/>
+    </dgm:scene3d>
+    <dgm:sp3d/>
+    <dgm:txPr/>
+    <dgm:style>
+      <a:lnRef idx="2">
+        <a:scrgbClr r="0" g="0" b="0"/>
+      </a:lnRef>
+      <a:fillRef idx="1">
+        <a:scrgbClr r="0" g="0" b="0"/>
+      </a:fillRef>
+      <a:effectRef idx="0">
+        <a:scrgbClr r="0" g="0" b="0"/>
+      </a:effectRef>
+      <a:fontRef idx="minor"/>
+    </dgm:style>
+  </dgm:styleLbl>
+  <dgm:styleLbl name="solidFgAcc1">
+    <dgm:scene3d>
+      <a:camera prst="orthographicFront"/>
+      <a:lightRig rig="threePt" dir="t"/>
+    </dgm:scene3d>
+    <dgm:sp3d/>
+    <dgm:txPr/>
+    <dgm:style>
+      <a:lnRef idx="2">
+        <a:scrgbClr r="0" g="0" b="0"/>
+      </a:lnRef>
+      <a:fillRef idx="1">
+        <a:scrgbClr r="0" g="0" b="0"/>
+      </a:fillRef>
+      <a:effectRef idx="0">
+        <a:scrgbClr r="0" g="0" b="0"/>
+      </a:effectRef>
+      <a:fontRef idx="minor"/>
+    </dgm:style>
+  </dgm:styleLbl>
+  <dgm:styleLbl name="solidAlignAcc1">
+    <dgm:scene3d>
+      <a:camera prst="orthographicFront"/>
+      <a:lightRig rig="threePt" dir="t"/>
+    </dgm:scene3d>
+    <dgm:sp3d/>
+    <dgm:txPr/>
+    <dgm:style>
+      <a:lnRef idx="2">
+        <a:scrgbClr r="0" g="0" b="0"/>
+      </a:lnRef>
+      <a:fillRef idx="1">
+        <a:scrgbClr r="0" g="0" b="0"/>
+      </a:fillRef>
+      <a:effectRef idx="0">
+        <a:scrgbClr r="0" g="0" b="0"/>
+      </a:effectRef>
+      <a:fontRef idx="minor"/>
+    </dgm:style>
+  </dgm:styleLbl>
+  <dgm:styleLbl name="solidBgAcc1">
+    <dgm:scene3d>
+      <a:camera prst="orthographicFront"/>
+      <a:lightRig rig="threePt" dir="t"/>
+    </dgm:scene3d>
+    <dgm:sp3d/>
+    <dgm:txPr/>
+    <dgm:style>
+      <a:lnRef idx="2">
+        <a:scrgbClr r="0" g="0" b="0"/>
+      </a:lnRef>
+      <a:fillRef idx="1">
+        <a:scrgbClr r="0" g="0" b="0"/>
+      </a:fillRef>
+      <a:effectRef idx="0">
+        <a:scrgbClr r="0" g="0" b="0"/>
+      </a:effectRef>
+      <a:fontRef idx="minor"/>
+    </dgm:style>
+  </dgm:styleLbl>
+  <dgm:styleLbl name="fgAccFollowNode1">
+    <dgm:scene3d>
+      <a:camera prst="orthographicFront"/>
+      <a:lightRig rig="threePt" dir="t"/>
+    </dgm:scene3d>
+    <dgm:sp3d/>
+    <dgm:txPr/>
+    <dgm:style>
+      <a:lnRef idx="2">
+        <a:scrgbClr r="0" g="0" b="0"/>
+      </a:lnRef>
+      <a:fillRef idx="1">
+        <a:scrgbClr r="0" g="0" b="0"/>
+      </a:fillRef>
+      <a:effectRef idx="0">
+        <a:scrgbClr r="0" g="0" b="0"/>
+      </a:effectRef>
+      <a:fontRef idx="minor"/>
+    </dgm:style>
+  </dgm:styleLbl>
+  <dgm:styleLbl name="alignAccFollowNode1">
+    <dgm:scene3d>
+      <a:camera prst="orthographicFront"/>
+      <a:lightRig rig="threePt" dir="t"/>
+    </dgm:scene3d>
+    <dgm:sp3d/>
+    <dgm:txPr/>
+    <dgm:style>
+      <a:lnRef idx="2">
+        <a:scrgbClr r="0" g="0" b="0"/>
+      </a:lnRef>
+      <a:fillRef idx="1">
+        <a:scrgbClr r="0" g="0" b="0"/>
+      </a:fillRef>
+      <a:effectRef idx="0">
+        <a:scrgbClr r="0" g="0" b="0"/>
+      </a:effectRef>
+      <a:fontRef idx="minor"/>
+    </dgm:style>
+  </dgm:styleLbl>
+  <dgm:styleLbl name="bgAccFollowNode1">
+    <dgm:scene3d>
+      <a:camera prst="orthographicFront"/>
+      <a:lightRig rig="threePt" dir="t"/>
+    </dgm:scene3d>
+    <dgm:sp3d/>
+    <dgm:txPr/>
+    <dgm:style>
+      <a:lnRef idx="2">
+        <a:scrgbClr r="0" g="0" b="0"/>
+      </a:lnRef>
+      <a:fillRef idx="1">
+        <a:scrgbClr r="0" g="0" b="0"/>
+      </a:fillRef>
+      <a:effectRef idx="0">
+        <a:scrgbClr r="0" g="0" b="0"/>
+      </a:effectRef>
+      <a:fontRef idx="minor"/>
+    </dgm:style>
+  </dgm:styleLbl>
+  <dgm:styleLbl name="fgAcc0">
+    <dgm:scene3d>
+      <a:camera prst="orthographicFront"/>
+      <a:lightRig rig="threePt" dir="t"/>
+    </dgm:scene3d>
+    <dgm:sp3d/>
+    <dgm:txPr/>
+    <dgm:style>
+      <a:lnRef idx="2">
+        <a:scrgbClr r="0" g="0" b="0"/>
+      </a:lnRef>
+      <a:fillRef idx="1">
+        <a:scrgbClr r="0" g="0" b="0"/>
+      </a:fillRef>
+      <a:effectRef idx="0">
+        <a:scrgbClr r="0" g="0" b="0"/>
+      </a:effectRef>
+      <a:fontRef idx="minor"/>
+    </dgm:style>
+  </dgm:styleLbl>
+  <dgm:styleLbl name="fgAcc2">
+    <dgm:scene3d>
+      <a:camera prst="orthographicFront"/>
+      <a:lightRig rig="threePt" dir="t"/>
+    </dgm:scene3d>
+    <dgm:sp3d/>
+    <dgm:txPr/>
+    <dgm:style>
+      <a:lnRef idx="2">
+        <a:scrgbClr r="0" g="0" b="0"/>
+      </a:lnRef>
+      <a:fillRef idx="1">
+        <a:scrgbClr r="0" g="0" b="0"/>
+      </a:fillRef>
+      <a:effectRef idx="0">
+        <a:scrgbClr r="0" g="0" b="0"/>
+      </a:effectRef>
+      <a:fontRef idx="minor"/>
+    </dgm:style>
+  </dgm:styleLbl>
+  <dgm:styleLbl name="fgAcc3">
+    <dgm:scene3d>
+      <a:camera prst="orthographicFront"/>
+      <a:lightRig rig="threePt" dir="t"/>
+    </dgm:scene3d>
+    <dgm:sp3d/>
+    <dgm:txPr/>
+    <dgm:style>
+      <a:lnRef idx="2">
+        <a:scrgbClr r="0" g="0" b="0"/>
+      </a:lnRef>
+      <a:fillRef idx="1">
+        <a:scrgbClr r="0" g="0" b="0"/>
+      </a:fillRef>
+      <a:effectRef idx="0">
+        <a:scrgbClr r="0" g="0" b="0"/>
+      </a:effectRef>
+      <a:fontRef idx="minor"/>
+    </dgm:style>
+  </dgm:styleLbl>
+  <dgm:styleLbl name="fgAcc4">
+    <dgm:scene3d>
+      <a:camera prst="orthographicFront"/>
+      <a:lightRig rig="threePt" dir="t"/>
+    </dgm:scene3d>
+    <dgm:sp3d/>
+    <dgm:txPr/>
+    <dgm:style>
+      <a:lnRef idx="2">
+        <a:scrgbClr r="0" g="0" b="0"/>
+      </a:lnRef>
+      <a:fillRef idx="1">
+        <a:scrgbClr r="0" g="0" b="0"/>
+      </a:fillRef>
+      <a:effectRef idx="0">
+        <a:scrgbClr r="0" g="0" b="0"/>
+      </a:effectRef>
+      <a:fontRef idx="minor"/>
+    </dgm:style>
+  </dgm:styleLbl>
+  <dgm:styleLbl name="bgShp">
+    <dgm:scene3d>
+      <a:camera prst="orthographicFront"/>
+      <a:lightRig rig="threePt" dir="t"/>
+    </dgm:scene3d>
+    <dgm:sp3d/>
+    <dgm:txPr/>
+    <dgm:style>
+      <a:lnRef idx="0">
+        <a:scrgbClr r="0" g="0" b="0"/>
+      </a:lnRef>
+      <a:fillRef idx="1">
+        <a:scrgbClr r="0" g="0" b="0"/>
+      </a:fillRef>
+      <a:effectRef idx="0">
+        <a:scrgbClr r="0" g="0" b="0"/>
+      </a:effectRef>
+      <a:fontRef idx="minor"/>
+    </dgm:style>
+  </dgm:styleLbl>
+  <dgm:styleLbl name="dkBgShp">
+    <dgm:scene3d>
+      <a:camera prst="orthographicFront"/>
+      <a:lightRig rig="threePt" dir="t"/>
+    </dgm:scene3d>
+    <dgm:sp3d/>
+    <dgm:txPr/>
+    <dgm:style>
+      <a:lnRef idx="0">
+        <a:scrgbClr r="0" g="0" b="0"/>
+      </a:lnRef>
+      <a:fillRef idx="1">
+        <a:scrgbClr r="0" g="0" b="0"/>
+      </a:fillRef>
+      <a:effectRef idx="0">
+        <a:scrgbClr r="0" g="0" b="0"/>
+      </a:effectRef>
+      <a:fontRef idx="minor"/>
+    </dgm:style>
+  </dgm:styleLbl>
+  <dgm:styleLbl name="trBgShp">
+    <dgm:scene3d>
+      <a:camera prst="orthographicFront"/>
+      <a:lightRig rig="threePt" dir="t"/>
+    </dgm:scene3d>
+    <dgm:sp3d/>
+    <dgm:txPr/>
+    <dgm:style>
+      <a:lnRef idx="0">
+        <a:scrgbClr r="0" g="0" b="0"/>
+      </a:lnRef>
+      <a:fillRef idx="1">
+        <a:scrgbClr r="0" g="0" b="0"/>
+      </a:fillRef>
+      <a:effectRef idx="0">
+        <a:scrgbClr r="0" g="0" b="0"/>
+      </a:effectRef>
+      <a:fontRef idx="minor"/>
+    </dgm:style>
+  </dgm:styleLbl>
+  <dgm:styleLbl name="fgShp">
+    <dgm:scene3d>
+      <a:camera prst="orthographicFront"/>
+      <a:lightRig rig="threePt" dir="t"/>
+    </dgm:scene3d>
+    <dgm:sp3d/>
+    <dgm:txPr/>
+    <dgm:style>
+      <a:lnRef idx="2">
+        <a:scrgbClr r="0" g="0" b="0"/>
+      </a:lnRef>
+      <a:fillRef idx="1">
+        <a:scrgbClr r="0" g="0" b="0"/>
+      </a:fillRef>
+      <a:effectRef idx="0">
+        <a:scrgbClr r="0" g="0" b="0"/>
+      </a:effectRef>
+      <a:fontRef idx="minor"/>
+    </dgm:style>
+  </dgm:styleLbl>
+  <dgm:styleLbl name="revTx">
+    <dgm:scene3d>
+      <a:camera prst="orthographicFront"/>
+      <a:lightRig rig="threePt" dir="t"/>
+    </dgm:scene3d>
+    <dgm:sp3d/>
+    <dgm:txPr/>
+    <dgm:style>
+      <a:lnRef idx="0">
+        <a:scrgbClr r="0" g="0" b="0"/>
+      </a:lnRef>
+      <a:fillRef idx="0">
+        <a:scrgbClr r="0" g="0" b="0"/>
+      </a:fillRef>
+      <a:effectRef idx="0">
+        <a:scrgbClr r="0" g="0" b="0"/>
+      </a:effectRef>
+      <a:fontRef idx="minor"/>
+    </dgm:style>
+  </dgm:styleLbl>
+</dgm:styleDef>
+</file>
+
+<file path=ppt/diagrams/quickStyle2.xml><?xml version="1.0" encoding="utf-8"?>
+<dgm:styleDef xmlns:dgm="http://schemas.openxmlformats.org/drawingml/2006/diagram" xmlns:a="http://schemas.openxmlformats.org/drawingml/2006/main" uniqueId="urn:microsoft.com/office/officeart/2005/8/quickstyle/simple1">
+  <dgm:title val=""/>
+  <dgm:desc val=""/>
+  <dgm:catLst>
+    <dgm:cat type="simple" pri="10100"/>
+  </dgm:catLst>
+  <dgm:scene3d>
+    <a:camera prst="orthographicFront"/>
+    <a:lightRig rig="threePt" dir="t"/>
+  </dgm:scene3d>
+  <dgm:styleLbl name="node0">
+    <dgm:scene3d>
+      <a:camera prst="orthographicFront"/>
+      <a:lightRig rig="threePt" dir="t"/>
+    </dgm:scene3d>
+    <dgm:sp3d/>
+    <dgm:txPr/>
+    <dgm:style>
+      <a:lnRef idx="2">
+        <a:scrgbClr r="0" g="0" b="0"/>
+      </a:lnRef>
+      <a:fillRef idx="1">
+        <a:scrgbClr r="0" g="0" b="0"/>
+      </a:fillRef>
+      <a:effectRef idx="0">
+        <a:scrgbClr r="0" g="0" b="0"/>
+      </a:effectRef>
+      <a:fontRef idx="minor">
+        <a:schemeClr val="lt1"/>
+      </a:fontRef>
+    </dgm:style>
+  </dgm:styleLbl>
+  <dgm:styleLbl name="lnNode1">
+    <dgm:scene3d>
+      <a:camera prst="orthographicFront"/>
+      <a:lightRig rig="threePt" dir="t"/>
+    </dgm:scene3d>
+    <dgm:sp3d/>
+    <dgm:txPr/>
+    <dgm:style>
+      <a:lnRef idx="2">
+        <a:scrgbClr r="0" g="0" b="0"/>
+      </a:lnRef>
+      <a:fillRef idx="1">
+        <a:scrgbClr r="0" g="0" b="0"/>
+      </a:fillRef>
+      <a:effectRef idx="0">
+        <a:scrgbClr r="0" g="0" b="0"/>
+      </a:effectRef>
+      <a:fontRef idx="minor">
+        <a:schemeClr val="lt1"/>
+      </a:fontRef>
+    </dgm:style>
+  </dgm:styleLbl>
+  <dgm:styleLbl name="vennNode1">
+    <dgm:scene3d>
+      <a:camera prst="orthographicFront"/>
+      <a:lightRig rig="threePt" dir="t"/>
+    </dgm:scene3d>
+    <dgm:sp3d/>
+    <dgm:txPr/>
+    <dgm:style>
+      <a:lnRef idx="2">
+        <a:scrgbClr r="0" g="0" b="0"/>
+      </a:lnRef>
+      <a:fillRef idx="1">
+        <a:scrgbClr r="0" g="0" b="0"/>
+      </a:fillRef>
+      <a:effectRef idx="0">
+        <a:scrgbClr r="0" g="0" b="0"/>
+      </a:effectRef>
+      <a:fontRef idx="minor">
+        <a:schemeClr val="tx1"/>
+      </a:fontRef>
+    </dgm:style>
+  </dgm:styleLbl>
+  <dgm:styleLbl name="alignNode1">
+    <dgm:scene3d>
+      <a:camera prst="orthographicFront"/>
+      <a:lightRig rig="threePt" dir="t"/>
+    </dgm:scene3d>
+    <dgm:sp3d/>
+    <dgm:txPr/>
+    <dgm:style>
+      <a:lnRef idx="2">
+        <a:scrgbClr r="0" g="0" b="0"/>
+      </a:lnRef>
+      <a:fillRef idx="1">
+        <a:scrgbClr r="0" g="0" b="0"/>
+      </a:fillRef>
+      <a:effectRef idx="0">
+        <a:scrgbClr r="0" g="0" b="0"/>
+      </a:effectRef>
+      <a:fontRef idx="minor">
+        <a:schemeClr val="lt1"/>
+      </a:fontRef>
+    </dgm:style>
+  </dgm:styleLbl>
+  <dgm:styleLbl name="node1">
+    <dgm:scene3d>
+      <a:camera prst="orthographicFront"/>
+      <a:lightRig rig="threePt" dir="t"/>
+    </dgm:scene3d>
+    <dgm:sp3d/>
+    <dgm:txPr/>
+    <dgm:style>
+      <a:lnRef idx="2">
+        <a:scrgbClr r="0" g="0" b="0"/>
+      </a:lnRef>
+      <a:fillRef idx="1">
+        <a:scrgbClr r="0" g="0" b="0"/>
+      </a:fillRef>
+      <a:effectRef idx="0">
+        <a:scrgbClr r="0" g="0" b="0"/>
+      </a:effectRef>
+      <a:fontRef idx="minor">
+        <a:schemeClr val="lt1"/>
+      </a:fontRef>
+    </dgm:style>
+  </dgm:styleLbl>
+  <dgm:styleLbl name="node2">
+    <dgm:scene3d>
+      <a:camera prst="orthographicFront"/>
+      <a:lightRig rig="threePt" dir="t"/>
+    </dgm:scene3d>
+    <dgm:sp3d/>
+    <dgm:txPr/>
+    <dgm:style>
+      <a:lnRef idx="2">
+        <a:scrgbClr r="0" g="0" b="0"/>
+      </a:lnRef>
+      <a:fillRef idx="1">
+        <a:scrgbClr r="0" g="0" b="0"/>
+      </a:fillRef>
+      <a:effectRef idx="0">
+        <a:scrgbClr r="0" g="0" b="0"/>
+      </a:effectRef>
+      <a:fontRef idx="minor">
+        <a:schemeClr val="lt1"/>
+      </a:fontRef>
+    </dgm:style>
+  </dgm:styleLbl>
+  <dgm:styleLbl name="node3">
+    <dgm:scene3d>
+      <a:camera prst="orthographicFront"/>
+      <a:lightRig rig="threePt" dir="t"/>
+    </dgm:scene3d>
+    <dgm:sp3d/>
+    <dgm:txPr/>
+    <dgm:style>
+      <a:lnRef idx="2">
+        <a:scrgbClr r="0" g="0" b="0"/>
+      </a:lnRef>
+      <a:fillRef idx="1">
+        <a:scrgbClr r="0" g="0" b="0"/>
+      </a:fillRef>
+      <a:effectRef idx="0">
+        <a:scrgbClr r="0" g="0" b="0"/>
+      </a:effectRef>
+      <a:fontRef idx="minor">
+        <a:schemeClr val="lt1"/>
+      </a:fontRef>
+    </dgm:style>
+  </dgm:styleLbl>
+  <dgm:styleLbl name="node4">
+    <dgm:scene3d>
+      <a:camera prst="orthographicFront"/>
+      <a:lightRig rig="threePt" dir="t"/>
+    </dgm:scene3d>
+    <dgm:sp3d/>
+    <dgm:txPr/>
+    <dgm:style>
+      <a:lnRef idx="2">
+        <a:scrgbClr r="0" g="0" b="0"/>
+      </a:lnRef>
+      <a:fillRef idx="1">
+        <a:scrgbClr r="0" g="0" b="0"/>
+      </a:fillRef>
+      <a:effectRef idx="0">
+        <a:scrgbClr r="0" g="0" b="0"/>
+      </a:effectRef>
+      <a:fontRef idx="minor">
+        <a:schemeClr val="lt1"/>
+      </a:fontRef>
+    </dgm:style>
+  </dgm:styleLbl>
+  <dgm:styleLbl name="fgImgPlace1">
+    <dgm:scene3d>
+      <a:camera prst="orthographicFront"/>
+      <a:lightRig rig="threePt" dir="t"/>
+    </dgm:scene3d>
+    <dgm:sp3d/>
+    <dgm:txPr/>
+    <dgm:style>
+      <a:lnRef idx="2">
+        <a:scrgbClr r="0" g="0" b="0"/>
+      </a:lnRef>
+      <a:fillRef idx="1">
+        <a:scrgbClr r="0" g="0" b="0"/>
+      </a:fillRef>
+      <a:effectRef idx="0">
+        <a:scrgbClr r="0" g="0" b="0"/>
+      </a:effectRef>
+      <a:fontRef idx="minor"/>
+    </dgm:style>
+  </dgm:styleLbl>
+  <dgm:styleLbl name="alignImgPlace1">
+    <dgm:scene3d>
+      <a:camera prst="orthographicFront"/>
+      <a:lightRig rig="threePt" dir="t"/>
+    </dgm:scene3d>
+    <dgm:sp3d/>
+    <dgm:txPr/>
+    <dgm:style>
+      <a:lnRef idx="2">
+        <a:scrgbClr r="0" g="0" b="0"/>
+      </a:lnRef>
+      <a:fillRef idx="1">
+        <a:scrgbClr r="0" g="0" b="0"/>
+      </a:fillRef>
+      <a:effectRef idx="0">
+        <a:scrgbClr r="0" g="0" b="0"/>
+      </a:effectRef>
+      <a:fontRef idx="minor"/>
+    </dgm:style>
+  </dgm:styleLbl>
+  <dgm:styleLbl name="bgImgPlace1">
+    <dgm:scene3d>
+      <a:camera prst="orthographicFront"/>
+      <a:lightRig rig="threePt" dir="t"/>
+    </dgm:scene3d>
+    <dgm:sp3d/>
+    <dgm:txPr/>
+    <dgm:style>
+      <a:lnRef idx="2">
+        <a:scrgbClr r="0" g="0" b="0"/>
+      </a:lnRef>
+      <a:fillRef idx="1">
+        <a:scrgbClr r="0" g="0" b="0"/>
+      </a:fillRef>
+      <a:effectRef idx="0">
+        <a:scrgbClr r="0" g="0" b="0"/>
+      </a:effectRef>
+      <a:fontRef idx="minor"/>
+    </dgm:style>
+  </dgm:styleLbl>
+  <dgm:styleLbl name="sibTrans2D1">
+    <dgm:scene3d>
+      <a:camera prst="orthographicFront"/>
+      <a:lightRig rig="threePt" dir="t"/>
+    </dgm:scene3d>
+    <dgm:sp3d/>
+    <dgm:txPr/>
+    <dgm:style>
+      <a:lnRef idx="0">
+        <a:scrgbClr r="0" g="0" b="0"/>
+      </a:lnRef>
+      <a:fillRef idx="1">
+        <a:scrgbClr r="0" g="0" b="0"/>
+      </a:fillRef>
+      <a:effectRef idx="0">
+        <a:scrgbClr r="0" g="0" b="0"/>
+      </a:effectRef>
+      <a:fontRef idx="minor">
+        <a:schemeClr val="lt1"/>
+      </a:fontRef>
+    </dgm:style>
+  </dgm:styleLbl>
+  <dgm:styleLbl name="fgSibTrans2D1">
+    <dgm:scene3d>
+      <a:camera prst="orthographicFront"/>
+      <a:lightRig rig="threePt" dir="t"/>
+    </dgm:scene3d>
+    <dgm:sp3d/>
+    <dgm:txPr/>
+    <dgm:style>
+      <a:lnRef idx="0">
+        <a:scrgbClr r="0" g="0" b="0"/>
+      </a:lnRef>
+      <a:fillRef idx="1">
+        <a:scrgbClr r="0" g="0" b="0"/>
+      </a:fillRef>
+      <a:effectRef idx="0">
+        <a:scrgbClr r="0" g="0" b="0"/>
+      </a:effectRef>
+      <a:fontRef idx="minor">
+        <a:schemeClr val="lt1"/>
+      </a:fontRef>
+    </dgm:style>
+  </dgm:styleLbl>
+  <dgm:styleLbl name="bgSibTrans2D1">
+    <dgm:scene3d>
+      <a:camera prst="orthographicFront"/>
+      <a:lightRig rig="threePt" dir="t"/>
+    </dgm:scene3d>
+    <dgm:sp3d/>
+    <dgm:txPr/>
+    <dgm:style>
+      <a:lnRef idx="0">
+        <a:scrgbClr r="0" g="0" b="0"/>
+      </a:lnRef>
+      <a:fillRef idx="1">
+        <a:scrgbClr r="0" g="0" b="0"/>
+      </a:fillRef>
+      <a:effectRef idx="0">
+        <a:scrgbClr r="0" g="0" b="0"/>
+      </a:effectRef>
+      <a:fontRef idx="minor">
+        <a:schemeClr val="lt1"/>
+      </a:fontRef>
+    </dgm:style>
+  </dgm:styleLbl>
+  <dgm:styleLbl name="sibTrans1D1">
+    <dgm:scene3d>
+      <a:camera prst="orthographicFront"/>
+      <a:lightRig rig="threePt" dir="t"/>
+    </dgm:scene3d>
+    <dgm:sp3d/>
+    <dgm:txPr/>
+    <dgm:style>
+      <a:lnRef idx="1">
+        <a:scrgbClr r="0" g="0" b="0"/>
+      </a:lnRef>
+      <a:fillRef idx="0">
+        <a:scrgbClr r="0" g="0" b="0"/>
+      </a:fillRef>
+      <a:effectRef idx="0">
+        <a:scrgbClr r="0" g="0" b="0"/>
+      </a:effectRef>
+      <a:fontRef idx="minor"/>
+    </dgm:style>
+  </dgm:styleLbl>
+  <dgm:styleLbl name="callout">
+    <dgm:scene3d>
+      <a:camera prst="orthographicFront"/>
+      <a:lightRig rig="threePt" dir="t"/>
+    </dgm:scene3d>
+    <dgm:sp3d/>
+    <dgm:txPr/>
+    <dgm:style>
+      <a:lnRef idx="2">
+        <a:scrgbClr r="0" g="0" b="0"/>
+      </a:lnRef>
+      <a:fillRef idx="1">
+        <a:scrgbClr r="0" g="0" b="0"/>
+      </a:fillRef>
+      <a:effectRef idx="0">
+        <a:scrgbClr r="0" g="0" b="0"/>
+      </a:effectRef>
+      <a:fontRef idx="minor"/>
+    </dgm:style>
+  </dgm:styleLbl>
+  <dgm:styleLbl name="asst0">
+    <dgm:scene3d>
+      <a:camera prst="orthographicFront"/>
+      <a:lightRig rig="threePt" dir="t"/>
+    </dgm:scene3d>
+    <dgm:sp3d/>
+    <dgm:txPr/>
+    <dgm:style>
+      <a:lnRef idx="2">
+        <a:scrgbClr r="0" g="0" b="0"/>
+      </a:lnRef>
+      <a:fillRef idx="1">
+        <a:scrgbClr r="0" g="0" b="0"/>
+      </a:fillRef>
+      <a:effectRef idx="0">
+        <a:scrgbClr r="0" g="0" b="0"/>
+      </a:effectRef>
+      <a:fontRef idx="minor">
+        <a:schemeClr val="lt1"/>
+      </a:fontRef>
+    </dgm:style>
+  </dgm:styleLbl>
+  <dgm:styleLbl name="asst1">
+    <dgm:scene3d>
+      <a:camera prst="orthographicFront"/>
+      <a:lightRig rig="threePt" dir="t"/>
+    </dgm:scene3d>
+    <dgm:sp3d/>
+    <dgm:txPr/>
+    <dgm:style>
+      <a:lnRef idx="2">
+        <a:scrgbClr r="0" g="0" b="0"/>
+      </a:lnRef>
+      <a:fillRef idx="1">
+        <a:scrgbClr r="0" g="0" b="0"/>
+      </a:fillRef>
+      <a:effectRef idx="0">
+        <a:scrgbClr r="0" g="0" b="0"/>
+      </a:effectRef>
+      <a:fontRef idx="minor">
+        <a:schemeClr val="lt1"/>
+      </a:fontRef>
+    </dgm:style>
+  </dgm:styleLbl>
+  <dgm:styleLbl name="asst2">
+    <dgm:scene3d>
+      <a:camera prst="orthographicFront"/>
+      <a:lightRig rig="threePt" dir="t"/>
+    </dgm:scene3d>
+    <dgm:sp3d/>
+    <dgm:txPr/>
+    <dgm:style>
+      <a:lnRef idx="2">
+        <a:scrgbClr r="0" g="0" b="0"/>
+      </a:lnRef>
+      <a:fillRef idx="1">
+        <a:scrgbClr r="0" g="0" b="0"/>
+      </a:fillRef>
+      <a:effectRef idx="0">
+        <a:scrgbClr r="0" g="0" b="0"/>
+      </a:effectRef>
+      <a:fontRef idx="minor">
+        <a:schemeClr val="lt1"/>
+      </a:fontRef>
+    </dgm:style>
+  </dgm:styleLbl>
+  <dgm:styleLbl name="asst3">
+    <dgm:scene3d>
+      <a:camera prst="orthographicFront"/>
+      <a:lightRig rig="threePt" dir="t"/>
+    </dgm:scene3d>
+    <dgm:sp3d/>
+    <dgm:txPr/>
+    <dgm:style>
+      <a:lnRef idx="2">
+        <a:scrgbClr r="0" g="0" b="0"/>
+      </a:lnRef>
+      <a:fillRef idx="1">
+        <a:scrgbClr r="0" g="0" b="0"/>
+      </a:fillRef>
+      <a:effectRef idx="0">
+        <a:scrgbClr r="0" g="0" b="0"/>
+      </a:effectRef>
+      <a:fontRef idx="minor">
+        <a:schemeClr val="lt1"/>
+      </a:fontRef>
+    </dgm:style>
+  </dgm:styleLbl>
+  <dgm:styleLbl name="asst4">
+    <dgm:scene3d>
+      <a:camera prst="orthographicFront"/>
+      <a:lightRig rig="threePt" dir="t"/>
+    </dgm:scene3d>
+    <dgm:sp3d/>
+    <dgm:txPr/>
+    <dgm:style>
+      <a:lnRef idx="2">
+        <a:scrgbClr r="0" g="0" b="0"/>
+      </a:lnRef>
+      <a:fillRef idx="1">
+        <a:scrgbClr r="0" g="0" b="0"/>
+      </a:fillRef>
+      <a:effectRef idx="0">
+        <a:scrgbClr r="0" g="0" b="0"/>
+      </a:effectRef>
+      <a:fontRef idx="minor">
+        <a:schemeClr val="lt1"/>
+      </a:fontRef>
+    </dgm:style>
+  </dgm:styleLbl>
+  <dgm:styleLbl name="parChTrans2D1">
+    <dgm:scene3d>
+      <a:camera prst="orthographicFront"/>
+      <a:lightRig rig="threePt" dir="t"/>
+    </dgm:scene3d>
+    <dgm:sp3d/>
+    <dgm:txPr/>
+    <dgm:style>
+      <a:lnRef idx="2">
+        <a:scrgbClr r="0" g="0" b="0"/>
+      </a:lnRef>
+      <a:fillRef idx="1">
+        <a:scrgbClr r="0" g="0" b="0"/>
+      </a:fillRef>
+      <a:effectRef idx="0">
+        <a:scrgbClr r="0" g="0" b="0"/>
+      </a:effectRef>
+      <a:fontRef idx="minor">
+        <a:schemeClr val="lt1"/>
+      </a:fontRef>
+    </dgm:style>
+  </dgm:styleLbl>
+  <dgm:styleLbl name="parChTrans2D2">
+    <dgm:scene3d>
+      <a:camera prst="orthographicFront"/>
+      <a:lightRig rig="threePt" dir="t"/>
+    </dgm:scene3d>
+    <dgm:sp3d/>
+    <dgm:txPr/>
+    <dgm:style>
+      <a:lnRef idx="2">
+        <a:scrgbClr r="0" g="0" b="0"/>
+      </a:lnRef>
+      <a:fillRef idx="1">
+        <a:scrgbClr r="0" g="0" b="0"/>
+      </a:fillRef>
+      <a:effectRef idx="0">
+        <a:scrgbClr r="0" g="0" b="0"/>
+      </a:effectRef>
+      <a:fontRef idx="minor">
+        <a:schemeClr val="lt1"/>
+      </a:fontRef>
+    </dgm:style>
+  </dgm:styleLbl>
+  <dgm:styleLbl name="parChTrans2D3">
+    <dgm:scene3d>
+      <a:camera prst="orthographicFront"/>
+      <a:lightRig rig="threePt" dir="t"/>
+    </dgm:scene3d>
+    <dgm:sp3d/>
+    <dgm:txPr/>
+    <dgm:style>
+      <a:lnRef idx="2">
+        <a:scrgbClr r="0" g="0" b="0"/>
+      </a:lnRef>
+      <a:fillRef idx="1">
+        <a:scrgbClr r="0" g="0" b="0"/>
+      </a:fillRef>
+      <a:effectRef idx="0">
+        <a:scrgbClr r="0" g="0" b="0"/>
+      </a:effectRef>
+      <a:fontRef idx="minor">
+        <a:schemeClr val="lt1"/>
+      </a:fontRef>
+    </dgm:style>
+  </dgm:styleLbl>
+  <dgm:styleLbl name="parChTrans2D4">
+    <dgm:scene3d>
+      <a:camera prst="orthographicFront"/>
+      <a:lightRig rig="threePt" dir="t"/>
+    </dgm:scene3d>
+    <dgm:sp3d/>
+    <dgm:txPr/>
+    <dgm:style>
+      <a:lnRef idx="2">
+        <a:scrgbClr r="0" g="0" b="0"/>
+      </a:lnRef>
+      <a:fillRef idx="1">
+        <a:scrgbClr r="0" g="0" b="0"/>
+      </a:fillRef>
+      <a:effectRef idx="0">
+        <a:scrgbClr r="0" g="0" b="0"/>
+      </a:effectRef>
+      <a:fontRef idx="minor">
+        <a:schemeClr val="lt1"/>
+      </a:fontRef>
+    </dgm:style>
+  </dgm:styleLbl>
+  <dgm:styleLbl name="parChTrans1D1">
+    <dgm:scene3d>
+      <a:camera prst="orthographicFront"/>
+      <a:lightRig rig="threePt" dir="t"/>
+    </dgm:scene3d>
+    <dgm:sp3d/>
+    <dgm:txPr/>
+    <dgm:style>
+      <a:lnRef idx="2">
+        <a:scrgbClr r="0" g="0" b="0"/>
+      </a:lnRef>
+      <a:fillRef idx="0">
+        <a:scrgbClr r="0" g="0" b="0"/>
+      </a:fillRef>
+      <a:effectRef idx="0">
+        <a:scrgbClr r="0" g="0" b="0"/>
+      </a:effectRef>
+      <a:fontRef idx="minor"/>
+    </dgm:style>
+  </dgm:styleLbl>
+  <dgm:styleLbl name="parChTrans1D2">
+    <dgm:scene3d>
+      <a:camera prst="orthographicFront"/>
+      <a:lightRig rig="threePt" dir="t"/>
+    </dgm:scene3d>
+    <dgm:sp3d/>
+    <dgm:txPr/>
+    <dgm:style>
+      <a:lnRef idx="2">
+        <a:scrgbClr r="0" g="0" b="0"/>
+      </a:lnRef>
+      <a:fillRef idx="0">
+        <a:scrgbClr r="0" g="0" b="0"/>
+      </a:fillRef>
+      <a:effectRef idx="0">
+        <a:scrgbClr r="0" g="0" b="0"/>
+      </a:effectRef>
+      <a:fontRef idx="minor"/>
+    </dgm:style>
+  </dgm:styleLbl>
+  <dgm:styleLbl name="parChTrans1D3">
+    <dgm:scene3d>
+      <a:camera prst="orthographicFront"/>
+      <a:lightRig rig="threePt" dir="t"/>
+    </dgm:scene3d>
+    <dgm:sp3d/>
+    <dgm:txPr/>
+    <dgm:style>
+      <a:lnRef idx="2">
+        <a:scrgbClr r="0" g="0" b="0"/>
+      </a:lnRef>
+      <a:fillRef idx="0">
+        <a:scrgbClr r="0" g="0" b="0"/>
+      </a:fillRef>
+      <a:effectRef idx="0">
+        <a:scrgbClr r="0" g="0" b="0"/>
+      </a:effectRef>
+      <a:fontRef idx="minor"/>
+    </dgm:style>
+  </dgm:styleLbl>
+  <dgm:styleLbl name="parChTrans1D4">
+    <dgm:scene3d>
+      <a:camera prst="orthographicFront"/>
+      <a:lightRig rig="threePt" dir="t"/>
+    </dgm:scene3d>
+    <dgm:sp3d/>
+    <dgm:txPr/>
+    <dgm:style>
+      <a:lnRef idx="2">
+        <a:scrgbClr r="0" g="0" b="0"/>
+      </a:lnRef>
+      <a:fillRef idx="0">
+        <a:scrgbClr r="0" g="0" b="0"/>
+      </a:fillRef>
+      <a:effectRef idx="0">
+        <a:scrgbClr r="0" g="0" b="0"/>
+      </a:effectRef>
+      <a:fontRef idx="minor"/>
+    </dgm:style>
+  </dgm:styleLbl>
+  <dgm:styleLbl name="fgAcc1">
+    <dgm:scene3d>
+      <a:camera prst="orthographicFront"/>
+      <a:lightRig rig="threePt" dir="t"/>
+    </dgm:scene3d>
+    <dgm:sp3d/>
+    <dgm:txPr/>
+    <dgm:style>
+      <a:lnRef idx="2">
+        <a:scrgbClr r="0" g="0" b="0"/>
+      </a:lnRef>
+      <a:fillRef idx="1">
+        <a:scrgbClr r="0" g="0" b="0"/>
+      </a:fillRef>
+      <a:effectRef idx="0">
+        <a:scrgbClr r="0" g="0" b="0"/>
+      </a:effectRef>
+      <a:fontRef idx="minor"/>
+    </dgm:style>
+  </dgm:styleLbl>
+  <dgm:styleLbl name="conFgAcc1">
+    <dgm:scene3d>
+      <a:camera prst="orthographicFront"/>
+      <a:lightRig rig="threePt" dir="t"/>
+    </dgm:scene3d>
+    <dgm:sp3d/>
+    <dgm:txPr/>
+    <dgm:style>
+      <a:lnRef idx="2">
+        <a:scrgbClr r="0" g="0" b="0"/>
+      </a:lnRef>
+      <a:fillRef idx="1">
+        <a:scrgbClr r="0" g="0" b="0"/>
+      </a:fillRef>
+      <a:effectRef idx="0">
+        <a:scrgbClr r="0" g="0" b="0"/>
+      </a:effectRef>
+      <a:fontRef idx="minor"/>
+    </dgm:style>
+  </dgm:styleLbl>
+  <dgm:styleLbl name="alignAcc1">
+    <dgm:scene3d>
+      <a:camera prst="orthographicFront"/>
+      <a:lightRig rig="threePt" dir="t"/>
+    </dgm:scene3d>
+    <dgm:sp3d/>
+    <dgm:txPr/>
+    <dgm:style>
+      <a:lnRef idx="2">
+        <a:scrgbClr r="0" g="0" b="0"/>
+      </a:lnRef>
+      <a:fillRef idx="1">
+        <a:scrgbClr r="0" g="0" b="0"/>
+      </a:fillRef>
+      <a:effectRef idx="0">
+        <a:scrgbClr r="0" g="0" b="0"/>
+      </a:effectRef>
+      <a:fontRef idx="minor"/>
+    </dgm:style>
+  </dgm:styleLbl>
+  <dgm:styleLbl name="trAlignAcc1">
+    <dgm:scene3d>
+      <a:camera prst="orthographicFront"/>
+      <a:lightRig rig="threePt" dir="t"/>
+    </dgm:scene3d>
+    <dgm:sp3d/>
+    <dgm:txPr/>
+    <dgm:style>
+      <a:lnRef idx="1">
+        <a:scrgbClr r="0" g="0" b="0"/>
+      </a:lnRef>
+      <a:fillRef idx="1">
+        <a:scrgbClr r="0" g="0" b="0"/>
+      </a:fillRef>
+      <a:effectRef idx="0">
+        <a:scrgbClr r="0" g="0" b="0"/>
+      </a:effectRef>
+      <a:fontRef idx="minor"/>
+    </dgm:style>
+  </dgm:styleLbl>
+  <dgm:styleLbl name="bgAcc1">
+    <dgm:scene3d>
+      <a:camera prst="orthographicFront"/>
+      <a:lightRig rig="threePt" dir="t"/>
+    </dgm:scene3d>
+    <dgm:sp3d/>
+    <dgm:txPr/>
+    <dgm:style>
+      <a:lnRef idx="2">
+        <a:scrgbClr r="0" g="0" b="0"/>
+      </a:lnRef>
+      <a:fillRef idx="1">
+        <a:scrgbClr r="0" g="0" b="0"/>
+      </a:fillRef>
+      <a:effectRef idx="0">
+        <a:scrgbClr r="0" g="0" b="0"/>
+      </a:effectRef>
+      <a:fontRef idx="minor"/>
+    </dgm:style>
+  </dgm:styleLbl>
+  <dgm:styleLbl name="solidFgAcc1">
+    <dgm:scene3d>
+      <a:camera prst="orthographicFront"/>
+      <a:lightRig rig="threePt" dir="t"/>
+    </dgm:scene3d>
+    <dgm:sp3d/>
+    <dgm:txPr/>
+    <dgm:style>
+      <a:lnRef idx="2">
+        <a:scrgbClr r="0" g="0" b="0"/>
+      </a:lnRef>
+      <a:fillRef idx="1">
+        <a:scrgbClr r="0" g="0" b="0"/>
+      </a:fillRef>
+      <a:effectRef idx="0">
+        <a:scrgbClr r="0" g="0" b="0"/>
+      </a:effectRef>
+      <a:fontRef idx="minor"/>
+    </dgm:style>
+  </dgm:styleLbl>
+  <dgm:styleLbl name="solidAlignAcc1">
+    <dgm:scene3d>
+      <a:camera prst="orthographicFront"/>
+      <a:lightRig rig="threePt" dir="t"/>
+    </dgm:scene3d>
+    <dgm:sp3d/>
+    <dgm:txPr/>
+    <dgm:style>
+      <a:lnRef idx="2">
+        <a:scrgbClr r="0" g="0" b="0"/>
+      </a:lnRef>
+      <a:fillRef idx="1">
+        <a:scrgbClr r="0" g="0" b="0"/>
+      </a:fillRef>
+      <a:effectRef idx="0">
+        <a:scrgbClr r="0" g="0" b="0"/>
+      </a:effectRef>
+      <a:fontRef idx="minor"/>
+    </dgm:style>
+  </dgm:styleLbl>
+  <dgm:styleLbl name="solidBgAcc1">
+    <dgm:scene3d>
+      <a:camera prst="orthographicFront"/>
+      <a:lightRig rig="threePt" dir="t"/>
+    </dgm:scene3d>
+    <dgm:sp3d/>
+    <dgm:txPr/>
+    <dgm:style>
+      <a:lnRef idx="2">
+        <a:scrgbClr r="0" g="0" b="0"/>
+      </a:lnRef>
+      <a:fillRef idx="1">
+        <a:scrgbClr r="0" g="0" b="0"/>
+      </a:fillRef>
+      <a:effectRef idx="0">
+        <a:scrgbClr r="0" g="0" b="0"/>
+      </a:effectRef>
+      <a:fontRef idx="minor"/>
+    </dgm:style>
+  </dgm:styleLbl>
+  <dgm:styleLbl name="fgAccFollowNode1">
+    <dgm:scene3d>
+      <a:camera prst="orthographicFront"/>
+      <a:lightRig rig="threePt" dir="t"/>
+    </dgm:scene3d>
+    <dgm:sp3d/>
+    <dgm:txPr/>
+    <dgm:style>
+      <a:lnRef idx="2">
+        <a:scrgbClr r="0" g="0" b="0"/>
+      </a:lnRef>
+      <a:fillRef idx="1">
+        <a:scrgbClr r="0" g="0" b="0"/>
+      </a:fillRef>
+      <a:effectRef idx="0">
+        <a:scrgbClr r="0" g="0" b="0"/>
+      </a:effectRef>
+      <a:fontRef idx="minor"/>
+    </dgm:style>
+  </dgm:styleLbl>
+  <dgm:styleLbl name="alignAccFollowNode1">
+    <dgm:scene3d>
+      <a:camera prst="orthographicFront"/>
+      <a:lightRig rig="threePt" dir="t"/>
+    </dgm:scene3d>
+    <dgm:sp3d/>
+    <dgm:txPr/>
+    <dgm:style>
+      <a:lnRef idx="2">
+        <a:scrgbClr r="0" g="0" b="0"/>
+      </a:lnRef>
+      <a:fillRef idx="1">
+        <a:scrgbClr r="0" g="0" b="0"/>
+      </a:fillRef>
+      <a:effectRef idx="0">
+        <a:scrgbClr r="0" g="0" b="0"/>
+      </a:effectRef>
+      <a:fontRef idx="minor"/>
+    </dgm:style>
+  </dgm:styleLbl>
+  <dgm:styleLbl name="bgAccFollowNode1">
+    <dgm:scene3d>
+      <a:camera prst="orthographicFront"/>
+      <a:lightRig rig="threePt" dir="t"/>
+    </dgm:scene3d>
+    <dgm:sp3d/>
+    <dgm:txPr/>
+    <dgm:style>
+      <a:lnRef idx="2">
+        <a:scrgbClr r="0" g="0" b="0"/>
+      </a:lnRef>
+      <a:fillRef idx="1">
+        <a:scrgbClr r="0" g="0" b="0"/>
+      </a:fillRef>
+      <a:effectRef idx="0">
+        <a:scrgbClr r="0" g="0" b="0"/>
+      </a:effectRef>
+      <a:fontRef idx="minor"/>
+    </dgm:style>
+  </dgm:styleLbl>
+  <dgm:styleLbl name="fgAcc0">
+    <dgm:scene3d>
+      <a:camera prst="orthographicFront"/>
+      <a:lightRig rig="threePt" dir="t"/>
+    </dgm:scene3d>
+    <dgm:sp3d/>
+    <dgm:txPr/>
+    <dgm:style>
+      <a:lnRef idx="2">
+        <a:scrgbClr r="0" g="0" b="0"/>
+      </a:lnRef>
+      <a:fillRef idx="1">
+        <a:scrgbClr r="0" g="0" b="0"/>
+      </a:fillRef>
+      <a:effectRef idx="0">
+        <a:scrgbClr r="0" g="0" b="0"/>
+      </a:effectRef>
+      <a:fontRef idx="minor"/>
+    </dgm:style>
+  </dgm:styleLbl>
+  <dgm:styleLbl name="fgAcc2">
+    <dgm:scene3d>
+      <a:camera prst="orthographicFront"/>
+      <a:lightRig rig="threePt" dir="t"/>
+    </dgm:scene3d>
+    <dgm:sp3d/>
+    <dgm:txPr/>
+    <dgm:style>
+      <a:lnRef idx="2">
+        <a:scrgbClr r="0" g="0" b="0"/>
+      </a:lnRef>
+      <a:fillRef idx="1">
+        <a:scrgbClr r="0" g="0" b="0"/>
+      </a:fillRef>
+      <a:effectRef idx="0">
+        <a:scrgbClr r="0" g="0" b="0"/>
+      </a:effectRef>
+      <a:fontRef idx="minor"/>
+    </dgm:style>
+  </dgm:styleLbl>
+  <dgm:styleLbl name="fgAcc3">
+    <dgm:scene3d>
+      <a:camera prst="orthographicFront"/>
+      <a:lightRig rig="threePt" dir="t"/>
+    </dgm:scene3d>
+    <dgm:sp3d/>
+    <dgm:txPr/>
+    <dgm:style>
+      <a:lnRef idx="2">
+        <a:scrgbClr r="0" g="0" b="0"/>
+      </a:lnRef>
+      <a:fillRef idx="1">
+        <a:scrgbClr r="0" g="0" b="0"/>
+      </a:fillRef>
+      <a:effectRef idx="0">
+        <a:scrgbClr r="0" g="0" b="0"/>
+      </a:effectRef>
+      <a:fontRef idx="minor"/>
+    </dgm:style>
+  </dgm:styleLbl>
+  <dgm:styleLbl name="fgAcc4">
+    <dgm:scene3d>
+      <a:camera prst="orthographicFront"/>
+      <a:lightRig rig="threePt" dir="t"/>
+    </dgm:scene3d>
+    <dgm:sp3d/>
+    <dgm:txPr/>
+    <dgm:style>
+      <a:lnRef idx="2">
+        <a:scrgbClr r="0" g="0" b="0"/>
+      </a:lnRef>
+      <a:fillRef idx="1">
+        <a:scrgbClr r="0" g="0" b="0"/>
+      </a:fillRef>
+      <a:effectRef idx="0">
+        <a:scrgbClr r="0" g="0" b="0"/>
+      </a:effectRef>
+      <a:fontRef idx="minor"/>
+    </dgm:style>
+  </dgm:styleLbl>
+  <dgm:styleLbl name="bgShp">
+    <dgm:scene3d>
+      <a:camera prst="orthographicFront"/>
+      <a:lightRig rig="threePt" dir="t"/>
+    </dgm:scene3d>
+    <dgm:sp3d/>
+    <dgm:txPr/>
+    <dgm:style>
+      <a:lnRef idx="0">
+        <a:scrgbClr r="0" g="0" b="0"/>
+      </a:lnRef>
+      <a:fillRef idx="1">
+        <a:scrgbClr r="0" g="0" b="0"/>
+      </a:fillRef>
+      <a:effectRef idx="0">
+        <a:scrgbClr r="0" g="0" b="0"/>
+      </a:effectRef>
+      <a:fontRef idx="minor"/>
+    </dgm:style>
+  </dgm:styleLbl>
+  <dgm:styleLbl name="dkBgShp">
+    <dgm:scene3d>
+      <a:camera prst="orthographicFront"/>
+      <a:lightRig rig="threePt" dir="t"/>
+    </dgm:scene3d>
+    <dgm:sp3d/>
+    <dgm:txPr/>
+    <dgm:style>
+      <a:lnRef idx="0">
+        <a:scrgbClr r="0" g="0" b="0"/>
+      </a:lnRef>
+      <a:fillRef idx="1">
+        <a:scrgbClr r="0" g="0" b="0"/>
+      </a:fillRef>
+      <a:effectRef idx="0">
+        <a:scrgbClr r="0" g="0" b="0"/>
+      </a:effectRef>
+      <a:fontRef idx="minor"/>
+    </dgm:style>
+  </dgm:styleLbl>
+  <dgm:styleLbl name="trBgShp">
+    <dgm:scene3d>
+      <a:camera prst="orthographicFront"/>
+      <a:lightRig rig="threePt" dir="t"/>
+    </dgm:scene3d>
+    <dgm:sp3d/>
+    <dgm:txPr/>
+    <dgm:style>
+      <a:lnRef idx="0">
+        <a:scrgbClr r="0" g="0" b="0"/>
+      </a:lnRef>
+      <a:fillRef idx="1">
+        <a:scrgbClr r="0" g="0" b="0"/>
+      </a:fillRef>
+      <a:effectRef idx="0">
+        <a:scrgbClr r="0" g="0" b="0"/>
+      </a:effectRef>
+      <a:fontRef idx="minor"/>
+    </dgm:style>
+  </dgm:styleLbl>
+  <dgm:styleLbl name="fgShp">
+    <dgm:scene3d>
+      <a:camera prst="orthographicFront"/>
+      <a:lightRig rig="threePt" dir="t"/>
+    </dgm:scene3d>
+    <dgm:sp3d/>
+    <dgm:txPr/>
+    <dgm:style>
+      <a:lnRef idx="2">
+        <a:scrgbClr r="0" g="0" b="0"/>
+      </a:lnRef>
+      <a:fillRef idx="1">
+        <a:scrgbClr r="0" g="0" b="0"/>
+      </a:fillRef>
+      <a:effectRef idx="0">
+        <a:scrgbClr r="0" g="0" b="0"/>
+      </a:effectRef>
+      <a:fontRef idx="minor"/>
+    </dgm:style>
+  </dgm:styleLbl>
+  <dgm:styleLbl name="revTx">
+    <dgm:scene3d>
+      <a:camera prst="orthographicFront"/>
+      <a:lightRig rig="threePt" dir="t"/>
+    </dgm:scene3d>
+    <dgm:sp3d/>
+    <dgm:txPr/>
+    <dgm:style>
+      <a:lnRef idx="0">
+        <a:scrgbClr r="0" g="0" b="0"/>
+      </a:lnRef>
+      <a:fillRef idx="0">
+        <a:scrgbClr r="0" g="0" b="0"/>
+      </a:fillRef>
+      <a:effectRef idx="0">
+        <a:scrgbClr r="0" g="0" b="0"/>
+      </a:effectRef>
+      <a:fontRef idx="minor"/>
+    </dgm:style>
+  </dgm:styleLbl>
+</dgm:styleDef>
 </file>
 
 <file path=ppt/slideLayouts/slideLayout1.xml><?xml version="1.0" encoding="utf-8"?>
@@ -263,7 +6876,7 @@
           <a:p>
             <a:fld id="{6597533E-A8BF-4159-8C5B-62ABD488D41B}" type="datetimeFigureOut">
               <a:rPr lang="en-US" smtClean="0"/>
-              <a:t>3/7/2023</a:t>
+              <a:t>3/11/2023</a:t>
             </a:fld>
             <a:endParaRPr lang="en-US"/>
           </a:p>
@@ -461,7 +7074,7 @@
           <a:p>
             <a:fld id="{6597533E-A8BF-4159-8C5B-62ABD488D41B}" type="datetimeFigureOut">
               <a:rPr lang="en-US" smtClean="0"/>
-              <a:t>3/7/2023</a:t>
+              <a:t>3/11/2023</a:t>
             </a:fld>
             <a:endParaRPr lang="en-US"/>
           </a:p>
@@ -669,7 +7282,7 @@
           <a:p>
             <a:fld id="{6597533E-A8BF-4159-8C5B-62ABD488D41B}" type="datetimeFigureOut">
               <a:rPr lang="en-US" smtClean="0"/>
-              <a:t>3/7/2023</a:t>
+              <a:t>3/11/2023</a:t>
             </a:fld>
             <a:endParaRPr lang="en-US"/>
           </a:p>
@@ -867,7 +7480,7 @@
           <a:p>
             <a:fld id="{6597533E-A8BF-4159-8C5B-62ABD488D41B}" type="datetimeFigureOut">
               <a:rPr lang="en-US" smtClean="0"/>
-              <a:t>3/7/2023</a:t>
+              <a:t>3/11/2023</a:t>
             </a:fld>
             <a:endParaRPr lang="en-US"/>
           </a:p>
@@ -1142,7 +7755,7 @@
           <a:p>
             <a:fld id="{6597533E-A8BF-4159-8C5B-62ABD488D41B}" type="datetimeFigureOut">
               <a:rPr lang="en-US" smtClean="0"/>
-              <a:t>3/7/2023</a:t>
+              <a:t>3/11/2023</a:t>
             </a:fld>
             <a:endParaRPr lang="en-US"/>
           </a:p>
@@ -1407,7 +8020,7 @@
           <a:p>
             <a:fld id="{6597533E-A8BF-4159-8C5B-62ABD488D41B}" type="datetimeFigureOut">
               <a:rPr lang="en-US" smtClean="0"/>
-              <a:t>3/7/2023</a:t>
+              <a:t>3/11/2023</a:t>
             </a:fld>
             <a:endParaRPr lang="en-US"/>
           </a:p>
@@ -1819,7 +8432,7 @@
           <a:p>
             <a:fld id="{6597533E-A8BF-4159-8C5B-62ABD488D41B}" type="datetimeFigureOut">
               <a:rPr lang="en-US" smtClean="0"/>
-              <a:t>3/7/2023</a:t>
+              <a:t>3/11/2023</a:t>
             </a:fld>
             <a:endParaRPr lang="en-US"/>
           </a:p>
@@ -1960,7 +8573,7 @@
           <a:p>
             <a:fld id="{6597533E-A8BF-4159-8C5B-62ABD488D41B}" type="datetimeFigureOut">
               <a:rPr lang="en-US" smtClean="0"/>
-              <a:t>3/7/2023</a:t>
+              <a:t>3/11/2023</a:t>
             </a:fld>
             <a:endParaRPr lang="en-US"/>
           </a:p>
@@ -2073,7 +8686,7 @@
           <a:p>
             <a:fld id="{6597533E-A8BF-4159-8C5B-62ABD488D41B}" type="datetimeFigureOut">
               <a:rPr lang="en-US" smtClean="0"/>
-              <a:t>3/7/2023</a:t>
+              <a:t>3/11/2023</a:t>
             </a:fld>
             <a:endParaRPr lang="en-US"/>
           </a:p>
@@ -2384,7 +8997,7 @@
           <a:p>
             <a:fld id="{6597533E-A8BF-4159-8C5B-62ABD488D41B}" type="datetimeFigureOut">
               <a:rPr lang="en-US" smtClean="0"/>
-              <a:t>3/7/2023</a:t>
+              <a:t>3/11/2023</a:t>
             </a:fld>
             <a:endParaRPr lang="en-US"/>
           </a:p>
@@ -2672,7 +9285,7 @@
           <a:p>
             <a:fld id="{6597533E-A8BF-4159-8C5B-62ABD488D41B}" type="datetimeFigureOut">
               <a:rPr lang="en-US" smtClean="0"/>
-              <a:t>3/7/2023</a:t>
+              <a:t>3/11/2023</a:t>
             </a:fld>
             <a:endParaRPr lang="en-US"/>
           </a:p>
@@ -2913,7 +9526,7 @@
           <a:p>
             <a:fld id="{6597533E-A8BF-4159-8C5B-62ABD488D41B}" type="datetimeFigureOut">
               <a:rPr lang="en-US" smtClean="0"/>
-              <a:t>3/7/2023</a:t>
+              <a:t>3/11/2023</a:t>
             </a:fld>
             <a:endParaRPr lang="en-US"/>
           </a:p>
@@ -3408,6 +10021,394 @@
 <file path=ppt/slides/slide10.xml><?xml version="1.0" encoding="utf-8"?>
 <p:sld xmlns:a="http://schemas.openxmlformats.org/drawingml/2006/main" xmlns:r="http://schemas.openxmlformats.org/officeDocument/2006/relationships" xmlns:p="http://schemas.openxmlformats.org/presentationml/2006/main">
   <p:cSld>
+    <p:bg>
+      <p:bgPr>
+        <a:solidFill>
+          <a:schemeClr val="bg1"/>
+        </a:solidFill>
+        <a:effectLst/>
+      </p:bgPr>
+    </p:bg>
+    <p:spTree>
+      <p:nvGrpSpPr>
+        <p:cNvPr id="1" name=""/>
+        <p:cNvGrpSpPr/>
+        <p:nvPr/>
+      </p:nvGrpSpPr>
+      <p:grpSpPr>
+        <a:xfrm>
+          <a:off x="0" y="0"/>
+          <a:ext cx="0" cy="0"/>
+          <a:chOff x="0" y="0"/>
+          <a:chExt cx="0" cy="0"/>
+        </a:xfrm>
+      </p:grpSpPr>
+      <p:sp useBgFill="1">
+        <p:nvSpPr>
+          <p:cNvPr id="8" name="Rectangle 7">
+            <a:extLst>
+              <a:ext uri="{FF2B5EF4-FFF2-40B4-BE49-F238E27FC236}">
+                <a16:creationId xmlns:a16="http://schemas.microsoft.com/office/drawing/2014/main" id="{1BB867FF-FC45-48F7-8104-F89BE54909F1}"/>
+              </a:ext>
+              <a:ext uri="{C183D7F6-B498-43B3-948B-1728B52AA6E4}">
+                <adec:decorative xmlns:adec="http://schemas.microsoft.com/office/drawing/2017/decorative" val="1"/>
+              </a:ext>
+            </a:extLst>
+          </p:cNvPr>
+          <p:cNvSpPr>
+            <a:spLocks noGrp="1" noRot="1" noChangeAspect="1" noMove="1" noResize="1" noEditPoints="1" noAdjustHandles="1" noChangeArrowheads="1" noChangeShapeType="1" noTextEdit="1"/>
+          </p:cNvSpPr>
+          <p:nvPr>
+            <p:extLst>
+              <p:ext uri="{386F3935-93C4-4BCD-93E2-E3B085C9AB24}">
+                <p16:designElem xmlns:p16="http://schemas.microsoft.com/office/powerpoint/2015/main" val="1"/>
+              </p:ext>
+            </p:extLst>
+          </p:nvPr>
+        </p:nvSpPr>
+        <p:spPr>
+          <a:xfrm>
+            <a:off x="3048" y="0"/>
+            <a:ext cx="12188952" cy="6858000"/>
+          </a:xfrm>
+          <a:prstGeom prst="rect">
+            <a:avLst/>
+          </a:prstGeom>
+          <a:ln>
+            <a:noFill/>
+          </a:ln>
+        </p:spPr>
+        <p:style>
+          <a:lnRef idx="2">
+            <a:schemeClr val="accent1">
+              <a:shade val="50000"/>
+            </a:schemeClr>
+          </a:lnRef>
+          <a:fillRef idx="1">
+            <a:schemeClr val="accent1"/>
+          </a:fillRef>
+          <a:effectRef idx="0">
+            <a:schemeClr val="accent1"/>
+          </a:effectRef>
+          <a:fontRef idx="minor">
+            <a:schemeClr val="lt1"/>
+          </a:fontRef>
+        </p:style>
+        <p:txBody>
+          <a:bodyPr rtlCol="0" anchor="ctr"/>
+          <a:lstStyle/>
+          <a:p>
+            <a:pPr algn="ctr"/>
+            <a:endParaRPr lang="en-US"/>
+          </a:p>
+        </p:txBody>
+      </p:sp>
+      <p:sp>
+        <p:nvSpPr>
+          <p:cNvPr id="10" name="Freeform: Shape 9">
+            <a:extLst>
+              <a:ext uri="{FF2B5EF4-FFF2-40B4-BE49-F238E27FC236}">
+                <a16:creationId xmlns:a16="http://schemas.microsoft.com/office/drawing/2014/main" id="{8BB56887-D0D5-4F0C-9E19-7247EB83C8B7}"/>
+              </a:ext>
+              <a:ext uri="{C183D7F6-B498-43B3-948B-1728B52AA6E4}">
+                <adec:decorative xmlns:adec="http://schemas.microsoft.com/office/drawing/2017/decorative" val="1"/>
+              </a:ext>
+            </a:extLst>
+          </p:cNvPr>
+          <p:cNvSpPr>
+            <a:spLocks noGrp="1" noRot="1" noChangeAspect="1" noMove="1" noResize="1" noEditPoints="1" noAdjustHandles="1" noChangeArrowheads="1" noChangeShapeType="1" noTextEdit="1"/>
+          </p:cNvSpPr>
+          <p:nvPr>
+            <p:extLst>
+              <p:ext uri="{386F3935-93C4-4BCD-93E2-E3B085C9AB24}">
+                <p16:designElem xmlns:p16="http://schemas.microsoft.com/office/powerpoint/2015/main" val="1"/>
+              </p:ext>
+            </p:extLst>
+          </p:nvPr>
+        </p:nvSpPr>
+        <p:spPr>
+          <a:xfrm>
+            <a:off x="10208695" y="1"/>
+            <a:ext cx="1135066" cy="477997"/>
+          </a:xfrm>
+          <a:custGeom>
+            <a:avLst/>
+            <a:gdLst>
+              <a:gd name="connsiteX0" fmla="*/ 0 w 1135066"/>
+              <a:gd name="connsiteY0" fmla="*/ 0 h 477997"/>
+              <a:gd name="connsiteX1" fmla="*/ 1135066 w 1135066"/>
+              <a:gd name="connsiteY1" fmla="*/ 0 h 477997"/>
+              <a:gd name="connsiteX2" fmla="*/ 1133370 w 1135066"/>
+              <a:gd name="connsiteY2" fmla="*/ 16827 h 477997"/>
+              <a:gd name="connsiteX3" fmla="*/ 567533 w 1135066"/>
+              <a:gd name="connsiteY3" fmla="*/ 477997 h 477997"/>
+              <a:gd name="connsiteX4" fmla="*/ 1696 w 1135066"/>
+              <a:gd name="connsiteY4" fmla="*/ 16827 h 477997"/>
+            </a:gdLst>
+            <a:ahLst/>
+            <a:cxnLst>
+              <a:cxn ang="0">
+                <a:pos x="connsiteX0" y="connsiteY0"/>
+              </a:cxn>
+              <a:cxn ang="0">
+                <a:pos x="connsiteX1" y="connsiteY1"/>
+              </a:cxn>
+              <a:cxn ang="0">
+                <a:pos x="connsiteX2" y="connsiteY2"/>
+              </a:cxn>
+              <a:cxn ang="0">
+                <a:pos x="connsiteX3" y="connsiteY3"/>
+              </a:cxn>
+              <a:cxn ang="0">
+                <a:pos x="connsiteX4" y="connsiteY4"/>
+              </a:cxn>
+            </a:cxnLst>
+            <a:rect l="l" t="t" r="r" b="b"/>
+            <a:pathLst>
+              <a:path w="1135066" h="477997">
+                <a:moveTo>
+                  <a:pt x="0" y="0"/>
+                </a:moveTo>
+                <a:lnTo>
+                  <a:pt x="1135066" y="0"/>
+                </a:lnTo>
+                <a:lnTo>
+                  <a:pt x="1133370" y="16827"/>
+                </a:lnTo>
+                <a:cubicBezTo>
+                  <a:pt x="1079514" y="280016"/>
+                  <a:pt x="846644" y="477997"/>
+                  <a:pt x="567533" y="477997"/>
+                </a:cubicBezTo>
+                <a:cubicBezTo>
+                  <a:pt x="288422" y="477997"/>
+                  <a:pt x="55552" y="280016"/>
+                  <a:pt x="1696" y="16827"/>
+                </a:cubicBezTo>
+                <a:close/>
+              </a:path>
+            </a:pathLst>
+          </a:custGeom>
+          <a:solidFill>
+            <a:schemeClr val="accent4"/>
+          </a:solidFill>
+          <a:ln>
+            <a:noFill/>
+          </a:ln>
+        </p:spPr>
+        <p:style>
+          <a:lnRef idx="2">
+            <a:schemeClr val="accent1">
+              <a:shade val="50000"/>
+            </a:schemeClr>
+          </a:lnRef>
+          <a:fillRef idx="1">
+            <a:schemeClr val="accent1"/>
+          </a:fillRef>
+          <a:effectRef idx="0">
+            <a:schemeClr val="accent1"/>
+          </a:effectRef>
+          <a:fontRef idx="minor">
+            <a:schemeClr val="lt1"/>
+          </a:fontRef>
+        </p:style>
+        <p:txBody>
+          <a:bodyPr wrap="square" rtlCol="0" anchor="ctr">
+            <a:noAutofit/>
+          </a:bodyPr>
+          <a:lstStyle/>
+          <a:p>
+            <a:pPr algn="ctr"/>
+            <a:endParaRPr lang="en-US"/>
+          </a:p>
+        </p:txBody>
+      </p:sp>
+      <p:sp>
+        <p:nvSpPr>
+          <p:cNvPr id="2" name="Title 1">
+            <a:extLst>
+              <a:ext uri="{FF2B5EF4-FFF2-40B4-BE49-F238E27FC236}">
+                <a16:creationId xmlns:a16="http://schemas.microsoft.com/office/drawing/2014/main" id="{80D4D1A4-31AC-A6B3-E88A-B6CFD3F9A571}"/>
+              </a:ext>
+            </a:extLst>
+          </p:cNvPr>
+          <p:cNvSpPr>
+            <a:spLocks noGrp="1"/>
+          </p:cNvSpPr>
+          <p:nvPr>
+            <p:ph type="title"/>
+          </p:nvPr>
+        </p:nvSpPr>
+        <p:spPr>
+          <a:xfrm>
+            <a:off x="838200" y="365125"/>
+            <a:ext cx="10515600" cy="1325563"/>
+          </a:xfrm>
+        </p:spPr>
+        <p:txBody>
+          <a:bodyPr>
+            <a:normAutofit/>
+          </a:bodyPr>
+          <a:lstStyle/>
+          <a:p>
+            <a:r>
+              <a:rPr lang="en-US" dirty="0"/>
+              <a:t>Lessons Learned</a:t>
+            </a:r>
+          </a:p>
+        </p:txBody>
+      </p:sp>
+      <p:sp>
+        <p:nvSpPr>
+          <p:cNvPr id="12" name="Arc 11">
+            <a:extLst>
+              <a:ext uri="{FF2B5EF4-FFF2-40B4-BE49-F238E27FC236}">
+                <a16:creationId xmlns:a16="http://schemas.microsoft.com/office/drawing/2014/main" id="{081E4A58-353D-44AE-B2FC-2A74E2E400F7}"/>
+              </a:ext>
+              <a:ext uri="{C183D7F6-B498-43B3-948B-1728B52AA6E4}">
+                <adec:decorative xmlns:adec="http://schemas.microsoft.com/office/drawing/2017/decorative" val="1"/>
+              </a:ext>
+            </a:extLst>
+          </p:cNvPr>
+          <p:cNvSpPr>
+            <a:spLocks noGrp="1" noRot="1" noChangeAspect="1" noMove="1" noResize="1" noEditPoints="1" noAdjustHandles="1" noChangeArrowheads="1" noChangeShapeType="1" noTextEdit="1"/>
+          </p:cNvSpPr>
+          <p:nvPr>
+            <p:extLst>
+              <p:ext uri="{386F3935-93C4-4BCD-93E2-E3B085C9AB24}">
+                <p16:designElem xmlns:p16="http://schemas.microsoft.com/office/powerpoint/2015/main" val="1"/>
+              </p:ext>
+            </p:extLst>
+          </p:nvPr>
+        </p:nvSpPr>
+        <p:spPr>
+          <a:xfrm rot="5400000" flipV="1">
+            <a:off x="555710" y="2183223"/>
+            <a:ext cx="4083433" cy="4083433"/>
+          </a:xfrm>
+          <a:prstGeom prst="arc">
+            <a:avLst/>
+          </a:prstGeom>
+          <a:ln w="127000" cap="rnd">
+            <a:solidFill>
+              <a:schemeClr val="accent4"/>
+            </a:solidFill>
+            <a:prstDash val="dash"/>
+          </a:ln>
+        </p:spPr>
+        <p:style>
+          <a:lnRef idx="1">
+            <a:schemeClr val="accent1"/>
+          </a:lnRef>
+          <a:fillRef idx="0">
+            <a:schemeClr val="accent1"/>
+          </a:fillRef>
+          <a:effectRef idx="0">
+            <a:schemeClr val="accent1"/>
+          </a:effectRef>
+          <a:fontRef idx="minor">
+            <a:schemeClr val="tx1"/>
+          </a:fontRef>
+        </p:style>
+        <p:txBody>
+          <a:bodyPr rtlCol="0" anchor="ctr"/>
+          <a:lstStyle/>
+          <a:p>
+            <a:pPr algn="ctr"/>
+            <a:endParaRPr lang="en-US" dirty="0"/>
+          </a:p>
+        </p:txBody>
+      </p:sp>
+      <p:sp>
+        <p:nvSpPr>
+          <p:cNvPr id="3" name="Content Placeholder 2">
+            <a:extLst>
+              <a:ext uri="{FF2B5EF4-FFF2-40B4-BE49-F238E27FC236}">
+                <a16:creationId xmlns:a16="http://schemas.microsoft.com/office/drawing/2014/main" id="{0D3ACFC9-4185-0AA2-415B-96C3C8E8C4C2}"/>
+              </a:ext>
+            </a:extLst>
+          </p:cNvPr>
+          <p:cNvSpPr>
+            <a:spLocks noGrp="1"/>
+          </p:cNvSpPr>
+          <p:nvPr>
+            <p:ph idx="1"/>
+          </p:nvPr>
+        </p:nvSpPr>
+        <p:spPr>
+          <a:xfrm>
+            <a:off x="838200" y="1825625"/>
+            <a:ext cx="10515600" cy="4351338"/>
+          </a:xfrm>
+        </p:spPr>
+        <p:txBody>
+          <a:bodyPr>
+            <a:normAutofit/>
+          </a:bodyPr>
+          <a:lstStyle/>
+          <a:p>
+            <a:r>
+              <a:rPr lang="en-US" dirty="0"/>
+              <a:t>Standard Guideline for Authoring Tools Development</a:t>
+            </a:r>
+          </a:p>
+          <a:p>
+            <a:r>
+              <a:rPr lang="en-US" dirty="0"/>
+              <a:t>Accessibility can be improved during content development</a:t>
+            </a:r>
+          </a:p>
+          <a:p>
+            <a:r>
+              <a:rPr lang="en-US" dirty="0"/>
+              <a:t>There are many authoring apps/plugins are extensible and can contains the accessibility check mechanism.</a:t>
+            </a:r>
+          </a:p>
+          <a:p>
+            <a:pPr lvl="1"/>
+            <a:r>
+              <a:rPr lang="en-US" dirty="0"/>
+              <a:t>Visual Studio Code Plugin</a:t>
+            </a:r>
+          </a:p>
+          <a:p>
+            <a:pPr lvl="1"/>
+            <a:r>
+              <a:rPr lang="en-US" dirty="0"/>
+              <a:t>Markdown Stand-alone editor</a:t>
+            </a:r>
+          </a:p>
+          <a:p>
+            <a:r>
+              <a:rPr lang="en-US" dirty="0"/>
+              <a:t>Disability Justice Perspective - Leadership of Those Most Impacted.</a:t>
+            </a:r>
+          </a:p>
+          <a:p>
+            <a:pPr lvl="1"/>
+            <a:r>
+              <a:rPr lang="en-US" dirty="0"/>
+              <a:t>Highly recommend this course to be any (pre-) CS program and make it mandatory. </a:t>
+            </a:r>
+          </a:p>
+        </p:txBody>
+      </p:sp>
+    </p:spTree>
+    <p:extLst>
+      <p:ext uri="{BB962C8B-B14F-4D97-AF65-F5344CB8AC3E}">
+        <p14:creationId xmlns:p14="http://schemas.microsoft.com/office/powerpoint/2010/main" val="3992563587"/>
+      </p:ext>
+    </p:extLst>
+  </p:cSld>
+  <p:clrMapOvr>
+    <a:masterClrMapping/>
+  </p:clrMapOvr>
+</p:sld>
+</file>
+
+<file path=ppt/slides/slide11.xml><?xml version="1.0" encoding="utf-8"?>
+<p:sld xmlns:a="http://schemas.openxmlformats.org/drawingml/2006/main" xmlns:r="http://schemas.openxmlformats.org/officeDocument/2006/relationships" xmlns:p="http://schemas.openxmlformats.org/presentationml/2006/main">
+  <p:cSld>
     <p:spTree>
       <p:nvGrpSpPr>
         <p:cNvPr id="1" name=""/>
@@ -3445,7 +10446,7 @@
           <a:p>
             <a:r>
               <a:rPr lang="en-US" dirty="0"/>
-              <a:t>Future Work</a:t>
+              <a:t>Future Works</a:t>
             </a:r>
           </a:p>
         </p:txBody>
@@ -3470,6 +10471,102 @@
         <p:txBody>
           <a:bodyPr/>
           <a:lstStyle/>
+          <a:p>
+            <a:r>
+              <a:rPr lang="en-US" sz="2400" dirty="0">
+                <a:effectLst/>
+                <a:latin typeface="Calibri" panose="020F0502020204030204" pitchFamily="34" charset="0"/>
+                <a:ea typeface="Malgun Gothic" panose="020B0503020000020004" pitchFamily="34" charset="-127"/>
+                <a:cs typeface="Times New Roman" panose="02020603050405020304" pitchFamily="18" charset="0"/>
+              </a:rPr>
+              <a:t>Merge the library into the python-markdown library for visibility of the work.</a:t>
+            </a:r>
+          </a:p>
+          <a:p>
+            <a:r>
+              <a:rPr lang="en-US" sz="2200" dirty="0">
+                <a:effectLst/>
+                <a:latin typeface="Calibri" panose="020F0502020204030204" pitchFamily="34" charset="0"/>
+                <a:ea typeface="Malgun Gothic" panose="020B0503020000020004" pitchFamily="34" charset="-127"/>
+                <a:cs typeface="Times New Roman" panose="02020603050405020304" pitchFamily="18" charset="0"/>
+              </a:rPr>
+              <a:t>Solution for accessing and checking non-text content</a:t>
+            </a:r>
+          </a:p>
+          <a:p>
+            <a:pPr lvl="1"/>
+            <a:r>
+              <a:rPr lang="en-US" sz="1800" dirty="0">
+                <a:effectLst/>
+                <a:latin typeface="Calibri" panose="020F0502020204030204" pitchFamily="34" charset="0"/>
+                <a:ea typeface="Malgun Gothic" panose="020B0503020000020004" pitchFamily="34" charset="-127"/>
+                <a:cs typeface="Times New Roman" panose="02020603050405020304" pitchFamily="18" charset="0"/>
+              </a:rPr>
+              <a:t>Image </a:t>
+            </a:r>
+            <a:r>
+              <a:rPr lang="en-US" sz="1800">
+                <a:effectLst/>
+                <a:latin typeface="Calibri" panose="020F0502020204030204" pitchFamily="34" charset="0"/>
+                <a:ea typeface="Malgun Gothic" panose="020B0503020000020004" pitchFamily="34" charset="-127"/>
+                <a:cs typeface="Times New Roman" panose="02020603050405020304" pitchFamily="18" charset="0"/>
+              </a:rPr>
+              <a:t>in local machine.</a:t>
+            </a:r>
+            <a:endParaRPr lang="en-US" sz="1800" dirty="0">
+              <a:effectLst/>
+              <a:latin typeface="Calibri" panose="020F0502020204030204" pitchFamily="34" charset="0"/>
+              <a:ea typeface="Malgun Gothic" panose="020B0503020000020004" pitchFamily="34" charset="-127"/>
+              <a:cs typeface="Times New Roman" panose="02020603050405020304" pitchFamily="18" charset="0"/>
+            </a:endParaRPr>
+          </a:p>
+          <a:p>
+            <a:pPr lvl="1"/>
+            <a:r>
+              <a:rPr lang="en-US" sz="1800" dirty="0">
+                <a:latin typeface="Calibri" panose="020F0502020204030204" pitchFamily="34" charset="0"/>
+                <a:ea typeface="Malgun Gothic" panose="020B0503020000020004" pitchFamily="34" charset="-127"/>
+                <a:cs typeface="Times New Roman" panose="02020603050405020304" pitchFamily="18" charset="0"/>
+              </a:rPr>
+              <a:t>Any other pre-authored content</a:t>
+            </a:r>
+          </a:p>
+          <a:p>
+            <a:r>
+              <a:rPr lang="en-US" sz="2400" u="sng" dirty="0">
+                <a:solidFill>
+                  <a:srgbClr val="4A6EE0"/>
+                </a:solidFill>
+                <a:effectLst/>
+                <a:latin typeface="Calibri" panose="020F0502020204030204" pitchFamily="34" charset="0"/>
+                <a:ea typeface="Malgun Gothic" panose="020B0503020000020004" pitchFamily="34" charset="-127"/>
+                <a:cs typeface="Times New Roman" panose="02020603050405020304" pitchFamily="18" charset="0"/>
+                <a:hlinkClick r:id="rId2"/>
+              </a:rPr>
+              <a:t>Visual Studio Code</a:t>
+            </a:r>
+            <a:r>
+              <a:rPr lang="en-US" sz="2400" dirty="0">
+                <a:effectLst/>
+                <a:latin typeface="Calibri" panose="020F0502020204030204" pitchFamily="34" charset="0"/>
+                <a:ea typeface="Malgun Gothic" panose="020B0503020000020004" pitchFamily="34" charset="-127"/>
+                <a:cs typeface="Times New Roman" panose="02020603050405020304" pitchFamily="18" charset="0"/>
+              </a:rPr>
+              <a:t> markdown preview plugin. </a:t>
+            </a:r>
+          </a:p>
+          <a:p>
+            <a:pPr lvl="1"/>
+            <a:r>
+              <a:rPr lang="en-US" sz="1800" dirty="0">
+                <a:effectLst/>
+                <a:latin typeface="Calibri" panose="020F0502020204030204" pitchFamily="34" charset="0"/>
+                <a:ea typeface="Malgun Gothic" panose="020B0503020000020004" pitchFamily="34" charset="-127"/>
+                <a:cs typeface="Times New Roman" panose="02020603050405020304" pitchFamily="18" charset="0"/>
+              </a:rPr>
+              <a:t>Real-time feedback in the console.</a:t>
+            </a:r>
+          </a:p>
           <a:p>
             <a:endParaRPr lang="en-US" dirty="0"/>
           </a:p>
@@ -3555,15 +10652,18 @@
           <a:lstStyle/>
           <a:p>
             <a:r>
-              <a:rPr lang="en-US" dirty="0"/>
+              <a:rPr lang="en-US" dirty="0">
+                <a:hlinkClick r:id="rId2"/>
+              </a:rPr>
               <a:t>Homework #2 Website/App Accessibility Assessment</a:t>
             </a:r>
+            <a:endParaRPr lang="en-US" dirty="0"/>
           </a:p>
           <a:p>
             <a:pPr lvl="1"/>
             <a:r>
               <a:rPr lang="en-US" dirty="0"/>
-              <a:t>There are many tools available that checks the accessibility in website.</a:t>
+              <a:t>There are many tools available that check the accessibility in HTML website.</a:t>
             </a:r>
           </a:p>
           <a:p>
@@ -3577,6 +10677,12 @@
             <a:r>
               <a:rPr lang="en-US" dirty="0"/>
               <a:t>Long feedback loop or development cost, i.e., re-deployment and validation.</a:t>
+            </a:r>
+          </a:p>
+          <a:p>
+            <a:r>
+              <a:rPr lang="en-US" dirty="0"/>
+              <a:t>Can we improve the feedback loop so that more accessibility addressed in early stage of content development?</a:t>
             </a:r>
           </a:p>
           <a:p>
@@ -3614,6 +10720,110 @@
 </file>
 
 <file path=ppt/slides/slide3.xml><?xml version="1.0" encoding="utf-8"?>
+<p:sld xmlns:a="http://schemas.openxmlformats.org/drawingml/2006/main" xmlns:r="http://schemas.openxmlformats.org/officeDocument/2006/relationships" xmlns:p="http://schemas.openxmlformats.org/presentationml/2006/main">
+  <p:cSld>
+    <p:bg>
+      <p:bgPr>
+        <a:solidFill>
+          <a:schemeClr val="bg1"/>
+        </a:solidFill>
+        <a:effectLst/>
+      </p:bgPr>
+    </p:bg>
+    <p:spTree>
+      <p:nvGrpSpPr>
+        <p:cNvPr id="1" name=""/>
+        <p:cNvGrpSpPr/>
+        <p:nvPr/>
+      </p:nvGrpSpPr>
+      <p:grpSpPr>
+        <a:xfrm>
+          <a:off x="0" y="0"/>
+          <a:ext cx="0" cy="0"/>
+          <a:chOff x="0" y="0"/>
+          <a:chExt cx="0" cy="0"/>
+        </a:xfrm>
+      </p:grpSpPr>
+      <p:sp>
+        <p:nvSpPr>
+          <p:cNvPr id="2" name="Title 1">
+            <a:extLst>
+              <a:ext uri="{FF2B5EF4-FFF2-40B4-BE49-F238E27FC236}">
+                <a16:creationId xmlns:a16="http://schemas.microsoft.com/office/drawing/2014/main" id="{DF785475-1377-F60F-119A-0C1B28578853}"/>
+              </a:ext>
+            </a:extLst>
+          </p:cNvPr>
+          <p:cNvSpPr>
+            <a:spLocks noGrp="1"/>
+          </p:cNvSpPr>
+          <p:nvPr>
+            <p:ph type="title"/>
+          </p:nvPr>
+        </p:nvSpPr>
+        <p:spPr>
+          <a:xfrm>
+            <a:off x="391378" y="320675"/>
+            <a:ext cx="11407487" cy="1325563"/>
+          </a:xfrm>
+        </p:spPr>
+        <p:txBody>
+          <a:bodyPr>
+            <a:normAutofit/>
+          </a:bodyPr>
+          <a:lstStyle/>
+          <a:p>
+            <a:r>
+              <a:rPr lang="en-US" sz="5400"/>
+              <a:t>Standard Guidelines Highlight</a:t>
+            </a:r>
+          </a:p>
+        </p:txBody>
+      </p:sp>
+      <p:graphicFrame>
+        <p:nvGraphicFramePr>
+          <p:cNvPr id="6" name="Content Placeholder 2">
+            <a:extLst>
+              <a:ext uri="{FF2B5EF4-FFF2-40B4-BE49-F238E27FC236}">
+                <a16:creationId xmlns:a16="http://schemas.microsoft.com/office/drawing/2014/main" id="{65C16D57-277F-F4CD-E543-9F5AB251D093}"/>
+              </a:ext>
+            </a:extLst>
+          </p:cNvPr>
+          <p:cNvGraphicFramePr>
+            <a:graphicFrameLocks noGrp="1"/>
+          </p:cNvGraphicFramePr>
+          <p:nvPr>
+            <p:ph idx="1"/>
+            <p:extLst>
+              <p:ext uri="{D42A27DB-BD31-4B8C-83A1-F6EECF244321}">
+                <p14:modId xmlns:p14="http://schemas.microsoft.com/office/powerpoint/2010/main" val="198002519"/>
+              </p:ext>
+            </p:extLst>
+          </p:nvPr>
+        </p:nvGraphicFramePr>
+        <p:xfrm>
+          <a:off x="391379" y="1825625"/>
+          <a:ext cx="11407487" cy="4351338"/>
+        </p:xfrm>
+        <a:graphic>
+          <a:graphicData uri="http://schemas.openxmlformats.org/drawingml/2006/diagram">
+            <dgm:relIds xmlns:dgm="http://schemas.openxmlformats.org/drawingml/2006/diagram" xmlns:r="http://schemas.openxmlformats.org/officeDocument/2006/relationships" r:dm="rId2" r:lo="rId3" r:qs="rId4" r:cs="rId5"/>
+          </a:graphicData>
+        </a:graphic>
+      </p:graphicFrame>
+    </p:spTree>
+    <p:extLst>
+      <p:ext uri="{BB962C8B-B14F-4D97-AF65-F5344CB8AC3E}">
+        <p14:creationId xmlns:p14="http://schemas.microsoft.com/office/powerpoint/2010/main" val="1485820346"/>
+      </p:ext>
+    </p:extLst>
+  </p:cSld>
+  <p:clrMapOvr>
+    <a:masterClrMapping/>
+  </p:clrMapOvr>
+</p:sld>
+</file>
+
+<file path=ppt/slides/slide4.xml><?xml version="1.0" encoding="utf-8"?>
 <p:sld xmlns:a="http://schemas.openxmlformats.org/drawingml/2006/main" xmlns:r="http://schemas.openxmlformats.org/officeDocument/2006/relationships" xmlns:p="http://schemas.openxmlformats.org/presentationml/2006/main">
   <p:cSld>
     <p:spTree>
@@ -3635,7 +10845,7 @@
           <p:cNvPr id="2" name="Title 1">
             <a:extLst>
               <a:ext uri="{FF2B5EF4-FFF2-40B4-BE49-F238E27FC236}">
-                <a16:creationId xmlns:a16="http://schemas.microsoft.com/office/drawing/2014/main" id="{121E7783-87D4-4A7D-8A70-8311C4CC7C7A}"/>
+                <a16:creationId xmlns:a16="http://schemas.microsoft.com/office/drawing/2014/main" id="{CC257750-5ABC-33B6-95F4-1EB8393C11EB}"/>
               </a:ext>
             </a:extLst>
           </p:cNvPr>
@@ -3653,7 +10863,91 @@
           <a:p>
             <a:r>
               <a:rPr lang="en-US" dirty="0"/>
-              <a:t>MD -&gt; HTML Workflow</a:t>
+              <a:t>Three Experiment Streams</a:t>
+            </a:r>
+          </a:p>
+        </p:txBody>
+      </p:sp>
+      <p:graphicFrame>
+        <p:nvGraphicFramePr>
+          <p:cNvPr id="7" name="Content Placeholder 2">
+            <a:extLst>
+              <a:ext uri="{FF2B5EF4-FFF2-40B4-BE49-F238E27FC236}">
+                <a16:creationId xmlns:a16="http://schemas.microsoft.com/office/drawing/2014/main" id="{F5281873-D054-9168-2A74-7E9622F12CEF}"/>
+              </a:ext>
+            </a:extLst>
+          </p:cNvPr>
+          <p:cNvGraphicFramePr>
+            <a:graphicFrameLocks noGrp="1"/>
+          </p:cNvGraphicFramePr>
+          <p:nvPr>
+            <p:ph idx="1"/>
+          </p:nvPr>
+        </p:nvGraphicFramePr>
+        <p:xfrm>
+          <a:off x="838200" y="1825625"/>
+          <a:ext cx="10515600" cy="4351338"/>
+        </p:xfrm>
+        <a:graphic>
+          <a:graphicData uri="http://schemas.openxmlformats.org/drawingml/2006/diagram">
+            <dgm:relIds xmlns:dgm="http://schemas.openxmlformats.org/drawingml/2006/diagram" xmlns:r="http://schemas.openxmlformats.org/officeDocument/2006/relationships" r:dm="rId2" r:lo="rId3" r:qs="rId4" r:cs="rId5"/>
+          </a:graphicData>
+        </a:graphic>
+      </p:graphicFrame>
+    </p:spTree>
+    <p:extLst>
+      <p:ext uri="{BB962C8B-B14F-4D97-AF65-F5344CB8AC3E}">
+        <p14:creationId xmlns:p14="http://schemas.microsoft.com/office/powerpoint/2010/main" val="827021043"/>
+      </p:ext>
+    </p:extLst>
+  </p:cSld>
+  <p:clrMapOvr>
+    <a:masterClrMapping/>
+  </p:clrMapOvr>
+</p:sld>
+</file>
+
+<file path=ppt/slides/slide5.xml><?xml version="1.0" encoding="utf-8"?>
+<p:sld xmlns:a="http://schemas.openxmlformats.org/drawingml/2006/main" xmlns:r="http://schemas.openxmlformats.org/officeDocument/2006/relationships" xmlns:p="http://schemas.openxmlformats.org/presentationml/2006/main">
+  <p:cSld>
+    <p:spTree>
+      <p:nvGrpSpPr>
+        <p:cNvPr id="1" name=""/>
+        <p:cNvGrpSpPr/>
+        <p:nvPr/>
+      </p:nvGrpSpPr>
+      <p:grpSpPr>
+        <a:xfrm>
+          <a:off x="0" y="0"/>
+          <a:ext cx="0" cy="0"/>
+          <a:chOff x="0" y="0"/>
+          <a:chExt cx="0" cy="0"/>
+        </a:xfrm>
+      </p:grpSpPr>
+      <p:sp>
+        <p:nvSpPr>
+          <p:cNvPr id="2" name="Title 1">
+            <a:extLst>
+              <a:ext uri="{FF2B5EF4-FFF2-40B4-BE49-F238E27FC236}">
+                <a16:creationId xmlns:a16="http://schemas.microsoft.com/office/drawing/2014/main" id="{121E7783-87D4-4A7D-8A70-8311C4CC7C7A}"/>
+              </a:ext>
+            </a:extLst>
+          </p:cNvPr>
+          <p:cNvSpPr>
+            <a:spLocks noGrp="1"/>
+          </p:cNvSpPr>
+          <p:nvPr>
+            <p:ph type="title"/>
+          </p:nvPr>
+        </p:nvSpPr>
+        <p:spPr/>
+        <p:txBody>
+          <a:bodyPr/>
+          <a:lstStyle/>
+          <a:p>
+            <a:r>
+              <a:rPr lang="en-US" dirty="0"/>
+              <a:t>Markdown -&gt; HTML Workflow</a:t>
             </a:r>
           </a:p>
         </p:txBody>
@@ -4492,7 +11786,7 @@
             <a:pPr algn="ctr"/>
             <a:r>
               <a:rPr lang="en-US" sz="1200" dirty="0"/>
-              <a:t>Post-Processor</a:t>
+              <a:t>Post-Processors</a:t>
             </a:r>
           </a:p>
         </p:txBody>
@@ -5066,7 +12360,7 @@
 </p:sld>
 </file>
 
-<file path=ppt/slides/slide4.xml><?xml version="1.0" encoding="utf-8"?>
+<file path=ppt/slides/slide6.xml><?xml version="1.0" encoding="utf-8"?>
 <p:sld xmlns:a="http://schemas.openxmlformats.org/drawingml/2006/main" xmlns:r="http://schemas.openxmlformats.org/officeDocument/2006/relationships" xmlns:p="http://schemas.openxmlformats.org/presentationml/2006/main">
   <p:cSld>
     <p:spTree>
@@ -5088,7 +12382,7 @@
           <p:cNvPr id="2" name="Title 1">
             <a:extLst>
               <a:ext uri="{FF2B5EF4-FFF2-40B4-BE49-F238E27FC236}">
-                <a16:creationId xmlns:a16="http://schemas.microsoft.com/office/drawing/2014/main" id="{CC257750-5ABC-33B6-95F4-1EB8393C11EB}"/>
+                <a16:creationId xmlns:a16="http://schemas.microsoft.com/office/drawing/2014/main" id="{121E7783-87D4-4A7D-8A70-8311C4CC7C7A}"/>
               </a:ext>
             </a:extLst>
           </p:cNvPr>
@@ -5106,7 +12400,7 @@
           <a:p>
             <a:r>
               <a:rPr lang="en-US" dirty="0"/>
-              <a:t>Three Experiment Streams</a:t>
+              <a:t>Accessibility Check</a:t>
             </a:r>
           </a:p>
         </p:txBody>
@@ -5116,7 +12410,7 @@
           <p:cNvPr id="3" name="Content Placeholder 2">
             <a:extLst>
               <a:ext uri="{FF2B5EF4-FFF2-40B4-BE49-F238E27FC236}">
-                <a16:creationId xmlns:a16="http://schemas.microsoft.com/office/drawing/2014/main" id="{F98B2279-C7C0-5B06-C3BF-66D7D23875B4}"/>
+                <a16:creationId xmlns:a16="http://schemas.microsoft.com/office/drawing/2014/main" id="{C8ED4AC2-EAD4-D025-6E45-359B92CFF0C3}"/>
               </a:ext>
             </a:extLst>
           </p:cNvPr>
@@ -5134,105 +12428,7 @@
           <a:p>
             <a:r>
               <a:rPr lang="en-US" dirty="0"/>
-              <a:t>Accessibility Check in markdown file</a:t>
-            </a:r>
-          </a:p>
-          <a:p>
-            <a:r>
-              <a:rPr lang="en-US" dirty="0"/>
-              <a:t>Add a new syntax that allows the authors to decorate to HTML attribute.</a:t>
-            </a:r>
-          </a:p>
-          <a:p>
-            <a:r>
-              <a:rPr lang="en-US" dirty="0"/>
-              <a:t>Extending the accessibility check on non-text content</a:t>
-            </a:r>
-          </a:p>
-        </p:txBody>
-      </p:sp>
-    </p:spTree>
-    <p:extLst>
-      <p:ext uri="{BB962C8B-B14F-4D97-AF65-F5344CB8AC3E}">
-        <p14:creationId xmlns:p14="http://schemas.microsoft.com/office/powerpoint/2010/main" val="827021043"/>
-      </p:ext>
-    </p:extLst>
-  </p:cSld>
-  <p:clrMapOvr>
-    <a:masterClrMapping/>
-  </p:clrMapOvr>
-</p:sld>
-</file>
-
-<file path=ppt/slides/slide5.xml><?xml version="1.0" encoding="utf-8"?>
-<p:sld xmlns:a="http://schemas.openxmlformats.org/drawingml/2006/main" xmlns:r="http://schemas.openxmlformats.org/officeDocument/2006/relationships" xmlns:p="http://schemas.openxmlformats.org/presentationml/2006/main">
-  <p:cSld>
-    <p:spTree>
-      <p:nvGrpSpPr>
-        <p:cNvPr id="1" name=""/>
-        <p:cNvGrpSpPr/>
-        <p:nvPr/>
-      </p:nvGrpSpPr>
-      <p:grpSpPr>
-        <a:xfrm>
-          <a:off x="0" y="0"/>
-          <a:ext cx="0" cy="0"/>
-          <a:chOff x="0" y="0"/>
-          <a:chExt cx="0" cy="0"/>
-        </a:xfrm>
-      </p:grpSpPr>
-      <p:sp>
-        <p:nvSpPr>
-          <p:cNvPr id="2" name="Title 1">
-            <a:extLst>
-              <a:ext uri="{FF2B5EF4-FFF2-40B4-BE49-F238E27FC236}">
-                <a16:creationId xmlns:a16="http://schemas.microsoft.com/office/drawing/2014/main" id="{121E7783-87D4-4A7D-8A70-8311C4CC7C7A}"/>
-              </a:ext>
-            </a:extLst>
-          </p:cNvPr>
-          <p:cNvSpPr>
-            <a:spLocks noGrp="1"/>
-          </p:cNvSpPr>
-          <p:nvPr>
-            <p:ph type="title"/>
-          </p:nvPr>
-        </p:nvSpPr>
-        <p:spPr/>
-        <p:txBody>
-          <a:bodyPr/>
-          <a:lstStyle/>
-          <a:p>
-            <a:r>
-              <a:rPr lang="en-US" dirty="0"/>
-              <a:t>Accessibility Check</a:t>
-            </a:r>
-          </a:p>
-        </p:txBody>
-      </p:sp>
-      <p:sp>
-        <p:nvSpPr>
-          <p:cNvPr id="3" name="Content Placeholder 2">
-            <a:extLst>
-              <a:ext uri="{FF2B5EF4-FFF2-40B4-BE49-F238E27FC236}">
-                <a16:creationId xmlns:a16="http://schemas.microsoft.com/office/drawing/2014/main" id="{C8ED4AC2-EAD4-D025-6E45-359B92CFF0C3}"/>
-              </a:ext>
-            </a:extLst>
-          </p:cNvPr>
-          <p:cNvSpPr>
-            <a:spLocks noGrp="1"/>
-          </p:cNvSpPr>
-          <p:nvPr>
-            <p:ph idx="1"/>
-          </p:nvPr>
-        </p:nvSpPr>
-        <p:spPr/>
-        <p:txBody>
-          <a:bodyPr/>
-          <a:lstStyle/>
-          <a:p>
-            <a:r>
-              <a:rPr lang="en-US" dirty="0"/>
-              <a:t>Simple format check; Title</a:t>
+              <a:t>Simple format check; Title and alternative text</a:t>
             </a:r>
           </a:p>
           <a:p>
@@ -6354,7 +13550,7 @@
 </p:sld>
 </file>
 
-<file path=ppt/slides/slide6.xml><?xml version="1.0" encoding="utf-8"?>
+<file path=ppt/slides/slide7.xml><?xml version="1.0" encoding="utf-8"?>
 <p:sld xmlns:a="http://schemas.openxmlformats.org/drawingml/2006/main" xmlns:r="http://schemas.openxmlformats.org/officeDocument/2006/relationships" xmlns:p="http://schemas.openxmlformats.org/presentationml/2006/main">
   <p:cSld>
     <p:spTree>
@@ -8124,7 +15320,7 @@
 </p:sld>
 </file>
 
-<file path=ppt/slides/slide7.xml><?xml version="1.0" encoding="utf-8"?>
+<file path=ppt/slides/slide8.xml><?xml version="1.0" encoding="utf-8"?>
 <p:sld xmlns:a="http://schemas.openxmlformats.org/drawingml/2006/main" xmlns:r="http://schemas.openxmlformats.org/officeDocument/2006/relationships" xmlns:p="http://schemas.openxmlformats.org/presentationml/2006/main">
   <p:cSld>
     <p:spTree>
@@ -10124,7 +17320,7 @@
 </p:sld>
 </file>
 
-<file path=ppt/slides/slide8.xml><?xml version="1.0" encoding="utf-8"?>
+<file path=ppt/slides/slide9.xml><?xml version="1.0" encoding="utf-8"?>
 <p:sld xmlns:a="http://schemas.openxmlformats.org/drawingml/2006/main" xmlns:r="http://schemas.openxmlformats.org/officeDocument/2006/relationships" xmlns:p="http://schemas.openxmlformats.org/presentationml/2006/main">
   <p:cSld>
     <p:spTree>
@@ -11067,97 +18263,6 @@
     <p:extLst>
       <p:ext uri="{BB962C8B-B14F-4D97-AF65-F5344CB8AC3E}">
         <p14:creationId xmlns:p14="http://schemas.microsoft.com/office/powerpoint/2010/main" val="1897814024"/>
-      </p:ext>
-    </p:extLst>
-  </p:cSld>
-  <p:clrMapOvr>
-    <a:masterClrMapping/>
-  </p:clrMapOvr>
-</p:sld>
-</file>
-
-<file path=ppt/slides/slide9.xml><?xml version="1.0" encoding="utf-8"?>
-<p:sld xmlns:a="http://schemas.openxmlformats.org/drawingml/2006/main" xmlns:r="http://schemas.openxmlformats.org/officeDocument/2006/relationships" xmlns:p="http://schemas.openxmlformats.org/presentationml/2006/main">
-  <p:cSld>
-    <p:spTree>
-      <p:nvGrpSpPr>
-        <p:cNvPr id="1" name=""/>
-        <p:cNvGrpSpPr/>
-        <p:nvPr/>
-      </p:nvGrpSpPr>
-      <p:grpSpPr>
-        <a:xfrm>
-          <a:off x="0" y="0"/>
-          <a:ext cx="0" cy="0"/>
-          <a:chOff x="0" y="0"/>
-          <a:chExt cx="0" cy="0"/>
-        </a:xfrm>
-      </p:grpSpPr>
-      <p:sp>
-        <p:nvSpPr>
-          <p:cNvPr id="2" name="Title 1">
-            <a:extLst>
-              <a:ext uri="{FF2B5EF4-FFF2-40B4-BE49-F238E27FC236}">
-                <a16:creationId xmlns:a16="http://schemas.microsoft.com/office/drawing/2014/main" id="{80D4D1A4-31AC-A6B3-E88A-B6CFD3F9A571}"/>
-              </a:ext>
-            </a:extLst>
-          </p:cNvPr>
-          <p:cNvSpPr>
-            <a:spLocks noGrp="1"/>
-          </p:cNvSpPr>
-          <p:nvPr>
-            <p:ph type="title"/>
-          </p:nvPr>
-        </p:nvSpPr>
-        <p:spPr/>
-        <p:txBody>
-          <a:bodyPr/>
-          <a:lstStyle/>
-          <a:p>
-            <a:r>
-              <a:rPr lang="en-US" dirty="0"/>
-              <a:t>Lessons Learned</a:t>
-            </a:r>
-          </a:p>
-        </p:txBody>
-      </p:sp>
-      <p:sp>
-        <p:nvSpPr>
-          <p:cNvPr id="3" name="Content Placeholder 2">
-            <a:extLst>
-              <a:ext uri="{FF2B5EF4-FFF2-40B4-BE49-F238E27FC236}">
-                <a16:creationId xmlns:a16="http://schemas.microsoft.com/office/drawing/2014/main" id="{0D3ACFC9-4185-0AA2-415B-96C3C8E8C4C2}"/>
-              </a:ext>
-            </a:extLst>
-          </p:cNvPr>
-          <p:cNvSpPr>
-            <a:spLocks noGrp="1"/>
-          </p:cNvSpPr>
-          <p:nvPr>
-            <p:ph idx="1"/>
-          </p:nvPr>
-        </p:nvSpPr>
-        <p:spPr/>
-        <p:txBody>
-          <a:bodyPr/>
-          <a:lstStyle/>
-          <a:p>
-            <a:r>
-              <a:rPr lang="en-US" dirty="0"/>
-              <a:t>Balancing the freedom in markdown </a:t>
-            </a:r>
-            <a:r>
-              <a:rPr lang="en-US" dirty="0" err="1"/>
-              <a:t>schemaless</a:t>
-            </a:r>
-            <a:endParaRPr lang="en-US" dirty="0"/>
-          </a:p>
-        </p:txBody>
-      </p:sp>
-    </p:spTree>
-    <p:extLst>
-      <p:ext uri="{BB962C8B-B14F-4D97-AF65-F5344CB8AC3E}">
-        <p14:creationId xmlns:p14="http://schemas.microsoft.com/office/powerpoint/2010/main" val="3992563587"/>
       </p:ext>
     </p:extLst>
   </p:cSld>

--- a/docs/Accessibility4md.pptx
+++ b/docs/Accessibility4md.pptx
@@ -2272,7 +2272,7 @@
         <a:lstStyle/>
         <a:p>
           <a:r>
-            <a:rPr lang="en-US"/>
+            <a:rPr lang="en-US" dirty="0"/>
             <a:t>Guideline B.2.2: Guide authors to produce accessible content</a:t>
           </a:r>
         </a:p>
@@ -2308,7 +2308,7 @@
         <a:lstStyle/>
         <a:p>
           <a:r>
-            <a:rPr lang="en-US"/>
+            <a:rPr lang="en-US" dirty="0"/>
             <a:t>Guideline B.2.3: Assist authors with managing alternative content for non-text content.</a:t>
           </a:r>
         </a:p>
@@ -2373,7 +2373,7 @@
       </dgm:t>
     </dgm:pt>
     <dgm:pt modelId="{83964696-938C-4717-B470-AE0F2885620B}">
-      <dgm:prSet/>
+      <dgm:prSet custT="1"/>
       <dgm:spPr/>
       <dgm:t>
         <a:bodyPr/>
@@ -2383,7 +2383,7 @@
             <a:defRPr b="1"/>
           </a:pPr>
           <a:r>
-            <a:rPr lang="en-US"/>
+            <a:rPr lang="en-US" sz="1800" b="0" dirty="0"/>
             <a:t>Guideline B.3.1: Assist authors in checking for accessibility problems.</a:t>
           </a:r>
         </a:p>
@@ -2419,10 +2419,10 @@
         <a:lstStyle/>
         <a:p>
           <a:r>
-            <a:rPr lang="en-US" i="0"/>
+            <a:rPr lang="en-US" i="0" dirty="0"/>
             <a:t>B.3.1.1 Checking Assistance (WCAG)</a:t>
           </a:r>
-          <a:endParaRPr lang="en-US"/>
+          <a:endParaRPr lang="en-US" dirty="0"/>
         </a:p>
       </dgm:t>
     </dgm:pt>
@@ -2640,7 +2640,7 @@
       <dgm:spPr/>
     </dgm:pt>
     <dgm:pt modelId="{1E4DA541-A544-4462-9FFC-3A6B3E7265A9}" type="pres">
-      <dgm:prSet presAssocID="{83964696-938C-4717-B470-AE0F2885620B}" presName="desTx" presStyleLbl="revTx" presStyleIdx="3" presStyleCnt="4">
+      <dgm:prSet presAssocID="{83964696-938C-4717-B470-AE0F2885620B}" presName="desTx" presStyleLbl="revTx" presStyleIdx="3" presStyleCnt="4" custLinFactNeighborX="5131" custLinFactNeighborY="-9079">
         <dgm:presLayoutVars/>
       </dgm:prSet>
       <dgm:spPr/>
@@ -3079,11 +3079,11 @@
     <dgm:cxn modelId="{18AEE112-4734-4904-AE12-539611696B78}" srcId="{58E0F128-415D-49F2-81DA-C47372FA7715}" destId="{65C00CB7-DABA-4A78-AB5F-33AACDC1677C}" srcOrd="2" destOrd="0" parTransId="{4F0CB986-686A-4CCA-9336-687DE6374B53}" sibTransId="{3DF1F46A-597C-416B-BD25-AD6BFA4E7593}"/>
     <dgm:cxn modelId="{F63F321B-68EF-45E0-A780-B9E9A9AC1133}" type="presOf" srcId="{71CB101C-B855-46F9-960D-B2A07BCD7401}" destId="{6F3DE139-0123-4E3A-A50C-5753DB4F832F}" srcOrd="0" destOrd="0" presId="urn:microsoft.com/office/officeart/2018/2/layout/IconVerticalSolidList"/>
     <dgm:cxn modelId="{C6099B28-ACF3-4F4C-8616-23A836A78D76}" srcId="{58E0F128-415D-49F2-81DA-C47372FA7715}" destId="{EF3FCDF9-DEC2-4816-8D9F-DF1E82E77427}" srcOrd="0" destOrd="0" parTransId="{BFFA18CD-6599-488A-B3E1-3F895776C5F5}" sibTransId="{1C245B42-D2A1-44FE-8634-53280859A884}"/>
+    <dgm:cxn modelId="{7CECA552-0365-4000-93DA-00CBE78BADC1}" type="presOf" srcId="{2F2B9D00-B29C-474C-B095-4629D77DDE21}" destId="{A50D4E0B-FD01-4EA1-9BB0-4796CD1EB3D7}" srcOrd="0" destOrd="0" presId="urn:microsoft.com/office/officeart/2018/2/layout/IconVerticalSolidList"/>
+    <dgm:cxn modelId="{4E256F58-EAFB-41FB-98E4-88074A6F72E2}" type="presOf" srcId="{58E0F128-415D-49F2-81DA-C47372FA7715}" destId="{F0C2FA0E-DB15-4AB9-9B9E-1D4969398CB1}" srcOrd="0" destOrd="0" presId="urn:microsoft.com/office/officeart/2018/2/layout/IconVerticalSolidList"/>
     <dgm:cxn modelId="{00C0595F-2302-42C1-ACB0-C6BD60A4A0FA}" type="presOf" srcId="{65C00CB7-DABA-4A78-AB5F-33AACDC1677C}" destId="{7A5A5CF9-1C4C-4241-B14B-A30927DFDDC4}" srcOrd="0" destOrd="0" presId="urn:microsoft.com/office/officeart/2018/2/layout/IconVerticalSolidList"/>
     <dgm:cxn modelId="{BBFF546E-1EC1-433A-A33C-EE13968C1AFA}" srcId="{2F2B9D00-B29C-474C-B095-4629D77DDE21}" destId="{0AD61078-C02A-4B1C-A347-34D02B879A9E}" srcOrd="0" destOrd="0" parTransId="{1DC80360-B4A7-48FB-98FF-1CC0B335F72F}" sibTransId="{BD90C57A-9216-4EBC-AF41-508A0C9B02AD}"/>
     <dgm:cxn modelId="{6DFD7171-7497-41C5-9175-D8C591C4551C}" type="presOf" srcId="{0AD61078-C02A-4B1C-A347-34D02B879A9E}" destId="{F1338BB6-C3C6-4F18-91B6-D0FB98250C0A}" srcOrd="0" destOrd="0" presId="urn:microsoft.com/office/officeart/2018/2/layout/IconVerticalSolidList"/>
-    <dgm:cxn modelId="{7CECA552-0365-4000-93DA-00CBE78BADC1}" type="presOf" srcId="{2F2B9D00-B29C-474C-B095-4629D77DDE21}" destId="{A50D4E0B-FD01-4EA1-9BB0-4796CD1EB3D7}" srcOrd="0" destOrd="0" presId="urn:microsoft.com/office/officeart/2018/2/layout/IconVerticalSolidList"/>
-    <dgm:cxn modelId="{4E256F58-EAFB-41FB-98E4-88074A6F72E2}" type="presOf" srcId="{58E0F128-415D-49F2-81DA-C47372FA7715}" destId="{F0C2FA0E-DB15-4AB9-9B9E-1D4969398CB1}" srcOrd="0" destOrd="0" presId="urn:microsoft.com/office/officeart/2018/2/layout/IconVerticalSolidList"/>
     <dgm:cxn modelId="{B2EF2888-A569-4870-899C-6C0D0B3B7FC7}" srcId="{58E0F128-415D-49F2-81DA-C47372FA7715}" destId="{2F2B9D00-B29C-474C-B095-4629D77DDE21}" srcOrd="1" destOrd="0" parTransId="{690C8E47-5757-489E-904C-0F85C59DF61B}" sibTransId="{9CF86D5B-C573-44AB-BAC0-071F86C3CBA2}"/>
     <dgm:cxn modelId="{2FFBB5E6-C17D-4D57-8820-1DD8666A144C}" srcId="{EF3FCDF9-DEC2-4816-8D9F-DF1E82E77427}" destId="{71CB101C-B855-46F9-960D-B2A07BCD7401}" srcOrd="0" destOrd="0" parTransId="{1C6EFC11-58E2-4781-AC8E-DF3E327DCCB3}" sibTransId="{94072EDA-60C9-452B-BFFA-C29C031E5E5D}"/>
     <dgm:cxn modelId="{3E787DEE-0EA1-4909-860D-0A414BD32714}" type="presOf" srcId="{EF3FCDF9-DEC2-4816-8D9F-DF1E82E77427}" destId="{88B04C14-D272-48D7-ADBE-030D23A972D0}" srcOrd="0" destOrd="0" presId="urn:microsoft.com/office/officeart/2018/2/layout/IconVerticalSolidList"/>
@@ -3289,7 +3289,7 @@
             <a:buNone/>
           </a:pPr>
           <a:r>
-            <a:rPr lang="en-US" sz="1700" kern="1200"/>
+            <a:rPr lang="en-US" sz="1700" kern="1200" dirty="0"/>
             <a:t>Guideline B.2.2: Guide authors to produce accessible content</a:t>
           </a:r>
         </a:p>
@@ -3307,7 +3307,7 @@
             <a:buNone/>
           </a:pPr>
           <a:r>
-            <a:rPr lang="en-US" sz="1700" kern="1200"/>
+            <a:rPr lang="en-US" sz="1700" kern="1200" dirty="0"/>
             <a:t>Guideline B.2.3: Assist authors with managing alternative content for non-text content.</a:t>
           </a:r>
         </a:p>
@@ -3422,7 +3422,7 @@
         </a:bodyPr>
         <a:lstStyle/>
         <a:p>
-          <a:pPr marL="0" lvl="0" indent="0" algn="l" defTabSz="1022350">
+          <a:pPr marL="0" lvl="0" indent="0" algn="l" defTabSz="800100">
             <a:lnSpc>
               <a:spcPct val="90000"/>
             </a:lnSpc>
@@ -3436,7 +3436,7 @@
             <a:defRPr b="1"/>
           </a:pPr>
           <a:r>
-            <a:rPr lang="en-US" sz="2300" kern="1200"/>
+            <a:rPr lang="en-US" sz="1800" b="0" kern="1200" dirty="0"/>
             <a:t>Guideline B.3.1: Assist authors in checking for accessibility problems.</a:t>
           </a:r>
         </a:p>
@@ -3453,7 +3453,7 @@
       </dsp:nvSpPr>
       <dsp:spPr>
         <a:xfrm>
-          <a:off x="6081743" y="2569135"/>
+          <a:off x="6303402" y="2421353"/>
           <a:ext cx="4320000" cy="1627738"/>
         </a:xfrm>
         <a:prstGeom prst="rect">
@@ -3496,10 +3496,10 @@
             <a:buNone/>
           </a:pPr>
           <a:r>
-            <a:rPr lang="en-US" sz="1700" i="0" kern="1200"/>
+            <a:rPr lang="en-US" sz="1700" i="0" kern="1200" dirty="0"/>
             <a:t>B.3.1.1 Checking Assistance (WCAG)</a:t>
           </a:r>
-          <a:endParaRPr lang="en-US" sz="1700" kern="1200"/>
+          <a:endParaRPr lang="en-US" sz="1700" kern="1200" dirty="0"/>
         </a:p>
         <a:p>
           <a:pPr marL="0" lvl="0" indent="0" algn="l" defTabSz="755650">
@@ -3541,7 +3541,7 @@
         </a:p>
       </dsp:txBody>
       <dsp:txXfrm>
-        <a:off x="6081743" y="2569135"/>
+        <a:off x="6303402" y="2421353"/>
         <a:ext cx="4320000" cy="1627738"/>
       </dsp:txXfrm>
     </dsp:sp>
@@ -6876,7 +6876,7 @@
           <a:p>
             <a:fld id="{6597533E-A8BF-4159-8C5B-62ABD488D41B}" type="datetimeFigureOut">
               <a:rPr lang="en-US" smtClean="0"/>
-              <a:t>3/11/2023</a:t>
+              <a:t>3/14/23</a:t>
             </a:fld>
             <a:endParaRPr lang="en-US"/>
           </a:p>
@@ -7074,7 +7074,7 @@
           <a:p>
             <a:fld id="{6597533E-A8BF-4159-8C5B-62ABD488D41B}" type="datetimeFigureOut">
               <a:rPr lang="en-US" smtClean="0"/>
-              <a:t>3/11/2023</a:t>
+              <a:t>3/14/23</a:t>
             </a:fld>
             <a:endParaRPr lang="en-US"/>
           </a:p>
@@ -7282,7 +7282,7 @@
           <a:p>
             <a:fld id="{6597533E-A8BF-4159-8C5B-62ABD488D41B}" type="datetimeFigureOut">
               <a:rPr lang="en-US" smtClean="0"/>
-              <a:t>3/11/2023</a:t>
+              <a:t>3/14/23</a:t>
             </a:fld>
             <a:endParaRPr lang="en-US"/>
           </a:p>
@@ -7480,7 +7480,7 @@
           <a:p>
             <a:fld id="{6597533E-A8BF-4159-8C5B-62ABD488D41B}" type="datetimeFigureOut">
               <a:rPr lang="en-US" smtClean="0"/>
-              <a:t>3/11/2023</a:t>
+              <a:t>3/14/23</a:t>
             </a:fld>
             <a:endParaRPr lang="en-US"/>
           </a:p>
@@ -7755,7 +7755,7 @@
           <a:p>
             <a:fld id="{6597533E-A8BF-4159-8C5B-62ABD488D41B}" type="datetimeFigureOut">
               <a:rPr lang="en-US" smtClean="0"/>
-              <a:t>3/11/2023</a:t>
+              <a:t>3/14/23</a:t>
             </a:fld>
             <a:endParaRPr lang="en-US"/>
           </a:p>
@@ -8020,7 +8020,7 @@
           <a:p>
             <a:fld id="{6597533E-A8BF-4159-8C5B-62ABD488D41B}" type="datetimeFigureOut">
               <a:rPr lang="en-US" smtClean="0"/>
-              <a:t>3/11/2023</a:t>
+              <a:t>3/14/23</a:t>
             </a:fld>
             <a:endParaRPr lang="en-US"/>
           </a:p>
@@ -8432,7 +8432,7 @@
           <a:p>
             <a:fld id="{6597533E-A8BF-4159-8C5B-62ABD488D41B}" type="datetimeFigureOut">
               <a:rPr lang="en-US" smtClean="0"/>
-              <a:t>3/11/2023</a:t>
+              <a:t>3/14/23</a:t>
             </a:fld>
             <a:endParaRPr lang="en-US"/>
           </a:p>
@@ -8573,7 +8573,7 @@
           <a:p>
             <a:fld id="{6597533E-A8BF-4159-8C5B-62ABD488D41B}" type="datetimeFigureOut">
               <a:rPr lang="en-US" smtClean="0"/>
-              <a:t>3/11/2023</a:t>
+              <a:t>3/14/23</a:t>
             </a:fld>
             <a:endParaRPr lang="en-US"/>
           </a:p>
@@ -8686,7 +8686,7 @@
           <a:p>
             <a:fld id="{6597533E-A8BF-4159-8C5B-62ABD488D41B}" type="datetimeFigureOut">
               <a:rPr lang="en-US" smtClean="0"/>
-              <a:t>3/11/2023</a:t>
+              <a:t>3/14/23</a:t>
             </a:fld>
             <a:endParaRPr lang="en-US"/>
           </a:p>
@@ -8997,7 +8997,7 @@
           <a:p>
             <a:fld id="{6597533E-A8BF-4159-8C5B-62ABD488D41B}" type="datetimeFigureOut">
               <a:rPr lang="en-US" smtClean="0"/>
-              <a:t>3/11/2023</a:t>
+              <a:t>3/14/23</a:t>
             </a:fld>
             <a:endParaRPr lang="en-US"/>
           </a:p>
@@ -9285,7 +9285,7 @@
           <a:p>
             <a:fld id="{6597533E-A8BF-4159-8C5B-62ABD488D41B}" type="datetimeFigureOut">
               <a:rPr lang="en-US" smtClean="0"/>
-              <a:t>3/11/2023</a:t>
+              <a:t>3/14/23</a:t>
             </a:fld>
             <a:endParaRPr lang="en-US"/>
           </a:p>
@@ -9526,7 +9526,7 @@
           <a:p>
             <a:fld id="{6597533E-A8BF-4159-8C5B-62ABD488D41B}" type="datetimeFigureOut">
               <a:rPr lang="en-US" smtClean="0"/>
-              <a:t>3/11/2023</a:t>
+              <a:t>3/14/23</a:t>
             </a:fld>
             <a:endParaRPr lang="en-US"/>
           </a:p>
@@ -10795,7 +10795,7 @@
             <p:ph idx="1"/>
             <p:extLst>
               <p:ext uri="{D42A27DB-BD31-4B8C-83A1-F6EECF244321}">
-                <p14:modId xmlns:p14="http://schemas.microsoft.com/office/powerpoint/2010/main" val="198002519"/>
+                <p14:modId xmlns:p14="http://schemas.microsoft.com/office/powerpoint/2010/main" val="2701898604"/>
               </p:ext>
             </p:extLst>
           </p:nvPr>
